--- a/Face_Recognition_Presentation_Revised.pptx
+++ b/Face_Recognition_Presentation_Revised.pptx
@@ -4,19 +4,21 @@
   <p:sldMasterIdLst>
     <p:sldMasterId id="2147483882" r:id="rId1"/>
   </p:sldMasterIdLst>
+  <p:notesMasterIdLst>
+    <p:notesMasterId r:id="rId13"/>
+  </p:notesMasterIdLst>
   <p:sldIdLst>
     <p:sldId id="256" r:id="rId2"/>
-    <p:sldId id="257" r:id="rId3"/>
-    <p:sldId id="258" r:id="rId4"/>
-    <p:sldId id="259" r:id="rId5"/>
-    <p:sldId id="260" r:id="rId6"/>
-    <p:sldId id="261" r:id="rId7"/>
-    <p:sldId id="262" r:id="rId8"/>
-    <p:sldId id="263" r:id="rId9"/>
+    <p:sldId id="258" r:id="rId3"/>
+    <p:sldId id="259" r:id="rId4"/>
+    <p:sldId id="260" r:id="rId5"/>
+    <p:sldId id="261" r:id="rId6"/>
+    <p:sldId id="262" r:id="rId7"/>
+    <p:sldId id="263" r:id="rId8"/>
+    <p:sldId id="269" r:id="rId9"/>
     <p:sldId id="267" r:id="rId10"/>
     <p:sldId id="264" r:id="rId11"/>
     <p:sldId id="265" r:id="rId12"/>
-    <p:sldId id="266" r:id="rId13"/>
   </p:sldIdLst>
   <p:sldSz cx="9144000" cy="6858000" type="screen4x3"/>
   <p:notesSz cx="6858000" cy="9144000"/>
@@ -134,6 +136,440 @@
 </p:presentation>
 </file>
 
+<file path=ppt/notesMasters/notesMaster1.xml><?xml version="1.0" encoding="utf-8"?>
+<p:notesMaster xmlns:a="http://schemas.openxmlformats.org/drawingml/2006/main" xmlns:r="http://schemas.openxmlformats.org/officeDocument/2006/relationships" xmlns:p="http://schemas.openxmlformats.org/presentationml/2006/main">
+  <p:cSld>
+    <p:bg>
+      <p:bgRef idx="1001">
+        <a:schemeClr val="bg1"/>
+      </p:bgRef>
+    </p:bg>
+    <p:spTree>
+      <p:nvGrpSpPr>
+        <p:cNvPr id="1" name=""/>
+        <p:cNvGrpSpPr/>
+        <p:nvPr/>
+      </p:nvGrpSpPr>
+      <p:grpSpPr>
+        <a:xfrm>
+          <a:off x="0" y="0"/>
+          <a:ext cx="0" cy="0"/>
+          <a:chOff x="0" y="0"/>
+          <a:chExt cx="0" cy="0"/>
+        </a:xfrm>
+      </p:grpSpPr>
+      <p:sp>
+        <p:nvSpPr>
+          <p:cNvPr id="2" name="Header Placeholder 1"/>
+          <p:cNvSpPr>
+            <a:spLocks noGrp="1"/>
+          </p:cNvSpPr>
+          <p:nvPr>
+            <p:ph type="hdr" sz="quarter"/>
+          </p:nvPr>
+        </p:nvSpPr>
+        <p:spPr>
+          <a:xfrm>
+            <a:off x="0" y="0"/>
+            <a:ext cx="2971800" cy="458788"/>
+          </a:xfrm>
+          <a:prstGeom prst="rect">
+            <a:avLst/>
+          </a:prstGeom>
+        </p:spPr>
+        <p:txBody>
+          <a:bodyPr vert="horz" lIns="91440" tIns="45720" rIns="91440" bIns="45720" rtlCol="0"/>
+          <a:lstStyle>
+            <a:lvl1pPr algn="l">
+              <a:defRPr sz="1200"/>
+            </a:lvl1pPr>
+          </a:lstStyle>
+          <a:p>
+            <a:endParaRPr lang="en-IL"/>
+          </a:p>
+        </p:txBody>
+      </p:sp>
+      <p:sp>
+        <p:nvSpPr>
+          <p:cNvPr id="3" name="Date Placeholder 2"/>
+          <p:cNvSpPr>
+            <a:spLocks noGrp="1"/>
+          </p:cNvSpPr>
+          <p:nvPr>
+            <p:ph type="dt" idx="1"/>
+          </p:nvPr>
+        </p:nvSpPr>
+        <p:spPr>
+          <a:xfrm>
+            <a:off x="3884613" y="0"/>
+            <a:ext cx="2971800" cy="458788"/>
+          </a:xfrm>
+          <a:prstGeom prst="rect">
+            <a:avLst/>
+          </a:prstGeom>
+        </p:spPr>
+        <p:txBody>
+          <a:bodyPr vert="horz" lIns="91440" tIns="45720" rIns="91440" bIns="45720" rtlCol="0"/>
+          <a:lstStyle>
+            <a:lvl1pPr algn="r">
+              <a:defRPr sz="1200"/>
+            </a:lvl1pPr>
+          </a:lstStyle>
+          <a:p>
+            <a:fld id="{783DD38C-8D8D-F849-A431-9257B7DD5430}" type="datetimeFigureOut">
+              <a:rPr lang="en-IL" smtClean="0"/>
+              <a:t>09/03/2024</a:t>
+            </a:fld>
+            <a:endParaRPr lang="en-IL"/>
+          </a:p>
+        </p:txBody>
+      </p:sp>
+      <p:sp>
+        <p:nvSpPr>
+          <p:cNvPr id="4" name="Slide Image Placeholder 3"/>
+          <p:cNvSpPr>
+            <a:spLocks noGrp="1" noRot="1" noChangeAspect="1"/>
+          </p:cNvSpPr>
+          <p:nvPr>
+            <p:ph type="sldImg" idx="2"/>
+          </p:nvPr>
+        </p:nvSpPr>
+        <p:spPr>
+          <a:xfrm>
+            <a:off x="1371600" y="1143000"/>
+            <a:ext cx="4114800" cy="3086100"/>
+          </a:xfrm>
+          <a:prstGeom prst="rect">
+            <a:avLst/>
+          </a:prstGeom>
+          <a:noFill/>
+          <a:ln w="12700">
+            <a:solidFill>
+              <a:prstClr val="black"/>
+            </a:solidFill>
+          </a:ln>
+        </p:spPr>
+        <p:txBody>
+          <a:bodyPr vert="horz" lIns="91440" tIns="45720" rIns="91440" bIns="45720" rtlCol="0" anchor="ctr"/>
+          <a:lstStyle/>
+          <a:p>
+            <a:endParaRPr lang="en-IL"/>
+          </a:p>
+        </p:txBody>
+      </p:sp>
+      <p:sp>
+        <p:nvSpPr>
+          <p:cNvPr id="5" name="Notes Placeholder 4"/>
+          <p:cNvSpPr>
+            <a:spLocks noGrp="1"/>
+          </p:cNvSpPr>
+          <p:nvPr>
+            <p:ph type="body" sz="quarter" idx="3"/>
+          </p:nvPr>
+        </p:nvSpPr>
+        <p:spPr>
+          <a:xfrm>
+            <a:off x="685800" y="4400550"/>
+            <a:ext cx="5486400" cy="3600450"/>
+          </a:xfrm>
+          <a:prstGeom prst="rect">
+            <a:avLst/>
+          </a:prstGeom>
+        </p:spPr>
+        <p:txBody>
+          <a:bodyPr vert="horz" lIns="91440" tIns="45720" rIns="91440" bIns="45720" rtlCol="0"/>
+          <a:lstStyle/>
+          <a:p>
+            <a:pPr lvl="0"/>
+            <a:r>
+              <a:rPr lang="en-US"/>
+              <a:t>Click to edit Master text styles</a:t>
+            </a:r>
+          </a:p>
+          <a:p>
+            <a:pPr lvl="1"/>
+            <a:r>
+              <a:rPr lang="en-US"/>
+              <a:t>Second level</a:t>
+            </a:r>
+          </a:p>
+          <a:p>
+            <a:pPr lvl="2"/>
+            <a:r>
+              <a:rPr lang="en-US"/>
+              <a:t>Third level</a:t>
+            </a:r>
+          </a:p>
+          <a:p>
+            <a:pPr lvl="3"/>
+            <a:r>
+              <a:rPr lang="en-US"/>
+              <a:t>Fourth level</a:t>
+            </a:r>
+          </a:p>
+          <a:p>
+            <a:pPr lvl="4"/>
+            <a:r>
+              <a:rPr lang="en-US"/>
+              <a:t>Fifth level</a:t>
+            </a:r>
+            <a:endParaRPr lang="en-IL"/>
+          </a:p>
+        </p:txBody>
+      </p:sp>
+      <p:sp>
+        <p:nvSpPr>
+          <p:cNvPr id="6" name="Footer Placeholder 5"/>
+          <p:cNvSpPr>
+            <a:spLocks noGrp="1"/>
+          </p:cNvSpPr>
+          <p:nvPr>
+            <p:ph type="ftr" sz="quarter" idx="4"/>
+          </p:nvPr>
+        </p:nvSpPr>
+        <p:spPr>
+          <a:xfrm>
+            <a:off x="0" y="8685213"/>
+            <a:ext cx="2971800" cy="458787"/>
+          </a:xfrm>
+          <a:prstGeom prst="rect">
+            <a:avLst/>
+          </a:prstGeom>
+        </p:spPr>
+        <p:txBody>
+          <a:bodyPr vert="horz" lIns="91440" tIns="45720" rIns="91440" bIns="45720" rtlCol="0" anchor="b"/>
+          <a:lstStyle>
+            <a:lvl1pPr algn="l">
+              <a:defRPr sz="1200"/>
+            </a:lvl1pPr>
+          </a:lstStyle>
+          <a:p>
+            <a:endParaRPr lang="en-IL"/>
+          </a:p>
+        </p:txBody>
+      </p:sp>
+      <p:sp>
+        <p:nvSpPr>
+          <p:cNvPr id="7" name="Slide Number Placeholder 6"/>
+          <p:cNvSpPr>
+            <a:spLocks noGrp="1"/>
+          </p:cNvSpPr>
+          <p:nvPr>
+            <p:ph type="sldNum" sz="quarter" idx="5"/>
+          </p:nvPr>
+        </p:nvSpPr>
+        <p:spPr>
+          <a:xfrm>
+            <a:off x="3884613" y="8685213"/>
+            <a:ext cx="2971800" cy="458787"/>
+          </a:xfrm>
+          <a:prstGeom prst="rect">
+            <a:avLst/>
+          </a:prstGeom>
+        </p:spPr>
+        <p:txBody>
+          <a:bodyPr vert="horz" lIns="91440" tIns="45720" rIns="91440" bIns="45720" rtlCol="0" anchor="b"/>
+          <a:lstStyle>
+            <a:lvl1pPr algn="r">
+              <a:defRPr sz="1200"/>
+            </a:lvl1pPr>
+          </a:lstStyle>
+          <a:p>
+            <a:fld id="{7F25D6CA-5F53-E74C-8876-D8EBB1939596}" type="slidenum">
+              <a:rPr lang="en-IL" smtClean="0"/>
+              <a:t>‹#›</a:t>
+            </a:fld>
+            <a:endParaRPr lang="en-IL"/>
+          </a:p>
+        </p:txBody>
+      </p:sp>
+    </p:spTree>
+    <p:extLst>
+      <p:ext uri="{BB962C8B-B14F-4D97-AF65-F5344CB8AC3E}">
+        <p14:creationId xmlns:p14="http://schemas.microsoft.com/office/powerpoint/2010/main" val="3151497904"/>
+      </p:ext>
+    </p:extLst>
+  </p:cSld>
+  <p:clrMap bg1="lt1" tx1="dk1" bg2="lt2" tx2="dk2" accent1="accent1" accent2="accent2" accent3="accent3" accent4="accent4" accent5="accent5" accent6="accent6" hlink="hlink" folHlink="folHlink"/>
+  <p:notesStyle>
+    <a:lvl1pPr marL="0" algn="l" defTabSz="914400" rtl="0" eaLnBrk="1" latinLnBrk="0" hangingPunct="1">
+      <a:defRPr sz="1200" kern="1200">
+        <a:solidFill>
+          <a:schemeClr val="tx1"/>
+        </a:solidFill>
+        <a:latin typeface="+mn-lt"/>
+        <a:ea typeface="+mn-ea"/>
+        <a:cs typeface="+mn-cs"/>
+      </a:defRPr>
+    </a:lvl1pPr>
+    <a:lvl2pPr marL="457200" algn="l" defTabSz="914400" rtl="0" eaLnBrk="1" latinLnBrk="0" hangingPunct="1">
+      <a:defRPr sz="1200" kern="1200">
+        <a:solidFill>
+          <a:schemeClr val="tx1"/>
+        </a:solidFill>
+        <a:latin typeface="+mn-lt"/>
+        <a:ea typeface="+mn-ea"/>
+        <a:cs typeface="+mn-cs"/>
+      </a:defRPr>
+    </a:lvl2pPr>
+    <a:lvl3pPr marL="914400" algn="l" defTabSz="914400" rtl="0" eaLnBrk="1" latinLnBrk="0" hangingPunct="1">
+      <a:defRPr sz="1200" kern="1200">
+        <a:solidFill>
+          <a:schemeClr val="tx1"/>
+        </a:solidFill>
+        <a:latin typeface="+mn-lt"/>
+        <a:ea typeface="+mn-ea"/>
+        <a:cs typeface="+mn-cs"/>
+      </a:defRPr>
+    </a:lvl3pPr>
+    <a:lvl4pPr marL="1371600" algn="l" defTabSz="914400" rtl="0" eaLnBrk="1" latinLnBrk="0" hangingPunct="1">
+      <a:defRPr sz="1200" kern="1200">
+        <a:solidFill>
+          <a:schemeClr val="tx1"/>
+        </a:solidFill>
+        <a:latin typeface="+mn-lt"/>
+        <a:ea typeface="+mn-ea"/>
+        <a:cs typeface="+mn-cs"/>
+      </a:defRPr>
+    </a:lvl4pPr>
+    <a:lvl5pPr marL="1828800" algn="l" defTabSz="914400" rtl="0" eaLnBrk="1" latinLnBrk="0" hangingPunct="1">
+      <a:defRPr sz="1200" kern="1200">
+        <a:solidFill>
+          <a:schemeClr val="tx1"/>
+        </a:solidFill>
+        <a:latin typeface="+mn-lt"/>
+        <a:ea typeface="+mn-ea"/>
+        <a:cs typeface="+mn-cs"/>
+      </a:defRPr>
+    </a:lvl5pPr>
+    <a:lvl6pPr marL="2286000" algn="l" defTabSz="914400" rtl="0" eaLnBrk="1" latinLnBrk="0" hangingPunct="1">
+      <a:defRPr sz="1200" kern="1200">
+        <a:solidFill>
+          <a:schemeClr val="tx1"/>
+        </a:solidFill>
+        <a:latin typeface="+mn-lt"/>
+        <a:ea typeface="+mn-ea"/>
+        <a:cs typeface="+mn-cs"/>
+      </a:defRPr>
+    </a:lvl6pPr>
+    <a:lvl7pPr marL="2743200" algn="l" defTabSz="914400" rtl="0" eaLnBrk="1" latinLnBrk="0" hangingPunct="1">
+      <a:defRPr sz="1200" kern="1200">
+        <a:solidFill>
+          <a:schemeClr val="tx1"/>
+        </a:solidFill>
+        <a:latin typeface="+mn-lt"/>
+        <a:ea typeface="+mn-ea"/>
+        <a:cs typeface="+mn-cs"/>
+      </a:defRPr>
+    </a:lvl7pPr>
+    <a:lvl8pPr marL="3200400" algn="l" defTabSz="914400" rtl="0" eaLnBrk="1" latinLnBrk="0" hangingPunct="1">
+      <a:defRPr sz="1200" kern="1200">
+        <a:solidFill>
+          <a:schemeClr val="tx1"/>
+        </a:solidFill>
+        <a:latin typeface="+mn-lt"/>
+        <a:ea typeface="+mn-ea"/>
+        <a:cs typeface="+mn-cs"/>
+      </a:defRPr>
+    </a:lvl8pPr>
+    <a:lvl9pPr marL="3657600" algn="l" defTabSz="914400" rtl="0" eaLnBrk="1" latinLnBrk="0" hangingPunct="1">
+      <a:defRPr sz="1200" kern="1200">
+        <a:solidFill>
+          <a:schemeClr val="tx1"/>
+        </a:solidFill>
+        <a:latin typeface="+mn-lt"/>
+        <a:ea typeface="+mn-ea"/>
+        <a:cs typeface="+mn-cs"/>
+      </a:defRPr>
+    </a:lvl9pPr>
+  </p:notesStyle>
+</p:notesMaster>
+</file>
+
+<file path=ppt/notesSlides/notesSlide1.xml><?xml version="1.0" encoding="utf-8"?>
+<p:notes xmlns:a="http://schemas.openxmlformats.org/drawingml/2006/main" xmlns:r="http://schemas.openxmlformats.org/officeDocument/2006/relationships" xmlns:p="http://schemas.openxmlformats.org/presentationml/2006/main">
+  <p:cSld>
+    <p:spTree>
+      <p:nvGrpSpPr>
+        <p:cNvPr id="1" name=""/>
+        <p:cNvGrpSpPr/>
+        <p:nvPr/>
+      </p:nvGrpSpPr>
+      <p:grpSpPr>
+        <a:xfrm>
+          <a:off x="0" y="0"/>
+          <a:ext cx="0" cy="0"/>
+          <a:chOff x="0" y="0"/>
+          <a:chExt cx="0" cy="0"/>
+        </a:xfrm>
+      </p:grpSpPr>
+      <p:sp>
+        <p:nvSpPr>
+          <p:cNvPr id="2" name="Slide Image Placeholder 1"/>
+          <p:cNvSpPr>
+            <a:spLocks noGrp="1" noRot="1" noChangeAspect="1"/>
+          </p:cNvSpPr>
+          <p:nvPr>
+            <p:ph type="sldImg"/>
+          </p:nvPr>
+        </p:nvSpPr>
+        <p:spPr/>
+      </p:sp>
+      <p:sp>
+        <p:nvSpPr>
+          <p:cNvPr id="3" name="Notes Placeholder 2"/>
+          <p:cNvSpPr>
+            <a:spLocks noGrp="1"/>
+          </p:cNvSpPr>
+          <p:nvPr>
+            <p:ph type="body" idx="1"/>
+          </p:nvPr>
+        </p:nvSpPr>
+        <p:spPr/>
+        <p:txBody>
+          <a:bodyPr/>
+          <a:lstStyle/>
+          <a:p>
+            <a:endParaRPr lang="en-IL" dirty="0"/>
+          </a:p>
+        </p:txBody>
+      </p:sp>
+      <p:sp>
+        <p:nvSpPr>
+          <p:cNvPr id="4" name="Slide Number Placeholder 3"/>
+          <p:cNvSpPr>
+            <a:spLocks noGrp="1"/>
+          </p:cNvSpPr>
+          <p:nvPr>
+            <p:ph type="sldNum" sz="quarter" idx="5"/>
+          </p:nvPr>
+        </p:nvSpPr>
+        <p:spPr/>
+        <p:txBody>
+          <a:bodyPr/>
+          <a:lstStyle/>
+          <a:p>
+            <a:fld id="{7F25D6CA-5F53-E74C-8876-D8EBB1939596}" type="slidenum">
+              <a:rPr lang="en-IL" smtClean="0"/>
+              <a:t>4</a:t>
+            </a:fld>
+            <a:endParaRPr lang="en-IL"/>
+          </a:p>
+        </p:txBody>
+      </p:sp>
+    </p:spTree>
+    <p:extLst>
+      <p:ext uri="{BB962C8B-B14F-4D97-AF65-F5344CB8AC3E}">
+        <p14:creationId xmlns:p14="http://schemas.microsoft.com/office/powerpoint/2010/main" val="3423817303"/>
+      </p:ext>
+    </p:extLst>
+  </p:cSld>
+  <p:clrMapOvr>
+    <a:masterClrMapping/>
+  </p:clrMapOvr>
+</p:notes>
+</file>
+
 <file path=ppt/slideLayouts/slideLayout1.xml><?xml version="1.0" encoding="utf-8"?>
 <p:sldLayout xmlns:a="http://schemas.openxmlformats.org/drawingml/2006/main" xmlns:r="http://schemas.openxmlformats.org/officeDocument/2006/relationships" xmlns:p="http://schemas.openxmlformats.org/presentationml/2006/main" showMasterSp="0" type="title" preserve="1">
   <p:cSld name="Title Slide">
@@ -303,7 +739,7 @@
           <a:p>
             <a:fld id="{5BCAD085-E8A6-8845-BD4E-CB4CCA059FC4}" type="datetimeFigureOut">
               <a:rPr lang="en-US" smtClean="0"/>
-              <a:t>3/6/24</a:t>
+              <a:t>3/9/24</a:t>
             </a:fld>
             <a:endParaRPr lang="en-US"/>
           </a:p>
@@ -633,7 +1069,7 @@
           <a:p>
             <a:fld id="{5BCAD085-E8A6-8845-BD4E-CB4CCA059FC4}" type="datetimeFigureOut">
               <a:rPr lang="en-US" smtClean="0"/>
-              <a:t>3/6/24</a:t>
+              <a:t>3/9/24</a:t>
             </a:fld>
             <a:endParaRPr lang="en-US"/>
           </a:p>
@@ -813,7 +1249,7 @@
           <a:p>
             <a:fld id="{5BCAD085-E8A6-8845-BD4E-CB4CCA059FC4}" type="datetimeFigureOut">
               <a:rPr lang="en-US" smtClean="0"/>
-              <a:t>3/6/24</a:t>
+              <a:t>3/9/24</a:t>
             </a:fld>
             <a:endParaRPr lang="en-US"/>
           </a:p>
@@ -983,7 +1419,7 @@
           <a:p>
             <a:fld id="{5BCAD085-E8A6-8845-BD4E-CB4CCA059FC4}" type="datetimeFigureOut">
               <a:rPr lang="en-US" smtClean="0"/>
-              <a:t>3/6/24</a:t>
+              <a:t>3/9/24</a:t>
             </a:fld>
             <a:endParaRPr lang="en-US"/>
           </a:p>
@@ -1260,7 +1696,7 @@
           <a:p>
             <a:fld id="{5BCAD085-E8A6-8845-BD4E-CB4CCA059FC4}" type="datetimeFigureOut">
               <a:rPr lang="en-US" smtClean="0"/>
-              <a:t>3/6/24</a:t>
+              <a:t>3/9/24</a:t>
             </a:fld>
             <a:endParaRPr lang="en-US"/>
           </a:p>
@@ -1710,7 +2146,7 @@
           <a:p>
             <a:fld id="{5BCAD085-E8A6-8845-BD4E-CB4CCA059FC4}" type="datetimeFigureOut">
               <a:rPr lang="en-US" smtClean="0"/>
-              <a:t>3/6/24</a:t>
+              <a:t>3/9/24</a:t>
             </a:fld>
             <a:endParaRPr lang="en-US"/>
           </a:p>
@@ -2187,7 +2623,7 @@
           <a:p>
             <a:fld id="{5BCAD085-E8A6-8845-BD4E-CB4CCA059FC4}" type="datetimeFigureOut">
               <a:rPr lang="en-US" smtClean="0"/>
-              <a:t>3/6/24</a:t>
+              <a:t>3/9/24</a:t>
             </a:fld>
             <a:endParaRPr lang="en-US"/>
           </a:p>
@@ -2305,7 +2741,7 @@
           <a:p>
             <a:fld id="{5BCAD085-E8A6-8845-BD4E-CB4CCA059FC4}" type="datetimeFigureOut">
               <a:rPr lang="en-US" smtClean="0"/>
-              <a:t>3/6/24</a:t>
+              <a:t>3/9/24</a:t>
             </a:fld>
             <a:endParaRPr lang="en-US"/>
           </a:p>
@@ -2400,7 +2836,7 @@
           <a:p>
             <a:fld id="{5BCAD085-E8A6-8845-BD4E-CB4CCA059FC4}" type="datetimeFigureOut">
               <a:rPr lang="en-US" smtClean="0"/>
-              <a:t>3/6/24</a:t>
+              <a:t>3/9/24</a:t>
             </a:fld>
             <a:endParaRPr lang="en-US"/>
           </a:p>
@@ -2748,7 +3184,7 @@
           <a:p>
             <a:fld id="{5BCAD085-E8A6-8845-BD4E-CB4CCA059FC4}" type="datetimeFigureOut">
               <a:rPr lang="en-US" smtClean="0"/>
-              <a:t>3/6/24</a:t>
+              <a:t>3/9/24</a:t>
             </a:fld>
             <a:endParaRPr lang="en-US"/>
           </a:p>
@@ -3176,7 +3612,7 @@
           <a:p>
             <a:fld id="{5BCAD085-E8A6-8845-BD4E-CB4CCA059FC4}" type="datetimeFigureOut">
               <a:rPr lang="en-US" smtClean="0"/>
-              <a:t>3/6/24</a:t>
+              <a:t>3/9/24</a:t>
             </a:fld>
             <a:endParaRPr lang="en-US"/>
           </a:p>
@@ -3492,7 +3928,7 @@
           <a:p>
             <a:fld id="{5BCAD085-E8A6-8845-BD4E-CB4CCA059FC4}" type="datetimeFigureOut">
               <a:rPr lang="en-US" smtClean="0"/>
-              <a:t>3/6/24</a:t>
+              <a:t>3/9/24</a:t>
             </a:fld>
             <a:endParaRPr lang="en-US"/>
           </a:p>
@@ -4073,6 +4509,7 @@
           <a:lstStyle/>
           <a:p>
             <a:r>
+              <a:rPr dirty="0"/>
               <a:t>Introduction to Face Recognition Project</a:t>
             </a:r>
           </a:p>
@@ -4088,14 +4525,324 @@
             <p:ph idx="1"/>
           </p:nvPr>
         </p:nvSpPr>
-        <p:spPr/>
+        <p:spPr>
+          <a:xfrm>
+            <a:off x="1028700" y="2286000"/>
+            <a:ext cx="7200900" cy="754380"/>
+          </a:xfrm>
+        </p:spPr>
         <p:txBody>
           <a:bodyPr/>
           <a:lstStyle/>
           <a:p>
-            <a:r>
-              <a:t>The goal of this project is to develop a face recognition model using a custom Convolutional Neural Network (CNN) architecture. Face recognition technology has significant applications in security systems, authentication processes, and organizing personal photo collections.</a:t>
-            </a:r>
+            <a:pPr marL="0" indent="0">
+              <a:buNone/>
+            </a:pPr>
+            <a:r>
+              <a:rPr i="1" dirty="0"/>
+              <a:t>The goal of this project is to develop a face recognition model using a custom Convolutional Neural Network (CNN) architecture.</a:t>
+            </a:r>
+            <a:endParaRPr lang="en-US" i="1" dirty="0"/>
+          </a:p>
+          <a:p>
+            <a:endParaRPr dirty="0"/>
+          </a:p>
+        </p:txBody>
+      </p:sp>
+      <p:sp>
+        <p:nvSpPr>
+          <p:cNvPr id="4" name="Content Placeholder 2">
+            <a:extLst>
+              <a:ext uri="{FF2B5EF4-FFF2-40B4-BE49-F238E27FC236}">
+                <a16:creationId xmlns:a16="http://schemas.microsoft.com/office/drawing/2014/main" id="{2265995B-BF1F-FAA3-7ECB-2B41EC973CA1}"/>
+              </a:ext>
+            </a:extLst>
+          </p:cNvPr>
+          <p:cNvSpPr txBox="1">
+            <a:spLocks/>
+          </p:cNvSpPr>
+          <p:nvPr/>
+        </p:nvSpPr>
+        <p:spPr>
+          <a:xfrm>
+            <a:off x="1028700" y="3284220"/>
+            <a:ext cx="7200900" cy="2545080"/>
+          </a:xfrm>
+          <a:prstGeom prst="rect">
+            <a:avLst/>
+          </a:prstGeom>
+        </p:spPr>
+        <p:txBody>
+          <a:bodyPr vert="horz" lIns="91440" tIns="45720" rIns="91440" bIns="45720" rtlCol="0">
+            <a:normAutofit fontScale="92500" lnSpcReduction="20000"/>
+          </a:bodyPr>
+          <a:lstStyle>
+            <a:lvl1pPr marL="384048" indent="-384048" algn="l" defTabSz="685800" rtl="0" eaLnBrk="1" latinLnBrk="0" hangingPunct="1">
+              <a:lnSpc>
+                <a:spcPct val="94000"/>
+              </a:lnSpc>
+              <a:spcBef>
+                <a:spcPts val="1000"/>
+              </a:spcBef>
+              <a:spcAft>
+                <a:spcPts val="200"/>
+              </a:spcAft>
+              <a:buFont typeface="Franklin Gothic Book" panose="020B0503020102020204" pitchFamily="34" charset="0"/>
+              <a:buChar char="■"/>
+              <a:defRPr sz="2000" kern="1200" baseline="0">
+                <a:solidFill>
+                  <a:schemeClr val="tx2"/>
+                </a:solidFill>
+                <a:latin typeface="+mn-lt"/>
+                <a:ea typeface="+mn-ea"/>
+                <a:cs typeface="+mn-cs"/>
+              </a:defRPr>
+            </a:lvl1pPr>
+            <a:lvl2pPr marL="914400" indent="-384048" algn="l" defTabSz="685800" rtl="0" eaLnBrk="1" latinLnBrk="0" hangingPunct="1">
+              <a:lnSpc>
+                <a:spcPct val="94000"/>
+              </a:lnSpc>
+              <a:spcBef>
+                <a:spcPts val="500"/>
+              </a:spcBef>
+              <a:spcAft>
+                <a:spcPts val="200"/>
+              </a:spcAft>
+              <a:buFont typeface="Franklin Gothic Book" panose="020B0503020102020204" pitchFamily="34" charset="0"/>
+              <a:buChar char="–"/>
+              <a:defRPr sz="2000" i="1" kern="1200" baseline="0">
+                <a:solidFill>
+                  <a:schemeClr val="tx2"/>
+                </a:solidFill>
+                <a:latin typeface="+mn-lt"/>
+                <a:ea typeface="+mn-ea"/>
+                <a:cs typeface="+mn-cs"/>
+              </a:defRPr>
+            </a:lvl2pPr>
+            <a:lvl3pPr marL="1371600" indent="-384048" algn="l" defTabSz="685800" rtl="0" eaLnBrk="1" latinLnBrk="0" hangingPunct="1">
+              <a:lnSpc>
+                <a:spcPct val="94000"/>
+              </a:lnSpc>
+              <a:spcBef>
+                <a:spcPts val="500"/>
+              </a:spcBef>
+              <a:spcAft>
+                <a:spcPts val="200"/>
+              </a:spcAft>
+              <a:buFont typeface="Franklin Gothic Book" panose="020B0503020102020204" pitchFamily="34" charset="0"/>
+              <a:buChar char="■"/>
+              <a:defRPr sz="1800" kern="1200" baseline="0">
+                <a:solidFill>
+                  <a:schemeClr val="tx2"/>
+                </a:solidFill>
+                <a:latin typeface="+mn-lt"/>
+                <a:ea typeface="+mn-ea"/>
+                <a:cs typeface="+mn-cs"/>
+              </a:defRPr>
+            </a:lvl3pPr>
+            <a:lvl4pPr marL="1828800" indent="-384048" algn="l" defTabSz="685800" rtl="0" eaLnBrk="1" latinLnBrk="0" hangingPunct="1">
+              <a:lnSpc>
+                <a:spcPct val="94000"/>
+              </a:lnSpc>
+              <a:spcBef>
+                <a:spcPts val="500"/>
+              </a:spcBef>
+              <a:spcAft>
+                <a:spcPts val="200"/>
+              </a:spcAft>
+              <a:buFont typeface="Franklin Gothic Book" panose="020B0503020102020204" pitchFamily="34" charset="0"/>
+              <a:buChar char="–"/>
+              <a:defRPr sz="1800" i="1" kern="1200" baseline="0">
+                <a:solidFill>
+                  <a:schemeClr val="tx2"/>
+                </a:solidFill>
+                <a:latin typeface="+mn-lt"/>
+                <a:ea typeface="+mn-ea"/>
+                <a:cs typeface="+mn-cs"/>
+              </a:defRPr>
+            </a:lvl4pPr>
+            <a:lvl5pPr marL="2286000" indent="-384048" algn="l" defTabSz="685800" rtl="0" eaLnBrk="1" latinLnBrk="0" hangingPunct="1">
+              <a:lnSpc>
+                <a:spcPct val="94000"/>
+              </a:lnSpc>
+              <a:spcBef>
+                <a:spcPts val="500"/>
+              </a:spcBef>
+              <a:spcAft>
+                <a:spcPts val="200"/>
+              </a:spcAft>
+              <a:buFont typeface="Franklin Gothic Book" panose="020B0503020102020204" pitchFamily="34" charset="0"/>
+              <a:buChar char="■"/>
+              <a:defRPr sz="1600" kern="1200" baseline="0">
+                <a:solidFill>
+                  <a:schemeClr val="tx2"/>
+                </a:solidFill>
+                <a:latin typeface="+mn-lt"/>
+                <a:ea typeface="+mn-ea"/>
+                <a:cs typeface="+mn-cs"/>
+              </a:defRPr>
+            </a:lvl5pPr>
+            <a:lvl6pPr marL="2743200" indent="-384048" algn="l" defTabSz="685800" rtl="0" eaLnBrk="1" latinLnBrk="0" hangingPunct="1">
+              <a:lnSpc>
+                <a:spcPct val="94000"/>
+              </a:lnSpc>
+              <a:spcBef>
+                <a:spcPts val="500"/>
+              </a:spcBef>
+              <a:spcAft>
+                <a:spcPts val="200"/>
+              </a:spcAft>
+              <a:buFont typeface="Franklin Gothic Book" panose="020B0503020102020204" pitchFamily="34" charset="0"/>
+              <a:buChar char="–"/>
+              <a:defRPr sz="1600" i="1" kern="1200" baseline="0">
+                <a:solidFill>
+                  <a:schemeClr val="tx2"/>
+                </a:solidFill>
+                <a:latin typeface="+mn-lt"/>
+                <a:ea typeface="+mn-ea"/>
+                <a:cs typeface="+mn-cs"/>
+              </a:defRPr>
+            </a:lvl6pPr>
+            <a:lvl7pPr marL="3200400" indent="-384048" algn="l" defTabSz="685800" rtl="0" eaLnBrk="1" latinLnBrk="0" hangingPunct="1">
+              <a:lnSpc>
+                <a:spcPct val="94000"/>
+              </a:lnSpc>
+              <a:spcBef>
+                <a:spcPts val="500"/>
+              </a:spcBef>
+              <a:spcAft>
+                <a:spcPts val="200"/>
+              </a:spcAft>
+              <a:buFont typeface="Franklin Gothic Book" panose="020B0503020102020204" pitchFamily="34" charset="0"/>
+              <a:buChar char="■"/>
+              <a:defRPr sz="1400" kern="1200" baseline="0">
+                <a:solidFill>
+                  <a:schemeClr val="tx2"/>
+                </a:solidFill>
+                <a:latin typeface="+mn-lt"/>
+                <a:ea typeface="+mn-ea"/>
+                <a:cs typeface="+mn-cs"/>
+              </a:defRPr>
+            </a:lvl7pPr>
+            <a:lvl8pPr marL="3657600" indent="-384048" algn="l" defTabSz="685800" rtl="0" eaLnBrk="1" latinLnBrk="0" hangingPunct="1">
+              <a:lnSpc>
+                <a:spcPct val="94000"/>
+              </a:lnSpc>
+              <a:spcBef>
+                <a:spcPts val="500"/>
+              </a:spcBef>
+              <a:spcAft>
+                <a:spcPts val="200"/>
+              </a:spcAft>
+              <a:buFont typeface="Franklin Gothic Book" panose="020B0503020102020204" pitchFamily="34" charset="0"/>
+              <a:buChar char="–"/>
+              <a:defRPr sz="1400" i="1" kern="1200" baseline="0">
+                <a:solidFill>
+                  <a:schemeClr val="tx2"/>
+                </a:solidFill>
+                <a:latin typeface="+mn-lt"/>
+                <a:ea typeface="+mn-ea"/>
+                <a:cs typeface="+mn-cs"/>
+              </a:defRPr>
+            </a:lvl8pPr>
+            <a:lvl9pPr marL="4114800" indent="-384048" algn="l" defTabSz="685800" rtl="0" eaLnBrk="1" latinLnBrk="0" hangingPunct="1">
+              <a:lnSpc>
+                <a:spcPct val="94000"/>
+              </a:lnSpc>
+              <a:spcBef>
+                <a:spcPts val="500"/>
+              </a:spcBef>
+              <a:spcAft>
+                <a:spcPts val="200"/>
+              </a:spcAft>
+              <a:buFont typeface="Franklin Gothic Book" panose="020B0503020102020204" pitchFamily="34" charset="0"/>
+              <a:buChar char="■"/>
+              <a:defRPr sz="1400" kern="1200" baseline="0">
+                <a:solidFill>
+                  <a:schemeClr val="tx2"/>
+                </a:solidFill>
+                <a:latin typeface="+mn-lt"/>
+                <a:ea typeface="+mn-ea"/>
+                <a:cs typeface="+mn-cs"/>
+              </a:defRPr>
+            </a:lvl9pPr>
+          </a:lstStyle>
+          <a:p>
+            <a:r>
+              <a:rPr lang="en-US" dirty="0"/>
+              <a:t>The goal</a:t>
+            </a:r>
+            <a:endParaRPr lang="he-IL" dirty="0"/>
+          </a:p>
+          <a:p>
+            <a:pPr lvl="1"/>
+            <a:r>
+              <a:rPr lang="en-US" dirty="0"/>
+              <a:t>Dataset Overview</a:t>
+            </a:r>
+            <a:endParaRPr lang="he-IL" dirty="0"/>
+          </a:p>
+          <a:p>
+            <a:pPr lvl="1"/>
+            <a:r>
+              <a:rPr lang="en-US" dirty="0"/>
+              <a:t>Data</a:t>
+            </a:r>
+            <a:r>
+              <a:rPr lang="he-IL" dirty="0"/>
+              <a:t> </a:t>
+            </a:r>
+            <a:r>
+              <a:rPr lang="en-US" dirty="0"/>
+              <a:t>manipulation and preprocess</a:t>
+            </a:r>
+          </a:p>
+          <a:p>
+            <a:pPr lvl="1"/>
+            <a:r>
+              <a:rPr lang="en-US" dirty="0"/>
+              <a:t>Model Architecture </a:t>
+            </a:r>
+          </a:p>
+          <a:p>
+            <a:pPr lvl="1"/>
+            <a:r>
+              <a:rPr lang="en-US" dirty="0"/>
+              <a:t>Model training and optimization</a:t>
+            </a:r>
+          </a:p>
+          <a:p>
+            <a:pPr lvl="1"/>
+            <a:r>
+              <a:rPr lang="en-US" dirty="0"/>
+              <a:t>performance</a:t>
+            </a:r>
+          </a:p>
+          <a:p>
+            <a:pPr lvl="1"/>
+            <a:r>
+              <a:rPr lang="en-US" dirty="0"/>
+              <a:t>Performance analysis</a:t>
+            </a:r>
+          </a:p>
+          <a:p>
+            <a:pPr lvl="1"/>
+            <a:r>
+              <a:rPr lang="en-US" dirty="0"/>
+              <a:t>Future Improvements </a:t>
+            </a:r>
+          </a:p>
+          <a:p>
+            <a:pPr lvl="1"/>
+            <a:endParaRPr lang="he-IL" dirty="0"/>
+          </a:p>
+          <a:p>
+            <a:pPr lvl="1"/>
+            <a:endParaRPr lang="he-IL" dirty="0"/>
+          </a:p>
+          <a:p>
+            <a:pPr lvl="1"/>
+            <a:endParaRPr lang="en-US" dirty="0"/>
           </a:p>
         </p:txBody>
       </p:sp>
@@ -4140,6 +4887,7 @@
           <a:lstStyle/>
           <a:p>
             <a:r>
+              <a:rPr dirty="0"/>
               <a:t>Challenges Faced and Future Improvements</a:t>
             </a:r>
           </a:p>
@@ -4161,11 +4909,580 @@
           <a:lstStyle/>
           <a:p>
             <a:r>
-              <a:t>The project encountered challenges such as handling diverse image data and optimizing the model for better accuracy. Future work may explore more complex model architectures and advanced data augmentation techniques for further improvements.</a:t>
-            </a:r>
+              <a:rPr dirty="0"/>
+              <a:t>The project encountered challenges such as handling diverse image data and optimizing the model for better accuracy. </a:t>
+            </a:r>
+            <a:endParaRPr lang="en-US" dirty="0"/>
+          </a:p>
+          <a:p>
+            <a:r>
+              <a:rPr lang="en-IL" dirty="0"/>
+              <a:t>Unbalance data and the </a:t>
+            </a:r>
+            <a:r>
+              <a:rPr lang="en-US" dirty="0"/>
+              <a:t>relatively</a:t>
+            </a:r>
+            <a:r>
+              <a:rPr lang="en-IL" dirty="0"/>
+              <a:t> </a:t>
+            </a:r>
+            <a:r>
+              <a:rPr lang="en-US" dirty="0"/>
+              <a:t>small</a:t>
+            </a:r>
+            <a:r>
+              <a:rPr lang="en-IL" dirty="0"/>
+              <a:t> amount of posetive images. </a:t>
+            </a:r>
+            <a:endParaRPr dirty="0"/>
           </a:p>
         </p:txBody>
       </p:sp>
+      <mc:AlternateContent xmlns:mc="http://schemas.openxmlformats.org/markup-compatibility/2006" xmlns:a14="http://schemas.microsoft.com/office/drawing/2010/main">
+        <mc:Choice Requires="a14">
+          <p:sp>
+            <p:nvSpPr>
+              <p:cNvPr id="4" name="TextBox 3">
+                <a:extLst>
+                  <a:ext uri="{FF2B5EF4-FFF2-40B4-BE49-F238E27FC236}">
+                    <a16:creationId xmlns:a16="http://schemas.microsoft.com/office/drawing/2014/main" id="{0E5CF4E7-9F43-E9E0-FECE-B9DBF1C5FAC4}"/>
+                  </a:ext>
+                </a:extLst>
+              </p:cNvPr>
+              <p:cNvSpPr txBox="1"/>
+              <p:nvPr/>
+            </p:nvSpPr>
+            <p:spPr>
+              <a:xfrm>
+                <a:off x="2630859" y="4525542"/>
+                <a:ext cx="3882281" cy="276999"/>
+              </a:xfrm>
+              <a:prstGeom prst="rect">
+                <a:avLst/>
+              </a:prstGeom>
+              <a:noFill/>
+            </p:spPr>
+            <p:txBody>
+              <a:bodyPr wrap="none" lIns="0" tIns="0" rIns="0" bIns="0" rtlCol="0">
+                <a:spAutoFit/>
+              </a:bodyPr>
+              <a:lstStyle/>
+              <a:p>
+                <a:r>
+                  <a:rPr lang="en-US" dirty="0"/>
+                  <a:t>P</a:t>
+                </a:r>
+                <a14:m>
+                  <m:oMath xmlns:m="http://schemas.openxmlformats.org/officeDocument/2006/math">
+                    <m:sSup>
+                      <m:sSupPr>
+                        <m:ctrlPr>
+                          <a:rPr lang="en-US" i="1">
+                            <a:latin typeface="Cambria Math" panose="02040503050406030204" pitchFamily="18" charset="0"/>
+                          </a:rPr>
+                        </m:ctrlPr>
+                      </m:sSupPr>
+                      <m:e>
+                        <m:d>
+                          <m:dPr>
+                            <m:ctrlPr>
+                              <a:rPr lang="en-US" i="1">
+                                <a:latin typeface="Cambria Math" panose="02040503050406030204" pitchFamily="18" charset="0"/>
+                              </a:rPr>
+                            </m:ctrlPr>
+                          </m:dPr>
+                          <m:e>
+                            <m:r>
+                              <a:rPr lang="en-US" i="1">
+                                <a:latin typeface="Cambria Math" panose="02040503050406030204" pitchFamily="18" charset="0"/>
+                              </a:rPr>
+                              <m:t>𝑝</m:t>
+                            </m:r>
+                          </m:e>
+                          <m:e>
+                            <m:r>
+                              <a:rPr lang="en-US" i="1">
+                                <a:latin typeface="Cambria Math" panose="02040503050406030204" pitchFamily="18" charset="0"/>
+                              </a:rPr>
+                              <m:t>𝑝</m:t>
+                            </m:r>
+                          </m:e>
+                        </m:d>
+                      </m:e>
+                      <m:sup>
+                        <m:r>
+                          <a:rPr lang="en-US" i="1">
+                            <a:latin typeface="Cambria Math" panose="02040503050406030204" pitchFamily="18" charset="0"/>
+                          </a:rPr>
+                          <m:t>∗</m:t>
+                        </m:r>
+                      </m:sup>
+                    </m:sSup>
+                    <m:r>
+                      <a:rPr lang="en-US" i="1">
+                        <a:latin typeface="Cambria Math" panose="02040503050406030204" pitchFamily="18" charset="0"/>
+                      </a:rPr>
+                      <m:t>=</m:t>
+                    </m:r>
+                    <m:r>
+                      <a:rPr lang="en-US" i="1">
+                        <a:latin typeface="Cambria Math" panose="02040503050406030204" pitchFamily="18" charset="0"/>
+                      </a:rPr>
+                      <m:t>𝑃</m:t>
+                    </m:r>
+                    <m:sSub>
+                      <m:sSubPr>
+                        <m:ctrlPr>
+                          <a:rPr lang="en-US" i="1">
+                            <a:latin typeface="Cambria Math" panose="02040503050406030204" pitchFamily="18" charset="0"/>
+                          </a:rPr>
+                        </m:ctrlPr>
+                      </m:sSubPr>
+                      <m:e>
+                        <m:d>
+                          <m:dPr>
+                            <m:ctrlPr>
+                              <a:rPr lang="en-US" i="1">
+                                <a:latin typeface="Cambria Math" panose="02040503050406030204" pitchFamily="18" charset="0"/>
+                              </a:rPr>
+                            </m:ctrlPr>
+                          </m:dPr>
+                          <m:e>
+                            <m:r>
+                              <a:rPr lang="en-US" i="1">
+                                <a:latin typeface="Cambria Math" panose="02040503050406030204" pitchFamily="18" charset="0"/>
+                              </a:rPr>
+                              <m:t>𝑝</m:t>
+                            </m:r>
+                          </m:e>
+                          <m:e>
+                            <m:r>
+                              <a:rPr lang="en-US" i="1">
+                                <a:latin typeface="Cambria Math" panose="02040503050406030204" pitchFamily="18" charset="0"/>
+                              </a:rPr>
+                              <m:t>𝑝</m:t>
+                            </m:r>
+                          </m:e>
+                        </m:d>
+                      </m:e>
+                      <m:sub>
+                        <m:r>
+                          <a:rPr lang="en-US" i="1">
+                            <a:latin typeface="Cambria Math" panose="02040503050406030204" pitchFamily="18" charset="0"/>
+                          </a:rPr>
+                          <m:t>1</m:t>
+                        </m:r>
+                      </m:sub>
+                    </m:sSub>
+                    <m:r>
+                      <a:rPr lang="en-US" i="1">
+                        <a:latin typeface="Cambria Math" panose="02040503050406030204" pitchFamily="18" charset="0"/>
+                      </a:rPr>
+                      <m:t>+</m:t>
+                    </m:r>
+                    <m:r>
+                      <a:rPr lang="en-US" i="1">
+                        <a:latin typeface="Cambria Math" panose="02040503050406030204" pitchFamily="18" charset="0"/>
+                      </a:rPr>
+                      <m:t>𝑃</m:t>
+                    </m:r>
+                    <m:sSub>
+                      <m:sSubPr>
+                        <m:ctrlPr>
+                          <a:rPr lang="en-US" i="1">
+                            <a:latin typeface="Cambria Math" panose="02040503050406030204" pitchFamily="18" charset="0"/>
+                          </a:rPr>
+                        </m:ctrlPr>
+                      </m:sSubPr>
+                      <m:e>
+                        <m:d>
+                          <m:dPr>
+                            <m:ctrlPr>
+                              <a:rPr lang="en-US" i="1">
+                                <a:latin typeface="Cambria Math" panose="02040503050406030204" pitchFamily="18" charset="0"/>
+                              </a:rPr>
+                            </m:ctrlPr>
+                          </m:dPr>
+                          <m:e>
+                            <m:r>
+                              <a:rPr lang="en-US" i="1">
+                                <a:latin typeface="Cambria Math" panose="02040503050406030204" pitchFamily="18" charset="0"/>
+                              </a:rPr>
+                              <m:t>𝑛</m:t>
+                            </m:r>
+                          </m:e>
+                          <m:e>
+                            <m:r>
+                              <a:rPr lang="en-US" i="1">
+                                <a:latin typeface="Cambria Math" panose="02040503050406030204" pitchFamily="18" charset="0"/>
+                              </a:rPr>
+                              <m:t>𝑝</m:t>
+                            </m:r>
+                          </m:e>
+                        </m:d>
+                      </m:e>
+                      <m:sub>
+                        <m:r>
+                          <a:rPr lang="en-US" i="1">
+                            <a:latin typeface="Cambria Math" panose="02040503050406030204" pitchFamily="18" charset="0"/>
+                          </a:rPr>
+                          <m:t>1</m:t>
+                        </m:r>
+                      </m:sub>
+                    </m:sSub>
+                    <m:r>
+                      <a:rPr lang="en-US" i="1">
+                        <a:latin typeface="Cambria Math" panose="02040503050406030204" pitchFamily="18" charset="0"/>
+                      </a:rPr>
+                      <m:t>∗</m:t>
+                    </m:r>
+                    <m:r>
+                      <a:rPr lang="en-US" i="1">
+                        <a:latin typeface="Cambria Math" panose="02040503050406030204" pitchFamily="18" charset="0"/>
+                      </a:rPr>
+                      <m:t>𝑃</m:t>
+                    </m:r>
+                    <m:sSub>
+                      <m:sSubPr>
+                        <m:ctrlPr>
+                          <a:rPr lang="en-US" i="1">
+                            <a:latin typeface="Cambria Math" panose="02040503050406030204" pitchFamily="18" charset="0"/>
+                          </a:rPr>
+                        </m:ctrlPr>
+                      </m:sSubPr>
+                      <m:e>
+                        <m:d>
+                          <m:dPr>
+                            <m:ctrlPr>
+                              <a:rPr lang="en-US" i="1">
+                                <a:latin typeface="Cambria Math" panose="02040503050406030204" pitchFamily="18" charset="0"/>
+                              </a:rPr>
+                            </m:ctrlPr>
+                          </m:dPr>
+                          <m:e>
+                            <m:r>
+                              <a:rPr lang="en-US" i="1">
+                                <a:latin typeface="Cambria Math" panose="02040503050406030204" pitchFamily="18" charset="0"/>
+                              </a:rPr>
+                              <m:t>𝑝</m:t>
+                            </m:r>
+                          </m:e>
+                          <m:e>
+                            <m:r>
+                              <a:rPr lang="en-US" i="1">
+                                <a:latin typeface="Cambria Math" panose="02040503050406030204" pitchFamily="18" charset="0"/>
+                              </a:rPr>
+                              <m:t>𝑝</m:t>
+                            </m:r>
+                          </m:e>
+                        </m:d>
+                      </m:e>
+                      <m:sub>
+                        <m:r>
+                          <a:rPr lang="en-US" i="1">
+                            <a:latin typeface="Cambria Math" panose="02040503050406030204" pitchFamily="18" charset="0"/>
+                          </a:rPr>
+                          <m:t>2</m:t>
+                        </m:r>
+                      </m:sub>
+                    </m:sSub>
+                  </m:oMath>
+                </a14:m>
+                <a:endParaRPr lang="en-IL" dirty="0"/>
+              </a:p>
+            </p:txBody>
+          </p:sp>
+        </mc:Choice>
+        <mc:Fallback xmlns="">
+          <p:sp>
+            <p:nvSpPr>
+              <p:cNvPr id="4" name="TextBox 3">
+                <a:extLst>
+                  <a:ext uri="{FF2B5EF4-FFF2-40B4-BE49-F238E27FC236}">
+                    <a16:creationId xmlns:a16="http://schemas.microsoft.com/office/drawing/2014/main" id="{0E5CF4E7-9F43-E9E0-FECE-B9DBF1C5FAC4}"/>
+                  </a:ext>
+                </a:extLst>
+              </p:cNvPr>
+              <p:cNvSpPr txBox="1">
+                <a:spLocks noRot="1" noChangeAspect="1" noMove="1" noResize="1" noEditPoints="1" noAdjustHandles="1" noChangeArrowheads="1" noChangeShapeType="1" noTextEdit="1"/>
+              </p:cNvSpPr>
+              <p:nvPr/>
+            </p:nvSpPr>
+            <p:spPr>
+              <a:xfrm>
+                <a:off x="2630859" y="4525542"/>
+                <a:ext cx="3882281" cy="276999"/>
+              </a:xfrm>
+              <a:prstGeom prst="rect">
+                <a:avLst/>
+              </a:prstGeom>
+              <a:blipFill>
+                <a:blip r:embed="rId2"/>
+                <a:stretch>
+                  <a:fillRect l="-3922" t="-26087" r="-327" b="-43478"/>
+                </a:stretch>
+              </a:blipFill>
+            </p:spPr>
+            <p:txBody>
+              <a:bodyPr/>
+              <a:lstStyle/>
+              <a:p>
+                <a:r>
+                  <a:rPr lang="en-IL">
+                    <a:noFill/>
+                  </a:rPr>
+                  <a:t> </a:t>
+                </a:r>
+              </a:p>
+            </p:txBody>
+          </p:sp>
+        </mc:Fallback>
+      </mc:AlternateContent>
+      <mc:AlternateContent xmlns:mc="http://schemas.openxmlformats.org/markup-compatibility/2006" xmlns:a14="http://schemas.microsoft.com/office/drawing/2010/main">
+        <mc:Choice Requires="a14">
+          <p:sp>
+            <p:nvSpPr>
+              <p:cNvPr id="5" name="TextBox 4">
+                <a:extLst>
+                  <a:ext uri="{FF2B5EF4-FFF2-40B4-BE49-F238E27FC236}">
+                    <a16:creationId xmlns:a16="http://schemas.microsoft.com/office/drawing/2014/main" id="{39035878-AAE9-288B-FAA0-D7EF5997F170}"/>
+                  </a:ext>
+                </a:extLst>
+              </p:cNvPr>
+              <p:cNvSpPr txBox="1"/>
+              <p:nvPr/>
+            </p:nvSpPr>
+            <p:spPr>
+              <a:xfrm>
+                <a:off x="2571135" y="5118700"/>
+                <a:ext cx="4572000" cy="369332"/>
+              </a:xfrm>
+              <a:prstGeom prst="rect">
+                <a:avLst/>
+              </a:prstGeom>
+              <a:noFill/>
+            </p:spPr>
+            <p:txBody>
+              <a:bodyPr wrap="square">
+                <a:spAutoFit/>
+              </a:bodyPr>
+              <a:lstStyle/>
+              <a:p>
+                <a:r>
+                  <a:rPr lang="en-US" dirty="0"/>
+                  <a:t>P</a:t>
+                </a:r>
+                <a14:m>
+                  <m:oMath xmlns:m="http://schemas.openxmlformats.org/officeDocument/2006/math">
+                    <m:sSup>
+                      <m:sSupPr>
+                        <m:ctrlPr>
+                          <a:rPr lang="en-US" i="1">
+                            <a:latin typeface="Cambria Math" panose="02040503050406030204" pitchFamily="18" charset="0"/>
+                          </a:rPr>
+                        </m:ctrlPr>
+                      </m:sSupPr>
+                      <m:e>
+                        <m:d>
+                          <m:dPr>
+                            <m:ctrlPr>
+                              <a:rPr lang="en-US" i="1" smtClean="0">
+                                <a:latin typeface="Cambria Math" panose="02040503050406030204" pitchFamily="18" charset="0"/>
+                              </a:rPr>
+                            </m:ctrlPr>
+                          </m:dPr>
+                          <m:e>
+                            <m:r>
+                              <a:rPr lang="en-US" b="0" i="1" smtClean="0">
+                                <a:latin typeface="Cambria Math" panose="02040503050406030204" pitchFamily="18" charset="0"/>
+                              </a:rPr>
+                              <m:t>𝑛</m:t>
+                            </m:r>
+                          </m:e>
+                          <m:e>
+                            <m:r>
+                              <a:rPr lang="en-US" b="0" i="1" smtClean="0">
+                                <a:latin typeface="Cambria Math" panose="02040503050406030204" pitchFamily="18" charset="0"/>
+                              </a:rPr>
+                              <m:t>𝑛</m:t>
+                            </m:r>
+                          </m:e>
+                        </m:d>
+                      </m:e>
+                      <m:sup>
+                        <m:r>
+                          <a:rPr lang="en-US" i="1">
+                            <a:latin typeface="Cambria Math" panose="02040503050406030204" pitchFamily="18" charset="0"/>
+                          </a:rPr>
+                          <m:t>∗</m:t>
+                        </m:r>
+                      </m:sup>
+                    </m:sSup>
+                    <m:r>
+                      <a:rPr lang="en-US" i="1">
+                        <a:latin typeface="Cambria Math" panose="02040503050406030204" pitchFamily="18" charset="0"/>
+                      </a:rPr>
+                      <m:t>=</m:t>
+                    </m:r>
+                    <m:r>
+                      <a:rPr lang="en-US" i="1">
+                        <a:latin typeface="Cambria Math" panose="02040503050406030204" pitchFamily="18" charset="0"/>
+                      </a:rPr>
+                      <m:t>𝑃</m:t>
+                    </m:r>
+                    <m:sSub>
+                      <m:sSubPr>
+                        <m:ctrlPr>
+                          <a:rPr lang="en-US" i="1">
+                            <a:latin typeface="Cambria Math" panose="02040503050406030204" pitchFamily="18" charset="0"/>
+                          </a:rPr>
+                        </m:ctrlPr>
+                      </m:sSubPr>
+                      <m:e>
+                        <m:d>
+                          <m:dPr>
+                            <m:ctrlPr>
+                              <a:rPr lang="en-US" i="1">
+                                <a:latin typeface="Cambria Math" panose="02040503050406030204" pitchFamily="18" charset="0"/>
+                              </a:rPr>
+                            </m:ctrlPr>
+                          </m:dPr>
+                          <m:e>
+                            <m:r>
+                              <a:rPr lang="en-US" i="1">
+                                <a:latin typeface="Cambria Math" panose="02040503050406030204" pitchFamily="18" charset="0"/>
+                              </a:rPr>
+                              <m:t>𝑛</m:t>
+                            </m:r>
+                          </m:e>
+                          <m:e>
+                            <m:r>
+                              <a:rPr lang="en-US" b="0" i="1" smtClean="0">
+                                <a:latin typeface="Cambria Math" panose="02040503050406030204" pitchFamily="18" charset="0"/>
+                              </a:rPr>
+                              <m:t>𝑛</m:t>
+                            </m:r>
+                          </m:e>
+                        </m:d>
+                      </m:e>
+                      <m:sub>
+                        <m:r>
+                          <a:rPr lang="en-US" i="1">
+                            <a:latin typeface="Cambria Math" panose="02040503050406030204" pitchFamily="18" charset="0"/>
+                          </a:rPr>
+                          <m:t>1</m:t>
+                        </m:r>
+                      </m:sub>
+                    </m:sSub>
+                    <m:r>
+                      <a:rPr lang="en-US" i="1">
+                        <a:latin typeface="Cambria Math" panose="02040503050406030204" pitchFamily="18" charset="0"/>
+                      </a:rPr>
+                      <m:t>∗</m:t>
+                    </m:r>
+                    <m:r>
+                      <a:rPr lang="en-US" i="1">
+                        <a:latin typeface="Cambria Math" panose="02040503050406030204" pitchFamily="18" charset="0"/>
+                      </a:rPr>
+                      <m:t>𝑃</m:t>
+                    </m:r>
+                    <m:sSub>
+                      <m:sSubPr>
+                        <m:ctrlPr>
+                          <a:rPr lang="en-US" i="1">
+                            <a:latin typeface="Cambria Math" panose="02040503050406030204" pitchFamily="18" charset="0"/>
+                          </a:rPr>
+                        </m:ctrlPr>
+                      </m:sSubPr>
+                      <m:e>
+                        <m:d>
+                          <m:dPr>
+                            <m:ctrlPr>
+                              <a:rPr lang="en-US" i="1">
+                                <a:latin typeface="Cambria Math" panose="02040503050406030204" pitchFamily="18" charset="0"/>
+                              </a:rPr>
+                            </m:ctrlPr>
+                          </m:dPr>
+                          <m:e>
+                            <m:r>
+                              <a:rPr lang="en-US" b="0" i="1" smtClean="0">
+                                <a:latin typeface="Cambria Math" panose="02040503050406030204" pitchFamily="18" charset="0"/>
+                              </a:rPr>
+                              <m:t>𝑛</m:t>
+                            </m:r>
+                          </m:e>
+                          <m:e>
+                            <m:r>
+                              <a:rPr lang="en-US" b="0" i="1" smtClean="0">
+                                <a:latin typeface="Cambria Math" panose="02040503050406030204" pitchFamily="18" charset="0"/>
+                              </a:rPr>
+                              <m:t>𝑛</m:t>
+                            </m:r>
+                          </m:e>
+                        </m:d>
+                      </m:e>
+                      <m:sub>
+                        <m:r>
+                          <a:rPr lang="en-US" i="1">
+                            <a:latin typeface="Cambria Math" panose="02040503050406030204" pitchFamily="18" charset="0"/>
+                          </a:rPr>
+                          <m:t>2</m:t>
+                        </m:r>
+                      </m:sub>
+                    </m:sSub>
+                  </m:oMath>
+                </a14:m>
+                <a:endParaRPr lang="en-IL" dirty="0"/>
+              </a:p>
+            </p:txBody>
+          </p:sp>
+        </mc:Choice>
+        <mc:Fallback xmlns="">
+          <p:sp>
+            <p:nvSpPr>
+              <p:cNvPr id="5" name="TextBox 4">
+                <a:extLst>
+                  <a:ext uri="{FF2B5EF4-FFF2-40B4-BE49-F238E27FC236}">
+                    <a16:creationId xmlns:a16="http://schemas.microsoft.com/office/drawing/2014/main" id="{39035878-AAE9-288B-FAA0-D7EF5997F170}"/>
+                  </a:ext>
+                </a:extLst>
+              </p:cNvPr>
+              <p:cNvSpPr txBox="1">
+                <a:spLocks noRot="1" noChangeAspect="1" noMove="1" noResize="1" noEditPoints="1" noAdjustHandles="1" noChangeArrowheads="1" noChangeShapeType="1" noTextEdit="1"/>
+              </p:cNvSpPr>
+              <p:nvPr/>
+            </p:nvSpPr>
+            <p:spPr>
+              <a:xfrm>
+                <a:off x="2571135" y="5118700"/>
+                <a:ext cx="4572000" cy="369332"/>
+              </a:xfrm>
+              <a:prstGeom prst="rect">
+                <a:avLst/>
+              </a:prstGeom>
+              <a:blipFill>
+                <a:blip r:embed="rId3"/>
+                <a:stretch>
+                  <a:fillRect l="-1108" t="-10000" b="-20000"/>
+                </a:stretch>
+              </a:blipFill>
+            </p:spPr>
+            <p:txBody>
+              <a:bodyPr/>
+              <a:lstStyle/>
+              <a:p>
+                <a:r>
+                  <a:rPr lang="en-IL">
+                    <a:noFill/>
+                  </a:rPr>
+                  <a:t> </a:t>
+                </a:r>
+              </a:p>
+            </p:txBody>
+          </p:sp>
+        </mc:Fallback>
+      </mc:AlternateContent>
     </p:spTree>
   </p:cSld>
   <p:clrMapOvr>
@@ -4230,75 +5547,36 @@
           <a:lstStyle/>
           <a:p>
             <a:r>
-              <a:t>The project successfully demonstrates the capability of a CNN model for face recognition. Potential future directions include the integration of the model into practical applications and exploring its performance on larger, more varied datasets.</a:t>
-            </a:r>
-          </a:p>
-        </p:txBody>
-      </p:sp>
-    </p:spTree>
-  </p:cSld>
-  <p:clrMapOvr>
-    <a:masterClrMapping/>
-  </p:clrMapOvr>
-</p:sld>
-</file>
-
-<file path=ppt/slides/slide12.xml><?xml version="1.0" encoding="utf-8"?>
-<p:sld xmlns:a="http://schemas.openxmlformats.org/drawingml/2006/main" xmlns:r="http://schemas.openxmlformats.org/officeDocument/2006/relationships" xmlns:p="http://schemas.openxmlformats.org/presentationml/2006/main">
-  <p:cSld>
-    <p:spTree>
-      <p:nvGrpSpPr>
-        <p:cNvPr id="1" name=""/>
-        <p:cNvGrpSpPr/>
-        <p:nvPr/>
-      </p:nvGrpSpPr>
-      <p:grpSpPr>
-        <a:xfrm>
-          <a:off x="0" y="0"/>
-          <a:ext cx="0" cy="0"/>
-          <a:chOff x="0" y="0"/>
-          <a:chExt cx="0" cy="0"/>
-        </a:xfrm>
-      </p:grpSpPr>
-      <p:sp>
-        <p:nvSpPr>
-          <p:cNvPr id="2" name="Title 1"/>
-          <p:cNvSpPr>
-            <a:spLocks noGrp="1"/>
-          </p:cNvSpPr>
-          <p:nvPr>
-            <p:ph type="title"/>
-          </p:nvPr>
-        </p:nvSpPr>
-        <p:spPr/>
-        <p:txBody>
-          <a:bodyPr/>
-          <a:lstStyle/>
-          <a:p>
-            <a:r>
-              <a:t>Questions and Answers</a:t>
-            </a:r>
-          </a:p>
-        </p:txBody>
-      </p:sp>
-      <p:sp>
-        <p:nvSpPr>
-          <p:cNvPr id="3" name="Content Placeholder 2"/>
-          <p:cNvSpPr>
-            <a:spLocks noGrp="1"/>
-          </p:cNvSpPr>
-          <p:nvPr>
-            <p:ph idx="1"/>
-          </p:nvPr>
-        </p:nvSpPr>
-        <p:spPr/>
-        <p:txBody>
-          <a:bodyPr/>
-          <a:lstStyle/>
-          <a:p>
-            <a:r>
-              <a:t>The floor is now open for any questions. Feel free to ask about the project's implementation, results, challenges faced, or any other related queries.</a:t>
-            </a:r>
+              <a:rPr lang="en-US" dirty="0"/>
+              <a:t>Future work may explore more complex model architectures and advanced data augmentation techniques for further improvements.</a:t>
+            </a:r>
+          </a:p>
+          <a:p>
+            <a:r>
+              <a:rPr lang="en-IL" dirty="0"/>
+              <a:t>The </a:t>
+            </a:r>
+            <a:r>
+              <a:rPr lang="en-US" dirty="0"/>
+              <a:t>appropriate</a:t>
+            </a:r>
+            <a:r>
+              <a:rPr lang="en-IL" dirty="0"/>
+              <a:t> need of the model will </a:t>
+            </a:r>
+            <a:r>
+              <a:rPr lang="en-US" dirty="0"/>
+              <a:t>dictate the balance between FP and TN.</a:t>
+            </a:r>
+          </a:p>
+          <a:p>
+            <a:r>
+              <a:rPr lang="en-US" dirty="0"/>
+              <a:t>Feature extraction from a pre-trained model can improve the accuracy of the results.</a:t>
+            </a:r>
+          </a:p>
+          <a:p>
+            <a:endParaRPr dirty="0"/>
           </a:p>
         </p:txBody>
       </p:sp>
@@ -4343,7 +5621,8 @@
           <a:lstStyle/>
           <a:p>
             <a:r>
-              <a:t>Technical Setup and Dependencies</a:t>
+              <a:rPr dirty="0"/>
+              <a:t>Dataset Overview and Preparation</a:t>
             </a:r>
           </a:p>
         </p:txBody>
@@ -4360,11 +5639,270 @@
         </p:nvSpPr>
         <p:spPr/>
         <p:txBody>
-          <a:bodyPr/>
+          <a:bodyPr>
+            <a:normAutofit/>
+          </a:bodyPr>
           <a:lstStyle/>
           <a:p>
             <a:r>
-              <a:t>This project utilizes Python as the primary programming language with PyTorch for model development and training. Image processing is performed using OpenCV. Additional libraries include PIL for image handling and torchvision for image transformations.</a:t>
+              <a:rPr dirty="0"/>
+              <a:t>The dataset is comprised of images categorized into 'face' and 'non-face' groups. A custom parsing function organizes the data into training and testing sets, ensuring a diverse representation for model training.</a:t>
+            </a:r>
+            <a:endParaRPr lang="en-US" dirty="0"/>
+          </a:p>
+          <a:p>
+            <a:r>
+              <a:rPr lang="en-US" dirty="0"/>
+              <a:t>U</a:t>
+            </a:r>
+            <a:r>
+              <a:rPr lang="en-IL" dirty="0"/>
+              <a:t>nbalance data</a:t>
+            </a:r>
+          </a:p>
+          <a:p>
+            <a:pPr marL="0" indent="0">
+              <a:buNone/>
+            </a:pPr>
+            <a:endParaRPr lang="en-IL" dirty="0"/>
+          </a:p>
+        </p:txBody>
+      </p:sp>
+      <p:graphicFrame>
+        <p:nvGraphicFramePr>
+          <p:cNvPr id="5" name="Table 4">
+            <a:extLst>
+              <a:ext uri="{FF2B5EF4-FFF2-40B4-BE49-F238E27FC236}">
+                <a16:creationId xmlns:a16="http://schemas.microsoft.com/office/drawing/2014/main" id="{ABB5C869-9D64-AA60-6CF0-7941B4C5936A}"/>
+              </a:ext>
+            </a:extLst>
+          </p:cNvPr>
+          <p:cNvGraphicFramePr>
+            <a:graphicFrameLocks noGrp="1"/>
+          </p:cNvGraphicFramePr>
+          <p:nvPr>
+            <p:extLst>
+              <p:ext uri="{D42A27DB-BD31-4B8C-83A1-F6EECF244321}">
+                <p14:modId xmlns:p14="http://schemas.microsoft.com/office/powerpoint/2010/main" val="2841216274"/>
+              </p:ext>
+            </p:extLst>
+          </p:nvPr>
+        </p:nvGraphicFramePr>
+        <p:xfrm>
+          <a:off x="2615380" y="4386006"/>
+          <a:ext cx="4572000" cy="1112520"/>
+        </p:xfrm>
+        <a:graphic>
+          <a:graphicData uri="http://schemas.openxmlformats.org/drawingml/2006/table">
+            <a:tbl>
+              <a:tblPr firstRow="1" bandRow="1">
+                <a:tableStyleId>{5C22544A-7EE6-4342-B048-85BDC9FD1C3A}</a:tableStyleId>
+              </a:tblPr>
+              <a:tblGrid>
+                <a:gridCol w="1524000">
+                  <a:extLst>
+                    <a:ext uri="{9D8B030D-6E8A-4147-A177-3AD203B41FA5}">
+                      <a16:colId xmlns:a16="http://schemas.microsoft.com/office/drawing/2014/main" val="3964943953"/>
+                    </a:ext>
+                  </a:extLst>
+                </a:gridCol>
+                <a:gridCol w="1524000">
+                  <a:extLst>
+                    <a:ext uri="{9D8B030D-6E8A-4147-A177-3AD203B41FA5}">
+                      <a16:colId xmlns:a16="http://schemas.microsoft.com/office/drawing/2014/main" val="4237037015"/>
+                    </a:ext>
+                  </a:extLst>
+                </a:gridCol>
+                <a:gridCol w="1524000">
+                  <a:extLst>
+                    <a:ext uri="{9D8B030D-6E8A-4147-A177-3AD203B41FA5}">
+                      <a16:colId xmlns:a16="http://schemas.microsoft.com/office/drawing/2014/main" val="662606160"/>
+                    </a:ext>
+                  </a:extLst>
+                </a:gridCol>
+              </a:tblGrid>
+              <a:tr h="370840">
+                <a:tc>
+                  <a:txBody>
+                    <a:bodyPr/>
+                    <a:lstStyle/>
+                    <a:p>
+                      <a:endParaRPr lang="en-IL"/>
+                    </a:p>
+                  </a:txBody>
+                  <a:tcPr/>
+                </a:tc>
+                <a:tc>
+                  <a:txBody>
+                    <a:bodyPr/>
+                    <a:lstStyle/>
+                    <a:p>
+                      <a:r>
+                        <a:rPr lang="en-IL" dirty="0"/>
+                        <a:t>Fece</a:t>
+                      </a:r>
+                    </a:p>
+                  </a:txBody>
+                  <a:tcPr/>
+                </a:tc>
+                <a:tc>
+                  <a:txBody>
+                    <a:bodyPr/>
+                    <a:lstStyle/>
+                    <a:p>
+                      <a:r>
+                        <a:rPr lang="en-IL" dirty="0"/>
+                        <a:t>Non-face</a:t>
+                      </a:r>
+                    </a:p>
+                  </a:txBody>
+                  <a:tcPr/>
+                </a:tc>
+                <a:extLst>
+                  <a:ext uri="{0D108BD9-81ED-4DB2-BD59-A6C34878D82A}">
+                    <a16:rowId xmlns:a16="http://schemas.microsoft.com/office/drawing/2014/main" val="3919790478"/>
+                  </a:ext>
+                </a:extLst>
+              </a:tr>
+              <a:tr h="370840">
+                <a:tc>
+                  <a:txBody>
+                    <a:bodyPr/>
+                    <a:lstStyle/>
+                    <a:p>
+                      <a:r>
+                        <a:rPr lang="en-IL" dirty="0"/>
+                        <a:t>Tarin</a:t>
+                      </a:r>
+                    </a:p>
+                  </a:txBody>
+                  <a:tcPr/>
+                </a:tc>
+                <a:tc>
+                  <a:txBody>
+                    <a:bodyPr/>
+                    <a:lstStyle/>
+                    <a:p>
+                      <a:r>
+                        <a:rPr lang="en-IL" dirty="0"/>
+                        <a:t>2000</a:t>
+                      </a:r>
+                    </a:p>
+                  </a:txBody>
+                  <a:tcPr/>
+                </a:tc>
+                <a:tc>
+                  <a:txBody>
+                    <a:bodyPr/>
+                    <a:lstStyle/>
+                    <a:p>
+                      <a:r>
+                        <a:rPr lang="en-IL" dirty="0"/>
+                        <a:t>4000</a:t>
+                      </a:r>
+                    </a:p>
+                  </a:txBody>
+                  <a:tcPr/>
+                </a:tc>
+                <a:extLst>
+                  <a:ext uri="{0D108BD9-81ED-4DB2-BD59-A6C34878D82A}">
+                    <a16:rowId xmlns:a16="http://schemas.microsoft.com/office/drawing/2014/main" val="803840274"/>
+                  </a:ext>
+                </a:extLst>
+              </a:tr>
+              <a:tr h="370840">
+                <a:tc>
+                  <a:txBody>
+                    <a:bodyPr/>
+                    <a:lstStyle/>
+                    <a:p>
+                      <a:r>
+                        <a:rPr lang="en-IL" dirty="0"/>
+                        <a:t>Test</a:t>
+                      </a:r>
+                    </a:p>
+                  </a:txBody>
+                  <a:tcPr/>
+                </a:tc>
+                <a:tc>
+                  <a:txBody>
+                    <a:bodyPr/>
+                    <a:lstStyle/>
+                    <a:p>
+                      <a:r>
+                        <a:rPr lang="en-IL" dirty="0"/>
+                        <a:t>480</a:t>
+                      </a:r>
+                    </a:p>
+                  </a:txBody>
+                  <a:tcPr/>
+                </a:tc>
+                <a:tc>
+                  <a:txBody>
+                    <a:bodyPr/>
+                    <a:lstStyle/>
+                    <a:p>
+                      <a:r>
+                        <a:rPr lang="en-IL" dirty="0"/>
+                        <a:t>23300</a:t>
+                      </a:r>
+                    </a:p>
+                  </a:txBody>
+                  <a:tcPr/>
+                </a:tc>
+                <a:extLst>
+                  <a:ext uri="{0D108BD9-81ED-4DB2-BD59-A6C34878D82A}">
+                    <a16:rowId xmlns:a16="http://schemas.microsoft.com/office/drawing/2014/main" val="3592878890"/>
+                  </a:ext>
+                </a:extLst>
+              </a:tr>
+            </a:tbl>
+          </a:graphicData>
+        </a:graphic>
+      </p:graphicFrame>
+      <p:sp>
+        <p:nvSpPr>
+          <p:cNvPr id="6" name="TextBox 5">
+            <a:extLst>
+              <a:ext uri="{FF2B5EF4-FFF2-40B4-BE49-F238E27FC236}">
+                <a16:creationId xmlns:a16="http://schemas.microsoft.com/office/drawing/2014/main" id="{3E55AF38-1818-6C76-7BFE-4199008E3F63}"/>
+              </a:ext>
+            </a:extLst>
+          </p:cNvPr>
+          <p:cNvSpPr txBox="1"/>
+          <p:nvPr/>
+        </p:nvSpPr>
+        <p:spPr>
+          <a:xfrm>
+            <a:off x="3372465" y="4017132"/>
+            <a:ext cx="4109883" cy="369332"/>
+          </a:xfrm>
+          <a:prstGeom prst="rect">
+            <a:avLst/>
+          </a:prstGeom>
+          <a:noFill/>
+        </p:spPr>
+        <p:txBody>
+          <a:bodyPr wrap="square" rtlCol="0">
+            <a:spAutoFit/>
+          </a:bodyPr>
+          <a:lstStyle/>
+          <a:p>
+            <a:r>
+              <a:rPr lang="en-US" dirty="0"/>
+              <a:t>N</a:t>
+            </a:r>
+            <a:r>
+              <a:rPr lang="en-IL" dirty="0"/>
+              <a:t>umber of </a:t>
+            </a:r>
+            <a:r>
+              <a:rPr lang="en-US" dirty="0"/>
+              <a:t>I</a:t>
+            </a:r>
+            <a:r>
+              <a:rPr lang="en-IL" dirty="0"/>
+              <a:t>mages Per category</a:t>
             </a:r>
           </a:p>
         </p:txBody>
@@ -4410,8 +5948,14 @@
           <a:lstStyle/>
           <a:p>
             <a:r>
-              <a:t>Dataset Overview and Preparation</a:t>
-            </a:r>
+              <a:rPr dirty="0"/>
+              <a:t>Data Augmentation Techniques</a:t>
+            </a:r>
+            <a:r>
+              <a:rPr lang="en-US" dirty="0"/>
+              <a:t> and up-sampling</a:t>
+            </a:r>
+            <a:endParaRPr dirty="0"/>
           </a:p>
         </p:txBody>
       </p:sp>
@@ -4431,8 +5975,25 @@
           <a:lstStyle/>
           <a:p>
             <a:r>
-              <a:t>The dataset is comprised of images categorized into 'face' and 'non-face' groups. A custom parsing function organizes the data into training and testing sets, ensuring a diverse representation for model training.</a:t>
-            </a:r>
+              <a:rPr dirty="0"/>
+              <a:t>To enhance the dataset and improve model robustness, various augmentation techniques are applied. These include random horizontal and vertical flips,</a:t>
+            </a:r>
+            <a:r>
+              <a:rPr lang="en-US" dirty="0"/>
+              <a:t> random rotation,</a:t>
+            </a:r>
+            <a:r>
+              <a:rPr dirty="0"/>
+              <a:t> grayscale conversion, color jittering, and the application of Gaussian blur.</a:t>
+            </a:r>
+            <a:endParaRPr lang="en-US" dirty="0"/>
+          </a:p>
+          <a:p>
+            <a:r>
+              <a:rPr lang="en-US" dirty="0"/>
+              <a:t>In addition, to address the unbalance between face and non-face </a:t>
+            </a:r>
+            <a:endParaRPr dirty="0"/>
           </a:p>
         </p:txBody>
       </p:sp>
@@ -4477,7 +6038,8 @@
           <a:lstStyle/>
           <a:p>
             <a:r>
-              <a:t>Data Augmentation Techniques</a:t>
+              <a:rPr dirty="0"/>
+              <a:t>CNN Architecture with Batch Normalization</a:t>
             </a:r>
           </a:p>
         </p:txBody>
@@ -4498,11 +6060,58 @@
           <a:lstStyle/>
           <a:p>
             <a:r>
-              <a:t>To enhance the dataset and improve model robustness, various augmentation techniques are applied. These include random horizontal and vertical flips, grayscale conversion, color jittering, and the application of Gaussian blur.</a:t>
+              <a:rPr dirty="0"/>
+              <a:t>The model, CNN</a:t>
+            </a:r>
+            <a:r>
+              <a:rPr lang="en-US" dirty="0"/>
+              <a:t> classifier</a:t>
+            </a:r>
+            <a:r>
+              <a:rPr dirty="0"/>
+              <a:t>, features convolutional layers with batch normalization, max pooling, and fully connected layers. Activation functions include </a:t>
+            </a:r>
+            <a:r>
+              <a:rPr dirty="0" err="1"/>
+              <a:t>ReLU</a:t>
+            </a:r>
+            <a:r>
+              <a:rPr dirty="0"/>
+              <a:t> for intermediate layers and a sigmoid function for the output layer.</a:t>
             </a:r>
           </a:p>
         </p:txBody>
       </p:sp>
+      <p:pic>
+        <p:nvPicPr>
+          <p:cNvPr id="5" name="Picture 4" descr="A diagram of a computer&#10;&#10;Description automatically generated with medium confidence">
+            <a:extLst>
+              <a:ext uri="{FF2B5EF4-FFF2-40B4-BE49-F238E27FC236}">
+                <a16:creationId xmlns:a16="http://schemas.microsoft.com/office/drawing/2014/main" id="{BB04CA1C-3D1D-E79D-8BE5-B279A623950C}"/>
+              </a:ext>
+            </a:extLst>
+          </p:cNvPr>
+          <p:cNvPicPr>
+            <a:picLocks noChangeAspect="1"/>
+          </p:cNvPicPr>
+          <p:nvPr/>
+        </p:nvPicPr>
+        <p:blipFill>
+          <a:blip r:embed="rId3"/>
+          <a:stretch>
+            <a:fillRect/>
+          </a:stretch>
+        </p:blipFill>
+        <p:spPr>
+          <a:xfrm>
+            <a:off x="1028700" y="4414304"/>
+            <a:ext cx="7772400" cy="1685383"/>
+          </a:xfrm>
+          <a:prstGeom prst="rect">
+            <a:avLst/>
+          </a:prstGeom>
+        </p:spPr>
+      </p:pic>
     </p:spTree>
   </p:cSld>
   <p:clrMapOvr>
@@ -4544,7 +6153,7 @@
           <a:lstStyle/>
           <a:p>
             <a:r>
-              <a:t>CNN Architecture with Batch Normalization</a:t>
+              <a:t>Model Training and Optimization</a:t>
             </a:r>
           </a:p>
         </p:txBody>
@@ -4565,7 +6174,50 @@
           <a:lstStyle/>
           <a:p>
             <a:r>
-              <a:t>The model, SimpleCNNWithBatchNorm, features convolutional layers with batch normalization, max pooling, and fully connected layers. Activation functions include ReLU for intermediate layers and a sigmoid function for the output layer.</a:t>
+              <a:rPr dirty="0"/>
+              <a:t>Model training involves the use of the Adam optimizer with specific learning rate and weight decay settings. </a:t>
+            </a:r>
+            <a:endParaRPr lang="en-US" dirty="0"/>
+          </a:p>
+          <a:p>
+            <a:r>
+              <a:rPr dirty="0"/>
+              <a:t>The training process employs batch processing with Data</a:t>
+            </a:r>
+            <a:r>
+              <a:rPr lang="en-US" dirty="0"/>
+              <a:t>-</a:t>
+            </a:r>
+            <a:r>
+              <a:rPr dirty="0"/>
+              <a:t>Loader for efficient data handling,</a:t>
+            </a:r>
+            <a:endParaRPr lang="en-US" dirty="0"/>
+          </a:p>
+          <a:p>
+            <a:r>
+              <a:rPr dirty="0"/>
+              <a:t> </a:t>
+            </a:r>
+            <a:r>
+              <a:rPr lang="en-US" dirty="0"/>
+              <a:t>The </a:t>
+            </a:r>
+            <a:r>
+              <a:rPr dirty="0" err="1"/>
+              <a:t>BCEWithLogitsLoss</a:t>
+            </a:r>
+            <a:r>
+              <a:rPr dirty="0"/>
+              <a:t> function for loss calculation</a:t>
+            </a:r>
+            <a:r>
+              <a:rPr lang="en-US" dirty="0"/>
+              <a:t>, with wights</a:t>
+            </a:r>
+            <a:r>
+              <a:rPr dirty="0"/>
+              <a:t>.</a:t>
             </a:r>
           </a:p>
         </p:txBody>
@@ -4611,7 +6263,7 @@
           <a:lstStyle/>
           <a:p>
             <a:r>
-              <a:t>Model Training and Optimization</a:t>
+              <a:t>Training and Validation Performance</a:t>
             </a:r>
           </a:p>
         </p:txBody>
@@ -4626,34 +6278,861 @@
             <p:ph idx="1"/>
           </p:nvPr>
         </p:nvSpPr>
-        <p:spPr/>
+        <p:spPr>
+          <a:xfrm>
+            <a:off x="1028700" y="2286000"/>
+            <a:ext cx="7200900" cy="2400301"/>
+          </a:xfrm>
+        </p:spPr>
         <p:txBody>
           <a:bodyPr/>
           <a:lstStyle/>
           <a:p>
             <a:r>
               <a:rPr dirty="0"/>
-              <a:t>Model training involves the use of the Adam optimizer with specific learning rate and weight decay settings. The training process employs batch processing with </a:t>
-            </a:r>
-            <a:r>
-              <a:rPr dirty="0" err="1"/>
-              <a:t>DataLoader</a:t>
-            </a:r>
-            <a:r>
-              <a:rPr dirty="0"/>
-              <a:t> for efficient data handling, and the </a:t>
-            </a:r>
-            <a:r>
-              <a:rPr dirty="0" err="1"/>
-              <a:t>BCEWithLogitsLoss</a:t>
-            </a:r>
-            <a:r>
-              <a:rPr dirty="0"/>
-              <a:t> function for loss calculation.</a:t>
+              <a:t>Throughout the training phases, the model's performance is monitored by tracking the loss and accuracy metrics for both training and validation datasets. This iterative evaluation helps in fine-tuning model parameters for optimal performance.</a:t>
+            </a:r>
+            <a:endParaRPr lang="en-US" dirty="0"/>
+          </a:p>
+          <a:p>
+            <a:r>
+              <a:rPr lang="en-US" dirty="0"/>
+              <a:t>Naïve attempt yields 98.3% accuracy but since the test data is highly unbalanced, those numbers represent wrong insight.</a:t>
             </a:r>
           </a:p>
         </p:txBody>
       </p:sp>
+      <mc:AlternateContent xmlns:mc="http://schemas.openxmlformats.org/markup-compatibility/2006" xmlns:a14="http://schemas.microsoft.com/office/drawing/2010/main">
+        <mc:Choice Requires="a14">
+          <p:graphicFrame>
+            <p:nvGraphicFramePr>
+              <p:cNvPr id="5" name="Content Placeholder 5">
+                <a:extLst>
+                  <a:ext uri="{FF2B5EF4-FFF2-40B4-BE49-F238E27FC236}">
+                    <a16:creationId xmlns:a16="http://schemas.microsoft.com/office/drawing/2014/main" id="{83D09125-539A-A7AB-139D-9CCE8D160921}"/>
+                  </a:ext>
+                </a:extLst>
+              </p:cNvPr>
+              <p:cNvGraphicFramePr>
+                <a:graphicFrameLocks/>
+              </p:cNvGraphicFramePr>
+              <p:nvPr>
+                <p:extLst>
+                  <p:ext uri="{D42A27DB-BD31-4B8C-83A1-F6EECF244321}">
+                    <p14:modId xmlns:p14="http://schemas.microsoft.com/office/powerpoint/2010/main" val="222221600"/>
+                  </p:ext>
+                </p:extLst>
+              </p:nvPr>
+            </p:nvGraphicFramePr>
+            <p:xfrm>
+              <a:off x="1195968" y="5037441"/>
+              <a:ext cx="7200896" cy="1483360"/>
+            </p:xfrm>
+            <a:graphic>
+              <a:graphicData uri="http://schemas.openxmlformats.org/drawingml/2006/table">
+                <a:tbl>
+                  <a:tblPr firstRow="1" bandRow="1">
+                    <a:tableStyleId>{5C22544A-7EE6-4342-B048-85BDC9FD1C3A}</a:tableStyleId>
+                  </a:tblPr>
+                  <a:tblGrid>
+                    <a:gridCol w="593503">
+                      <a:extLst>
+                        <a:ext uri="{9D8B030D-6E8A-4147-A177-3AD203B41FA5}">
+                          <a16:colId xmlns:a16="http://schemas.microsoft.com/office/drawing/2014/main" val="2098814544"/>
+                        </a:ext>
+                      </a:extLst>
+                    </a:gridCol>
+                    <a:gridCol w="1248697">
+                      <a:extLst>
+                        <a:ext uri="{9D8B030D-6E8A-4147-A177-3AD203B41FA5}">
+                          <a16:colId xmlns:a16="http://schemas.microsoft.com/office/drawing/2014/main" val="3101188231"/>
+                        </a:ext>
+                      </a:extLst>
+                    </a:gridCol>
+                    <a:gridCol w="1425677">
+                      <a:extLst>
+                        <a:ext uri="{9D8B030D-6E8A-4147-A177-3AD203B41FA5}">
+                          <a16:colId xmlns:a16="http://schemas.microsoft.com/office/drawing/2014/main" val="1717028806"/>
+                        </a:ext>
+                      </a:extLst>
+                    </a:gridCol>
+                    <a:gridCol w="3933019">
+                      <a:extLst>
+                        <a:ext uri="{9D8B030D-6E8A-4147-A177-3AD203B41FA5}">
+                          <a16:colId xmlns:a16="http://schemas.microsoft.com/office/drawing/2014/main" val="1754607623"/>
+                        </a:ext>
+                      </a:extLst>
+                    </a:gridCol>
+                  </a:tblGrid>
+                  <a:tr h="370840">
+                    <a:tc>
+                      <a:txBody>
+                        <a:bodyPr/>
+                        <a:lstStyle/>
+                        <a:p>
+                          <a:endParaRPr lang="en-IL"/>
+                        </a:p>
+                      </a:txBody>
+                      <a:tcPr/>
+                    </a:tc>
+                    <a:tc>
+                      <a:txBody>
+                        <a:bodyPr/>
+                        <a:lstStyle/>
+                        <a:p>
+                          <a:r>
+                            <a:rPr lang="en-IL" dirty="0"/>
+                            <a:t>P</a:t>
+                          </a:r>
+                        </a:p>
+                      </a:txBody>
+                      <a:tcPr/>
+                    </a:tc>
+                    <a:tc>
+                      <a:txBody>
+                        <a:bodyPr/>
+                        <a:lstStyle/>
+                        <a:p>
+                          <a:r>
+                            <a:rPr lang="en-IL" dirty="0"/>
+                            <a:t>N</a:t>
+                          </a:r>
+                        </a:p>
+                      </a:txBody>
+                      <a:tcPr/>
+                    </a:tc>
+                    <a:tc>
+                      <a:txBody>
+                        <a:bodyPr/>
+                        <a:lstStyle/>
+                        <a:p>
+                          <a:endParaRPr lang="en-IL"/>
+                        </a:p>
+                      </a:txBody>
+                      <a:tcPr/>
+                    </a:tc>
+                    <a:extLst>
+                      <a:ext uri="{0D108BD9-81ED-4DB2-BD59-A6C34878D82A}">
+                        <a16:rowId xmlns:a16="http://schemas.microsoft.com/office/drawing/2014/main" val="3123154570"/>
+                      </a:ext>
+                    </a:extLst>
+                  </a:tr>
+                  <a:tr h="370840">
+                    <a:tc>
+                      <a:txBody>
+                        <a:bodyPr/>
+                        <a:lstStyle/>
+                        <a:p>
+                          <a:r>
+                            <a:rPr lang="en-IL" dirty="0"/>
+                            <a:t>True</a:t>
+                          </a:r>
+                        </a:p>
+                      </a:txBody>
+                      <a:tcPr/>
+                    </a:tc>
+                    <a:tc>
+                      <a:txBody>
+                        <a:bodyPr/>
+                        <a:lstStyle/>
+                        <a:p>
+                          <a:r>
+                            <a:rPr lang="en-IL" dirty="0">
+                              <a:highlight>
+                                <a:srgbClr val="00FF00"/>
+                              </a:highlight>
+                            </a:rPr>
+                            <a:t>0.81%</a:t>
+                          </a:r>
+                        </a:p>
+                      </a:txBody>
+                      <a:tcPr/>
+                    </a:tc>
+                    <a:tc>
+                      <a:txBody>
+                        <a:bodyPr/>
+                        <a:lstStyle/>
+                        <a:p>
+                          <a:r>
+                            <a:rPr lang="en-IL" dirty="0">
+                              <a:highlight>
+                                <a:srgbClr val="FF0000"/>
+                              </a:highlight>
+                            </a:rPr>
+                            <a:t>0.76%</a:t>
+                          </a:r>
+                        </a:p>
+                      </a:txBody>
+                      <a:tcPr/>
+                    </a:tc>
+                    <a:tc>
+                      <a:txBody>
+                        <a:bodyPr/>
+                        <a:lstStyle/>
+                        <a:p>
+                          <a:endParaRPr lang="en-IL" dirty="0"/>
+                        </a:p>
+                      </a:txBody>
+                      <a:tcPr/>
+                    </a:tc>
+                    <a:extLst>
+                      <a:ext uri="{0D108BD9-81ED-4DB2-BD59-A6C34878D82A}">
+                        <a16:rowId xmlns:a16="http://schemas.microsoft.com/office/drawing/2014/main" val="1629707233"/>
+                      </a:ext>
+                    </a:extLst>
+                  </a:tr>
+                  <a:tr h="370840">
+                    <a:tc>
+                      <a:txBody>
+                        <a:bodyPr/>
+                        <a:lstStyle/>
+                        <a:p>
+                          <a:r>
+                            <a:rPr lang="en-IL" dirty="0"/>
+                            <a:t>False</a:t>
+                          </a:r>
+                        </a:p>
+                      </a:txBody>
+                      <a:tcPr/>
+                    </a:tc>
+                    <a:tc>
+                      <a:txBody>
+                        <a:bodyPr/>
+                        <a:lstStyle/>
+                        <a:p>
+                          <a:r>
+                            <a:rPr lang="en-IL" dirty="0">
+                              <a:highlight>
+                                <a:srgbClr val="FF0000"/>
+                              </a:highlight>
+                            </a:rPr>
+                            <a:t>1.14%</a:t>
+                          </a:r>
+                        </a:p>
+                      </a:txBody>
+                      <a:tcPr/>
+                    </a:tc>
+                    <a:tc>
+                      <a:txBody>
+                        <a:bodyPr/>
+                        <a:lstStyle/>
+                        <a:p>
+                          <a:r>
+                            <a:rPr lang="en-IL" dirty="0">
+                              <a:highlight>
+                                <a:srgbClr val="00FF00"/>
+                              </a:highlight>
+                            </a:rPr>
+                            <a:t>97.2%</a:t>
+                          </a:r>
+                        </a:p>
+                      </a:txBody>
+                      <a:tcPr/>
+                    </a:tc>
+                    <a:tc>
+                      <a:txBody>
+                        <a:bodyPr/>
+                        <a:lstStyle/>
+                        <a:p>
+                          <a:endParaRPr lang="en-IL" dirty="0"/>
+                        </a:p>
+                      </a:txBody>
+                      <a:tcPr/>
+                    </a:tc>
+                    <a:extLst>
+                      <a:ext uri="{0D108BD9-81ED-4DB2-BD59-A6C34878D82A}">
+                        <a16:rowId xmlns:a16="http://schemas.microsoft.com/office/drawing/2014/main" val="2423149278"/>
+                      </a:ext>
+                    </a:extLst>
+                  </a:tr>
+                  <a:tr h="370840">
+                    <a:tc>
+                      <a:txBody>
+                        <a:bodyPr/>
+                        <a:lstStyle/>
+                        <a:p>
+                          <a:endParaRPr lang="en-IL" dirty="0"/>
+                        </a:p>
+                      </a:txBody>
+                      <a:tcPr/>
+                    </a:tc>
+                    <a:tc>
+                      <a:txBody>
+                        <a:bodyPr/>
+                        <a:lstStyle/>
+                        <a:p>
+                          <a:pPr/>
+                          <a14:m>
+                            <m:oMathPara xmlns:m="http://schemas.openxmlformats.org/officeDocument/2006/math">
+                              <m:oMathParaPr>
+                                <m:jc m:val="centerGroup"/>
+                              </m:oMathParaPr>
+                              <m:oMath xmlns:m="http://schemas.openxmlformats.org/officeDocument/2006/math">
+                                <m:r>
+                                  <a:rPr lang="en-US" b="0" i="1" smtClean="0">
+                                    <a:latin typeface="Cambria Math" panose="02040503050406030204" pitchFamily="18" charset="0"/>
+                                  </a:rPr>
+                                  <m:t>𝑃</m:t>
+                                </m:r>
+                                <m:d>
+                                  <m:dPr>
+                                    <m:ctrlPr>
+                                      <a:rPr lang="en-US" b="0" i="1" smtClean="0">
+                                        <a:latin typeface="Cambria Math" panose="02040503050406030204" pitchFamily="18" charset="0"/>
+                                      </a:rPr>
+                                    </m:ctrlPr>
+                                  </m:dPr>
+                                  <m:e>
+                                    <m:r>
+                                      <a:rPr lang="en-US" b="0" i="1" smtClean="0">
+                                        <a:latin typeface="Cambria Math" panose="02040503050406030204" pitchFamily="18" charset="0"/>
+                                      </a:rPr>
+                                      <m:t>𝑝</m:t>
+                                    </m:r>
+                                  </m:e>
+                                  <m:e>
+                                    <m:r>
+                                      <a:rPr lang="en-US" b="0" i="1" smtClean="0">
+                                        <a:latin typeface="Cambria Math" panose="02040503050406030204" pitchFamily="18" charset="0"/>
+                                      </a:rPr>
+                                      <m:t>𝑝</m:t>
+                                    </m:r>
+                                  </m:e>
+                                </m:d>
+                                <m:r>
+                                  <a:rPr lang="en-US" b="0" i="1" smtClean="0">
+                                    <a:latin typeface="Cambria Math" panose="02040503050406030204" pitchFamily="18" charset="0"/>
+                                  </a:rPr>
+                                  <m:t>=</m:t>
+                                </m:r>
+                                <m:r>
+                                  <m:rPr>
+                                    <m:nor/>
+                                  </m:rPr>
+                                  <a:rPr lang="en-IL" dirty="0" smtClean="0"/>
+                                  <m:t>41%</m:t>
+                                </m:r>
+                              </m:oMath>
+                            </m:oMathPara>
+                          </a14:m>
+                          <a:endParaRPr lang="en-IL" dirty="0"/>
+                        </a:p>
+                      </a:txBody>
+                      <a:tcPr/>
+                    </a:tc>
+                    <a:tc>
+                      <a:txBody>
+                        <a:bodyPr/>
+                        <a:lstStyle/>
+                        <a:p>
+                          <a:pPr/>
+                          <a14:m>
+                            <m:oMathPara xmlns:m="http://schemas.openxmlformats.org/officeDocument/2006/math">
+                              <m:oMathParaPr>
+                                <m:jc m:val="centerGroup"/>
+                              </m:oMathParaPr>
+                              <m:oMath xmlns:m="http://schemas.openxmlformats.org/officeDocument/2006/math">
+                                <m:r>
+                                  <a:rPr lang="en-US" b="0" i="1" smtClean="0">
+                                    <a:latin typeface="Cambria Math" panose="02040503050406030204" pitchFamily="18" charset="0"/>
+                                  </a:rPr>
+                                  <m:t>𝑃</m:t>
+                                </m:r>
+                                <m:d>
+                                  <m:dPr>
+                                    <m:ctrlPr>
+                                      <a:rPr lang="en-US" b="0" i="1" smtClean="0">
+                                        <a:latin typeface="Cambria Math" panose="02040503050406030204" pitchFamily="18" charset="0"/>
+                                      </a:rPr>
+                                    </m:ctrlPr>
+                                  </m:dPr>
+                                  <m:e>
+                                    <m:r>
+                                      <a:rPr lang="en-US" b="0" i="1" smtClean="0">
+                                        <a:latin typeface="Cambria Math" panose="02040503050406030204" pitchFamily="18" charset="0"/>
+                                      </a:rPr>
+                                      <m:t>𝑛</m:t>
+                                    </m:r>
+                                  </m:e>
+                                  <m:e>
+                                    <m:r>
+                                      <a:rPr lang="en-US" b="0" i="1" smtClean="0">
+                                        <a:latin typeface="Cambria Math" panose="02040503050406030204" pitchFamily="18" charset="0"/>
+                                      </a:rPr>
+                                      <m:t>𝑛</m:t>
+                                    </m:r>
+                                  </m:e>
+                                </m:d>
+                                <m:r>
+                                  <a:rPr lang="en-US" b="0" i="1" smtClean="0">
+                                    <a:latin typeface="Cambria Math" panose="02040503050406030204" pitchFamily="18" charset="0"/>
+                                  </a:rPr>
+                                  <m:t>=</m:t>
+                                </m:r>
+                                <m:r>
+                                  <m:rPr>
+                                    <m:nor/>
+                                  </m:rPr>
+                                  <a:rPr lang="en-US" b="0" i="0" dirty="0" smtClean="0"/>
+                                  <m:t>99</m:t>
+                                </m:r>
+                                <m:r>
+                                  <m:rPr>
+                                    <m:nor/>
+                                  </m:rPr>
+                                  <a:rPr lang="en-IL" dirty="0" smtClean="0"/>
+                                  <m:t>%</m:t>
+                                </m:r>
+                              </m:oMath>
+                            </m:oMathPara>
+                          </a14:m>
+                          <a:endParaRPr lang="en-IL" dirty="0"/>
+                        </a:p>
+                      </a:txBody>
+                      <a:tcPr/>
+                    </a:tc>
+                    <a:tc>
+                      <a:txBody>
+                        <a:bodyPr/>
+                        <a:lstStyle/>
+                        <a:p>
+                          <a:r>
+                            <a:rPr lang="en-IL" dirty="0"/>
+                            <a:t>Acc</a:t>
+                          </a:r>
+                          <a:r>
+                            <a:rPr lang="en-IL" baseline="0" dirty="0"/>
+                            <a:t> = </a:t>
+                          </a:r>
+                          <a:r>
+                            <a:rPr lang="en-IL" dirty="0"/>
+                            <a:t>98%   </a:t>
+                          </a:r>
+                          <a14:m>
+                            <m:oMath xmlns:m="http://schemas.openxmlformats.org/officeDocument/2006/math">
+                              <m:r>
+                                <a:rPr lang="en-US" b="0" i="0" smtClean="0">
+                                  <a:latin typeface="Cambria Math" panose="02040503050406030204" pitchFamily="18" charset="0"/>
+                                </a:rPr>
+                                <m:t>0.5</m:t>
+                              </m:r>
+                              <m:r>
+                                <a:rPr lang="en-US" b="0" i="1" smtClean="0">
+                                  <a:latin typeface="Cambria Math" panose="02040503050406030204" pitchFamily="18" charset="0"/>
+                                </a:rPr>
+                                <m:t>∙</m:t>
+                              </m:r>
+                              <m:r>
+                                <a:rPr lang="en-US" b="0" i="0" smtClean="0">
+                                  <a:latin typeface="Cambria Math" panose="02040503050406030204" pitchFamily="18" charset="0"/>
+                                </a:rPr>
+                                <m:t>[</m:t>
+                              </m:r>
+                              <m:r>
+                                <a:rPr lang="en-US" b="0" i="1" smtClean="0">
+                                  <a:latin typeface="Cambria Math" panose="02040503050406030204" pitchFamily="18" charset="0"/>
+                                </a:rPr>
+                                <m:t>𝑃</m:t>
+                              </m:r>
+                              <m:d>
+                                <m:dPr>
+                                  <m:ctrlPr>
+                                    <a:rPr lang="en-US" b="0" i="1" smtClean="0">
+                                      <a:latin typeface="Cambria Math" panose="02040503050406030204" pitchFamily="18" charset="0"/>
+                                    </a:rPr>
+                                  </m:ctrlPr>
+                                </m:dPr>
+                                <m:e>
+                                  <m:r>
+                                    <a:rPr lang="en-US" b="0" i="1" smtClean="0">
+                                      <a:latin typeface="Cambria Math" panose="02040503050406030204" pitchFamily="18" charset="0"/>
+                                    </a:rPr>
+                                    <m:t>𝑝</m:t>
+                                  </m:r>
+                                </m:e>
+                                <m:e>
+                                  <m:r>
+                                    <a:rPr lang="en-US" b="0" i="1" smtClean="0">
+                                      <a:latin typeface="Cambria Math" panose="02040503050406030204" pitchFamily="18" charset="0"/>
+                                    </a:rPr>
+                                    <m:t>𝑝</m:t>
+                                  </m:r>
+                                </m:e>
+                              </m:d>
+                              <m:r>
+                                <a:rPr lang="en-US" b="0" i="1" smtClean="0">
+                                  <a:latin typeface="Cambria Math" panose="02040503050406030204" pitchFamily="18" charset="0"/>
+                                </a:rPr>
+                                <m:t>+</m:t>
+                              </m:r>
+                              <m:r>
+                                <a:rPr lang="en-US" b="0" i="1" smtClean="0">
+                                  <a:latin typeface="Cambria Math" panose="02040503050406030204" pitchFamily="18" charset="0"/>
+                                </a:rPr>
+                                <m:t>𝑃</m:t>
+                              </m:r>
+                              <m:d>
+                                <m:dPr>
+                                  <m:ctrlPr>
+                                    <a:rPr lang="en-US" b="0" i="1" smtClean="0">
+                                      <a:latin typeface="Cambria Math" panose="02040503050406030204" pitchFamily="18" charset="0"/>
+                                    </a:rPr>
+                                  </m:ctrlPr>
+                                </m:dPr>
+                                <m:e>
+                                  <m:r>
+                                    <a:rPr lang="en-US" b="0" i="1" smtClean="0">
+                                      <a:latin typeface="Cambria Math" panose="02040503050406030204" pitchFamily="18" charset="0"/>
+                                    </a:rPr>
+                                    <m:t>𝑛</m:t>
+                                  </m:r>
+                                </m:e>
+                                <m:e>
+                                  <m:r>
+                                    <a:rPr lang="en-US" b="0" i="1" smtClean="0">
+                                      <a:latin typeface="Cambria Math" panose="02040503050406030204" pitchFamily="18" charset="0"/>
+                                    </a:rPr>
+                                    <m:t>𝑛</m:t>
+                                  </m:r>
+                                </m:e>
+                              </m:d>
+                            </m:oMath>
+                          </a14:m>
+                          <a:r>
+                            <a:rPr lang="en-IL" dirty="0"/>
+                            <a:t>] = 70%</a:t>
+                          </a:r>
+                        </a:p>
+                      </a:txBody>
+                      <a:tcPr/>
+                    </a:tc>
+                    <a:extLst>
+                      <a:ext uri="{0D108BD9-81ED-4DB2-BD59-A6C34878D82A}">
+                        <a16:rowId xmlns:a16="http://schemas.microsoft.com/office/drawing/2014/main" val="1591091823"/>
+                      </a:ext>
+                    </a:extLst>
+                  </a:tr>
+                </a:tbl>
+              </a:graphicData>
+            </a:graphic>
+          </p:graphicFrame>
+        </mc:Choice>
+        <mc:Fallback xmlns="">
+          <p:graphicFrame>
+            <p:nvGraphicFramePr>
+              <p:cNvPr id="5" name="Content Placeholder 5">
+                <a:extLst>
+                  <a:ext uri="{FF2B5EF4-FFF2-40B4-BE49-F238E27FC236}">
+                    <a16:creationId xmlns:a16="http://schemas.microsoft.com/office/drawing/2014/main" id="{83D09125-539A-A7AB-139D-9CCE8D160921}"/>
+                  </a:ext>
+                </a:extLst>
+              </p:cNvPr>
+              <p:cNvGraphicFramePr>
+                <a:graphicFrameLocks/>
+              </p:cNvGraphicFramePr>
+              <p:nvPr>
+                <p:extLst>
+                  <p:ext uri="{D42A27DB-BD31-4B8C-83A1-F6EECF244321}">
+                    <p14:modId xmlns:p14="http://schemas.microsoft.com/office/powerpoint/2010/main" val="222221600"/>
+                  </p:ext>
+                </p:extLst>
+              </p:nvPr>
+            </p:nvGraphicFramePr>
+            <p:xfrm>
+              <a:off x="1195968" y="5037441"/>
+              <a:ext cx="7200896" cy="1483360"/>
+            </p:xfrm>
+            <a:graphic>
+              <a:graphicData uri="http://schemas.openxmlformats.org/drawingml/2006/table">
+                <a:tbl>
+                  <a:tblPr firstRow="1" bandRow="1">
+                    <a:tableStyleId>{5C22544A-7EE6-4342-B048-85BDC9FD1C3A}</a:tableStyleId>
+                  </a:tblPr>
+                  <a:tblGrid>
+                    <a:gridCol w="593503">
+                      <a:extLst>
+                        <a:ext uri="{9D8B030D-6E8A-4147-A177-3AD203B41FA5}">
+                          <a16:colId xmlns:a16="http://schemas.microsoft.com/office/drawing/2014/main" val="2098814544"/>
+                        </a:ext>
+                      </a:extLst>
+                    </a:gridCol>
+                    <a:gridCol w="1248697">
+                      <a:extLst>
+                        <a:ext uri="{9D8B030D-6E8A-4147-A177-3AD203B41FA5}">
+                          <a16:colId xmlns:a16="http://schemas.microsoft.com/office/drawing/2014/main" val="3101188231"/>
+                        </a:ext>
+                      </a:extLst>
+                    </a:gridCol>
+                    <a:gridCol w="1425677">
+                      <a:extLst>
+                        <a:ext uri="{9D8B030D-6E8A-4147-A177-3AD203B41FA5}">
+                          <a16:colId xmlns:a16="http://schemas.microsoft.com/office/drawing/2014/main" val="1717028806"/>
+                        </a:ext>
+                      </a:extLst>
+                    </a:gridCol>
+                    <a:gridCol w="3933019">
+                      <a:extLst>
+                        <a:ext uri="{9D8B030D-6E8A-4147-A177-3AD203B41FA5}">
+                          <a16:colId xmlns:a16="http://schemas.microsoft.com/office/drawing/2014/main" val="1754607623"/>
+                        </a:ext>
+                      </a:extLst>
+                    </a:gridCol>
+                  </a:tblGrid>
+                  <a:tr h="370840">
+                    <a:tc>
+                      <a:txBody>
+                        <a:bodyPr/>
+                        <a:lstStyle/>
+                        <a:p>
+                          <a:endParaRPr lang="en-IL"/>
+                        </a:p>
+                      </a:txBody>
+                      <a:tcPr/>
+                    </a:tc>
+                    <a:tc>
+                      <a:txBody>
+                        <a:bodyPr/>
+                        <a:lstStyle/>
+                        <a:p>
+                          <a:r>
+                            <a:rPr lang="en-IL" dirty="0"/>
+                            <a:t>P</a:t>
+                          </a:r>
+                        </a:p>
+                      </a:txBody>
+                      <a:tcPr/>
+                    </a:tc>
+                    <a:tc>
+                      <a:txBody>
+                        <a:bodyPr/>
+                        <a:lstStyle/>
+                        <a:p>
+                          <a:r>
+                            <a:rPr lang="en-IL" dirty="0"/>
+                            <a:t>N</a:t>
+                          </a:r>
+                        </a:p>
+                      </a:txBody>
+                      <a:tcPr/>
+                    </a:tc>
+                    <a:tc>
+                      <a:txBody>
+                        <a:bodyPr/>
+                        <a:lstStyle/>
+                        <a:p>
+                          <a:endParaRPr lang="en-IL"/>
+                        </a:p>
+                      </a:txBody>
+                      <a:tcPr/>
+                    </a:tc>
+                    <a:extLst>
+                      <a:ext uri="{0D108BD9-81ED-4DB2-BD59-A6C34878D82A}">
+                        <a16:rowId xmlns:a16="http://schemas.microsoft.com/office/drawing/2014/main" val="3123154570"/>
+                      </a:ext>
+                    </a:extLst>
+                  </a:tr>
+                  <a:tr h="370840">
+                    <a:tc>
+                      <a:txBody>
+                        <a:bodyPr/>
+                        <a:lstStyle/>
+                        <a:p>
+                          <a:r>
+                            <a:rPr lang="en-IL" dirty="0"/>
+                            <a:t>True</a:t>
+                          </a:r>
+                        </a:p>
+                      </a:txBody>
+                      <a:tcPr/>
+                    </a:tc>
+                    <a:tc>
+                      <a:txBody>
+                        <a:bodyPr/>
+                        <a:lstStyle/>
+                        <a:p>
+                          <a:r>
+                            <a:rPr lang="en-IL" dirty="0">
+                              <a:highlight>
+                                <a:srgbClr val="00FF00"/>
+                              </a:highlight>
+                            </a:rPr>
+                            <a:t>0.81%</a:t>
+                          </a:r>
+                        </a:p>
+                      </a:txBody>
+                      <a:tcPr/>
+                    </a:tc>
+                    <a:tc>
+                      <a:txBody>
+                        <a:bodyPr/>
+                        <a:lstStyle/>
+                        <a:p>
+                          <a:r>
+                            <a:rPr lang="en-IL" dirty="0">
+                              <a:highlight>
+                                <a:srgbClr val="FF0000"/>
+                              </a:highlight>
+                            </a:rPr>
+                            <a:t>0.76%</a:t>
+                          </a:r>
+                        </a:p>
+                      </a:txBody>
+                      <a:tcPr/>
+                    </a:tc>
+                    <a:tc>
+                      <a:txBody>
+                        <a:bodyPr/>
+                        <a:lstStyle/>
+                        <a:p>
+                          <a:endParaRPr lang="en-IL" dirty="0"/>
+                        </a:p>
+                      </a:txBody>
+                      <a:tcPr/>
+                    </a:tc>
+                    <a:extLst>
+                      <a:ext uri="{0D108BD9-81ED-4DB2-BD59-A6C34878D82A}">
+                        <a16:rowId xmlns:a16="http://schemas.microsoft.com/office/drawing/2014/main" val="1629707233"/>
+                      </a:ext>
+                    </a:extLst>
+                  </a:tr>
+                  <a:tr h="370840">
+                    <a:tc>
+                      <a:txBody>
+                        <a:bodyPr/>
+                        <a:lstStyle/>
+                        <a:p>
+                          <a:r>
+                            <a:rPr lang="en-IL" dirty="0"/>
+                            <a:t>False</a:t>
+                          </a:r>
+                        </a:p>
+                      </a:txBody>
+                      <a:tcPr/>
+                    </a:tc>
+                    <a:tc>
+                      <a:txBody>
+                        <a:bodyPr/>
+                        <a:lstStyle/>
+                        <a:p>
+                          <a:r>
+                            <a:rPr lang="en-IL" dirty="0">
+                              <a:highlight>
+                                <a:srgbClr val="FF0000"/>
+                              </a:highlight>
+                            </a:rPr>
+                            <a:t>1.14%</a:t>
+                          </a:r>
+                        </a:p>
+                      </a:txBody>
+                      <a:tcPr/>
+                    </a:tc>
+                    <a:tc>
+                      <a:txBody>
+                        <a:bodyPr/>
+                        <a:lstStyle/>
+                        <a:p>
+                          <a:r>
+                            <a:rPr lang="en-IL" dirty="0">
+                              <a:highlight>
+                                <a:srgbClr val="00FF00"/>
+                              </a:highlight>
+                            </a:rPr>
+                            <a:t>97.2%</a:t>
+                          </a:r>
+                        </a:p>
+                      </a:txBody>
+                      <a:tcPr/>
+                    </a:tc>
+                    <a:tc>
+                      <a:txBody>
+                        <a:bodyPr/>
+                        <a:lstStyle/>
+                        <a:p>
+                          <a:endParaRPr lang="en-IL" dirty="0"/>
+                        </a:p>
+                      </a:txBody>
+                      <a:tcPr/>
+                    </a:tc>
+                    <a:extLst>
+                      <a:ext uri="{0D108BD9-81ED-4DB2-BD59-A6C34878D82A}">
+                        <a16:rowId xmlns:a16="http://schemas.microsoft.com/office/drawing/2014/main" val="2423149278"/>
+                      </a:ext>
+                    </a:extLst>
+                  </a:tr>
+                  <a:tr h="370840">
+                    <a:tc>
+                      <a:txBody>
+                        <a:bodyPr/>
+                        <a:lstStyle/>
+                        <a:p>
+                          <a:endParaRPr lang="en-IL" dirty="0"/>
+                        </a:p>
+                      </a:txBody>
+                      <a:tcPr/>
+                    </a:tc>
+                    <a:tc>
+                      <a:txBody>
+                        <a:bodyPr/>
+                        <a:lstStyle/>
+                        <a:p>
+                          <a:endParaRPr lang="en-IL"/>
+                        </a:p>
+                      </a:txBody>
+                      <a:tcPr>
+                        <a:blipFill>
+                          <a:blip r:embed="rId2"/>
+                          <a:stretch>
+                            <a:fillRect l="-48980" t="-306897" r="-433673" b="-3448"/>
+                          </a:stretch>
+                        </a:blipFill>
+                      </a:tcPr>
+                    </a:tc>
+                    <a:tc>
+                      <a:txBody>
+                        <a:bodyPr/>
+                        <a:lstStyle/>
+                        <a:p>
+                          <a:endParaRPr lang="en-IL"/>
+                        </a:p>
+                      </a:txBody>
+                      <a:tcPr>
+                        <a:blipFill>
+                          <a:blip r:embed="rId2"/>
+                          <a:stretch>
+                            <a:fillRect l="-129204" t="-306897" r="-276106" b="-3448"/>
+                          </a:stretch>
+                        </a:blipFill>
+                      </a:tcPr>
+                    </a:tc>
+                    <a:tc>
+                      <a:txBody>
+                        <a:bodyPr/>
+                        <a:lstStyle/>
+                        <a:p>
+                          <a:endParaRPr lang="en-IL"/>
+                        </a:p>
+                      </a:txBody>
+                      <a:tcPr>
+                        <a:blipFill>
+                          <a:blip r:embed="rId2"/>
+                          <a:stretch>
+                            <a:fillRect l="-83548" t="-306897" r="-645" b="-3448"/>
+                          </a:stretch>
+                        </a:blipFill>
+                      </a:tcPr>
+                    </a:tc>
+                    <a:extLst>
+                      <a:ext uri="{0D108BD9-81ED-4DB2-BD59-A6C34878D82A}">
+                        <a16:rowId xmlns:a16="http://schemas.microsoft.com/office/drawing/2014/main" val="1591091823"/>
+                      </a:ext>
+                    </a:extLst>
+                  </a:tr>
+                </a:tbl>
+              </a:graphicData>
+            </a:graphic>
+          </p:graphicFrame>
+        </mc:Fallback>
+      </mc:AlternateContent>
     </p:spTree>
   </p:cSld>
   <p:clrMapOvr>
@@ -4695,7 +7174,8 @@
           <a:lstStyle/>
           <a:p>
             <a:r>
-              <a:t>Training and Validation Performance</a:t>
+              <a:rPr dirty="0"/>
+              <a:t>Model Testing and Final Accuracy</a:t>
             </a:r>
           </a:p>
         </p:txBody>
@@ -4716,11 +7196,866 @@
           <a:lstStyle/>
           <a:p>
             <a:r>
-              <a:t>Throughout the training phases, the model's performance is monitored by tracking the loss and accuracy metrics for both training and validation datasets. This iterative evaluation helps in fine-tuning model parameters for optimal performance.</a:t>
-            </a:r>
+              <a:rPr dirty="0"/>
+              <a:t>Upon completion of training, the model is tested with a separate dataset to evaluate its performance on unseen data. The final accuracy metric provides insight into the model's effectiveness in recognizing faces.</a:t>
+            </a:r>
+            <a:endParaRPr lang="en-US" dirty="0"/>
+          </a:p>
+          <a:p>
+            <a:r>
+              <a:rPr lang="en-IL" dirty="0"/>
+              <a:t>After hyperparameter </a:t>
+            </a:r>
+            <a:r>
+              <a:rPr lang="en-US" dirty="0"/>
+              <a:t>adjustments</a:t>
+            </a:r>
+            <a:r>
+              <a:rPr lang="en-IL" dirty="0"/>
+              <a:t> such as regularization and up-sampling, the final results:</a:t>
+            </a:r>
+            <a:endParaRPr dirty="0"/>
           </a:p>
         </p:txBody>
       </p:sp>
+      <mc:AlternateContent xmlns:mc="http://schemas.openxmlformats.org/markup-compatibility/2006" xmlns:a14="http://schemas.microsoft.com/office/drawing/2010/main">
+        <mc:Choice Requires="a14">
+          <p:graphicFrame>
+            <p:nvGraphicFramePr>
+              <p:cNvPr id="7" name="Content Placeholder 5">
+                <a:extLst>
+                  <a:ext uri="{FF2B5EF4-FFF2-40B4-BE49-F238E27FC236}">
+                    <a16:creationId xmlns:a16="http://schemas.microsoft.com/office/drawing/2014/main" id="{122BDEB8-941B-4EC0-A12F-9D1981460FC1}"/>
+                  </a:ext>
+                </a:extLst>
+              </p:cNvPr>
+              <p:cNvGraphicFramePr>
+                <a:graphicFrameLocks/>
+              </p:cNvGraphicFramePr>
+              <p:nvPr>
+                <p:extLst>
+                  <p:ext uri="{D42A27DB-BD31-4B8C-83A1-F6EECF244321}">
+                    <p14:modId xmlns:p14="http://schemas.microsoft.com/office/powerpoint/2010/main" val="4091238102"/>
+                  </p:ext>
+                </p:extLst>
+              </p:nvPr>
+            </p:nvGraphicFramePr>
+            <p:xfrm>
+              <a:off x="1196688" y="4498340"/>
+              <a:ext cx="7200896" cy="1483360"/>
+            </p:xfrm>
+            <a:graphic>
+              <a:graphicData uri="http://schemas.openxmlformats.org/drawingml/2006/table">
+                <a:tbl>
+                  <a:tblPr firstRow="1" bandRow="1">
+                    <a:tableStyleId>{5C22544A-7EE6-4342-B048-85BDC9FD1C3A}</a:tableStyleId>
+                  </a:tblPr>
+                  <a:tblGrid>
+                    <a:gridCol w="593503">
+                      <a:extLst>
+                        <a:ext uri="{9D8B030D-6E8A-4147-A177-3AD203B41FA5}">
+                          <a16:colId xmlns:a16="http://schemas.microsoft.com/office/drawing/2014/main" val="2098814544"/>
+                        </a:ext>
+                      </a:extLst>
+                    </a:gridCol>
+                    <a:gridCol w="1248697">
+                      <a:extLst>
+                        <a:ext uri="{9D8B030D-6E8A-4147-A177-3AD203B41FA5}">
+                          <a16:colId xmlns:a16="http://schemas.microsoft.com/office/drawing/2014/main" val="3101188231"/>
+                        </a:ext>
+                      </a:extLst>
+                    </a:gridCol>
+                    <a:gridCol w="1425677">
+                      <a:extLst>
+                        <a:ext uri="{9D8B030D-6E8A-4147-A177-3AD203B41FA5}">
+                          <a16:colId xmlns:a16="http://schemas.microsoft.com/office/drawing/2014/main" val="1717028806"/>
+                        </a:ext>
+                      </a:extLst>
+                    </a:gridCol>
+                    <a:gridCol w="3933019">
+                      <a:extLst>
+                        <a:ext uri="{9D8B030D-6E8A-4147-A177-3AD203B41FA5}">
+                          <a16:colId xmlns:a16="http://schemas.microsoft.com/office/drawing/2014/main" val="1754607623"/>
+                        </a:ext>
+                      </a:extLst>
+                    </a:gridCol>
+                  </a:tblGrid>
+                  <a:tr h="370840">
+                    <a:tc>
+                      <a:txBody>
+                        <a:bodyPr/>
+                        <a:lstStyle/>
+                        <a:p>
+                          <a:endParaRPr lang="en-IL"/>
+                        </a:p>
+                      </a:txBody>
+                      <a:tcPr/>
+                    </a:tc>
+                    <a:tc>
+                      <a:txBody>
+                        <a:bodyPr/>
+                        <a:lstStyle/>
+                        <a:p>
+                          <a:r>
+                            <a:rPr lang="en-IL" dirty="0"/>
+                            <a:t>P</a:t>
+                          </a:r>
+                        </a:p>
+                      </a:txBody>
+                      <a:tcPr/>
+                    </a:tc>
+                    <a:tc>
+                      <a:txBody>
+                        <a:bodyPr/>
+                        <a:lstStyle/>
+                        <a:p>
+                          <a:r>
+                            <a:rPr lang="en-IL" dirty="0"/>
+                            <a:t>N</a:t>
+                          </a:r>
+                        </a:p>
+                      </a:txBody>
+                      <a:tcPr/>
+                    </a:tc>
+                    <a:tc>
+                      <a:txBody>
+                        <a:bodyPr/>
+                        <a:lstStyle/>
+                        <a:p>
+                          <a:endParaRPr lang="en-IL"/>
+                        </a:p>
+                      </a:txBody>
+                      <a:tcPr/>
+                    </a:tc>
+                    <a:extLst>
+                      <a:ext uri="{0D108BD9-81ED-4DB2-BD59-A6C34878D82A}">
+                        <a16:rowId xmlns:a16="http://schemas.microsoft.com/office/drawing/2014/main" val="3123154570"/>
+                      </a:ext>
+                    </a:extLst>
+                  </a:tr>
+                  <a:tr h="370840">
+                    <a:tc>
+                      <a:txBody>
+                        <a:bodyPr/>
+                        <a:lstStyle/>
+                        <a:p>
+                          <a:r>
+                            <a:rPr lang="en-IL" dirty="0"/>
+                            <a:t>True</a:t>
+                          </a:r>
+                        </a:p>
+                      </a:txBody>
+                      <a:tcPr/>
+                    </a:tc>
+                    <a:tc>
+                      <a:txBody>
+                        <a:bodyPr/>
+                        <a:lstStyle/>
+                        <a:p>
+                          <a:r>
+                            <a:rPr lang="en-IL" dirty="0">
+                              <a:highlight>
+                                <a:srgbClr val="00FF00"/>
+                              </a:highlight>
+                            </a:rPr>
+                            <a:t>1.5%</a:t>
+                          </a:r>
+                        </a:p>
+                      </a:txBody>
+                      <a:tcPr/>
+                    </a:tc>
+                    <a:tc>
+                      <a:txBody>
+                        <a:bodyPr/>
+                        <a:lstStyle/>
+                        <a:p>
+                          <a:r>
+                            <a:rPr lang="en-IL" dirty="0">
+                              <a:highlight>
+                                <a:srgbClr val="FF0000"/>
+                              </a:highlight>
+                            </a:rPr>
+                            <a:t>8.2%</a:t>
+                          </a:r>
+                        </a:p>
+                      </a:txBody>
+                      <a:tcPr/>
+                    </a:tc>
+                    <a:tc>
+                      <a:txBody>
+                        <a:bodyPr/>
+                        <a:lstStyle/>
+                        <a:p>
+                          <a:endParaRPr lang="en-IL" dirty="0"/>
+                        </a:p>
+                      </a:txBody>
+                      <a:tcPr/>
+                    </a:tc>
+                    <a:extLst>
+                      <a:ext uri="{0D108BD9-81ED-4DB2-BD59-A6C34878D82A}">
+                        <a16:rowId xmlns:a16="http://schemas.microsoft.com/office/drawing/2014/main" val="1629707233"/>
+                      </a:ext>
+                    </a:extLst>
+                  </a:tr>
+                  <a:tr h="370840">
+                    <a:tc>
+                      <a:txBody>
+                        <a:bodyPr/>
+                        <a:lstStyle/>
+                        <a:p>
+                          <a:r>
+                            <a:rPr lang="en-IL" dirty="0"/>
+                            <a:t>False</a:t>
+                          </a:r>
+                        </a:p>
+                      </a:txBody>
+                      <a:tcPr/>
+                    </a:tc>
+                    <a:tc>
+                      <a:txBody>
+                        <a:bodyPr/>
+                        <a:lstStyle/>
+                        <a:p>
+                          <a:r>
+                            <a:rPr lang="en-IL" dirty="0">
+                              <a:highlight>
+                                <a:srgbClr val="FF0000"/>
+                              </a:highlight>
+                            </a:rPr>
+                            <a:t>0.4%</a:t>
+                          </a:r>
+                        </a:p>
+                      </a:txBody>
+                      <a:tcPr/>
+                    </a:tc>
+                    <a:tc>
+                      <a:txBody>
+                        <a:bodyPr/>
+                        <a:lstStyle/>
+                        <a:p>
+                          <a:r>
+                            <a:rPr lang="en-IL" dirty="0">
+                              <a:highlight>
+                                <a:srgbClr val="00FF00"/>
+                              </a:highlight>
+                            </a:rPr>
+                            <a:t>89.7%</a:t>
+                          </a:r>
+                        </a:p>
+                      </a:txBody>
+                      <a:tcPr/>
+                    </a:tc>
+                    <a:tc>
+                      <a:txBody>
+                        <a:bodyPr/>
+                        <a:lstStyle/>
+                        <a:p>
+                          <a:endParaRPr lang="en-IL" dirty="0"/>
+                        </a:p>
+                      </a:txBody>
+                      <a:tcPr/>
+                    </a:tc>
+                    <a:extLst>
+                      <a:ext uri="{0D108BD9-81ED-4DB2-BD59-A6C34878D82A}">
+                        <a16:rowId xmlns:a16="http://schemas.microsoft.com/office/drawing/2014/main" val="2423149278"/>
+                      </a:ext>
+                    </a:extLst>
+                  </a:tr>
+                  <a:tr h="370840">
+                    <a:tc>
+                      <a:txBody>
+                        <a:bodyPr/>
+                        <a:lstStyle/>
+                        <a:p>
+                          <a:endParaRPr lang="en-IL" dirty="0"/>
+                        </a:p>
+                      </a:txBody>
+                      <a:tcPr/>
+                    </a:tc>
+                    <a:tc>
+                      <a:txBody>
+                        <a:bodyPr/>
+                        <a:lstStyle/>
+                        <a:p>
+                          <a:pPr/>
+                          <a14:m>
+                            <m:oMathPara xmlns:m="http://schemas.openxmlformats.org/officeDocument/2006/math">
+                              <m:oMathParaPr>
+                                <m:jc m:val="centerGroup"/>
+                              </m:oMathParaPr>
+                              <m:oMath xmlns:m="http://schemas.openxmlformats.org/officeDocument/2006/math">
+                                <m:r>
+                                  <a:rPr lang="en-US" b="0" i="1" smtClean="0">
+                                    <a:latin typeface="Cambria Math" panose="02040503050406030204" pitchFamily="18" charset="0"/>
+                                  </a:rPr>
+                                  <m:t>𝑃</m:t>
+                                </m:r>
+                                <m:d>
+                                  <m:dPr>
+                                    <m:ctrlPr>
+                                      <a:rPr lang="en-US" b="0" i="1" smtClean="0">
+                                        <a:latin typeface="Cambria Math" panose="02040503050406030204" pitchFamily="18" charset="0"/>
+                                      </a:rPr>
+                                    </m:ctrlPr>
+                                  </m:dPr>
+                                  <m:e>
+                                    <m:r>
+                                      <a:rPr lang="en-US" b="0" i="1" smtClean="0">
+                                        <a:latin typeface="Cambria Math" panose="02040503050406030204" pitchFamily="18" charset="0"/>
+                                      </a:rPr>
+                                      <m:t>𝑝</m:t>
+                                    </m:r>
+                                  </m:e>
+                                  <m:e>
+                                    <m:r>
+                                      <a:rPr lang="en-US" b="0" i="1" smtClean="0">
+                                        <a:latin typeface="Cambria Math" panose="02040503050406030204" pitchFamily="18" charset="0"/>
+                                      </a:rPr>
+                                      <m:t>𝑝</m:t>
+                                    </m:r>
+                                  </m:e>
+                                </m:d>
+                                <m:r>
+                                  <a:rPr lang="en-US" b="0" i="1" smtClean="0">
+                                    <a:latin typeface="Cambria Math" panose="02040503050406030204" pitchFamily="18" charset="0"/>
+                                  </a:rPr>
+                                  <m:t>=</m:t>
+                                </m:r>
+                                <m:r>
+                                  <m:rPr>
+                                    <m:nor/>
+                                  </m:rPr>
+                                  <a:rPr lang="en-US" b="0" i="0" dirty="0" smtClean="0"/>
+                                  <m:t>78</m:t>
+                                </m:r>
+                                <m:r>
+                                  <m:rPr>
+                                    <m:nor/>
+                                  </m:rPr>
+                                  <a:rPr lang="en-IL" dirty="0" smtClean="0"/>
+                                  <m:t>%</m:t>
+                                </m:r>
+                              </m:oMath>
+                            </m:oMathPara>
+                          </a14:m>
+                          <a:endParaRPr lang="en-IL" dirty="0"/>
+                        </a:p>
+                      </a:txBody>
+                      <a:tcPr/>
+                    </a:tc>
+                    <a:tc>
+                      <a:txBody>
+                        <a:bodyPr/>
+                        <a:lstStyle/>
+                        <a:p>
+                          <a:pPr/>
+                          <a14:m>
+                            <m:oMathPara xmlns:m="http://schemas.openxmlformats.org/officeDocument/2006/math">
+                              <m:oMathParaPr>
+                                <m:jc m:val="centerGroup"/>
+                              </m:oMathParaPr>
+                              <m:oMath xmlns:m="http://schemas.openxmlformats.org/officeDocument/2006/math">
+                                <m:r>
+                                  <a:rPr lang="en-US" b="0" i="1" smtClean="0">
+                                    <a:latin typeface="Cambria Math" panose="02040503050406030204" pitchFamily="18" charset="0"/>
+                                  </a:rPr>
+                                  <m:t>𝑃</m:t>
+                                </m:r>
+                                <m:d>
+                                  <m:dPr>
+                                    <m:ctrlPr>
+                                      <a:rPr lang="en-US" b="0" i="1" smtClean="0">
+                                        <a:latin typeface="Cambria Math" panose="02040503050406030204" pitchFamily="18" charset="0"/>
+                                      </a:rPr>
+                                    </m:ctrlPr>
+                                  </m:dPr>
+                                  <m:e>
+                                    <m:r>
+                                      <a:rPr lang="en-US" b="0" i="1" smtClean="0">
+                                        <a:latin typeface="Cambria Math" panose="02040503050406030204" pitchFamily="18" charset="0"/>
+                                      </a:rPr>
+                                      <m:t>𝑛</m:t>
+                                    </m:r>
+                                  </m:e>
+                                  <m:e>
+                                    <m:r>
+                                      <a:rPr lang="en-US" b="0" i="1" smtClean="0">
+                                        <a:latin typeface="Cambria Math" panose="02040503050406030204" pitchFamily="18" charset="0"/>
+                                      </a:rPr>
+                                      <m:t>𝑛</m:t>
+                                    </m:r>
+                                  </m:e>
+                                </m:d>
+                                <m:r>
+                                  <a:rPr lang="en-US" b="0" i="1" smtClean="0">
+                                    <a:latin typeface="Cambria Math" panose="02040503050406030204" pitchFamily="18" charset="0"/>
+                                  </a:rPr>
+                                  <m:t>=</m:t>
+                                </m:r>
+                                <m:r>
+                                  <m:rPr>
+                                    <m:nor/>
+                                  </m:rPr>
+                                  <a:rPr lang="en-US" b="0" i="0" dirty="0" smtClean="0"/>
+                                  <m:t>91</m:t>
+                                </m:r>
+                                <m:r>
+                                  <m:rPr>
+                                    <m:nor/>
+                                  </m:rPr>
+                                  <a:rPr lang="en-IL" dirty="0" smtClean="0"/>
+                                  <m:t>%</m:t>
+                                </m:r>
+                              </m:oMath>
+                            </m:oMathPara>
+                          </a14:m>
+                          <a:endParaRPr lang="en-IL" dirty="0"/>
+                        </a:p>
+                      </a:txBody>
+                      <a:tcPr/>
+                    </a:tc>
+                    <a:tc>
+                      <a:txBody>
+                        <a:bodyPr/>
+                        <a:lstStyle/>
+                        <a:p>
+                          <a:r>
+                            <a:rPr lang="en-IL" dirty="0"/>
+                            <a:t>Acc</a:t>
+                          </a:r>
+                          <a:r>
+                            <a:rPr lang="en-IL" baseline="0" dirty="0"/>
+                            <a:t> = </a:t>
+                          </a:r>
+                          <a:r>
+                            <a:rPr lang="en-IL" dirty="0"/>
+                            <a:t>91.2%   </a:t>
+                          </a:r>
+                          <a14:m>
+                            <m:oMath xmlns:m="http://schemas.openxmlformats.org/officeDocument/2006/math">
+                              <m:r>
+                                <a:rPr lang="en-US" b="0" i="0" smtClean="0">
+                                  <a:latin typeface="Cambria Math" panose="02040503050406030204" pitchFamily="18" charset="0"/>
+                                </a:rPr>
+                                <m:t>0.5</m:t>
+                              </m:r>
+                              <m:r>
+                                <a:rPr lang="en-US" b="0" i="1" smtClean="0">
+                                  <a:latin typeface="Cambria Math" panose="02040503050406030204" pitchFamily="18" charset="0"/>
+                                </a:rPr>
+                                <m:t>∙</m:t>
+                              </m:r>
+                              <m:r>
+                                <a:rPr lang="en-US" b="0" i="0" smtClean="0">
+                                  <a:latin typeface="Cambria Math" panose="02040503050406030204" pitchFamily="18" charset="0"/>
+                                </a:rPr>
+                                <m:t>[</m:t>
+                              </m:r>
+                              <m:r>
+                                <a:rPr lang="en-US" b="0" i="1" smtClean="0">
+                                  <a:latin typeface="Cambria Math" panose="02040503050406030204" pitchFamily="18" charset="0"/>
+                                </a:rPr>
+                                <m:t>𝑃</m:t>
+                              </m:r>
+                              <m:d>
+                                <m:dPr>
+                                  <m:ctrlPr>
+                                    <a:rPr lang="en-US" b="0" i="1" smtClean="0">
+                                      <a:latin typeface="Cambria Math" panose="02040503050406030204" pitchFamily="18" charset="0"/>
+                                    </a:rPr>
+                                  </m:ctrlPr>
+                                </m:dPr>
+                                <m:e>
+                                  <m:r>
+                                    <a:rPr lang="en-US" b="0" i="1" smtClean="0">
+                                      <a:latin typeface="Cambria Math" panose="02040503050406030204" pitchFamily="18" charset="0"/>
+                                    </a:rPr>
+                                    <m:t>𝑝</m:t>
+                                  </m:r>
+                                </m:e>
+                                <m:e>
+                                  <m:r>
+                                    <a:rPr lang="en-US" b="0" i="1" smtClean="0">
+                                      <a:latin typeface="Cambria Math" panose="02040503050406030204" pitchFamily="18" charset="0"/>
+                                    </a:rPr>
+                                    <m:t>𝑝</m:t>
+                                  </m:r>
+                                </m:e>
+                              </m:d>
+                              <m:r>
+                                <a:rPr lang="en-US" b="0" i="1" smtClean="0">
+                                  <a:latin typeface="Cambria Math" panose="02040503050406030204" pitchFamily="18" charset="0"/>
+                                </a:rPr>
+                                <m:t>+</m:t>
+                              </m:r>
+                              <m:r>
+                                <a:rPr lang="en-US" b="0" i="1" smtClean="0">
+                                  <a:latin typeface="Cambria Math" panose="02040503050406030204" pitchFamily="18" charset="0"/>
+                                </a:rPr>
+                                <m:t>𝑃</m:t>
+                              </m:r>
+                              <m:d>
+                                <m:dPr>
+                                  <m:ctrlPr>
+                                    <a:rPr lang="en-US" b="0" i="1" smtClean="0">
+                                      <a:latin typeface="Cambria Math" panose="02040503050406030204" pitchFamily="18" charset="0"/>
+                                    </a:rPr>
+                                  </m:ctrlPr>
+                                </m:dPr>
+                                <m:e>
+                                  <m:r>
+                                    <a:rPr lang="en-US" b="0" i="1" smtClean="0">
+                                      <a:latin typeface="Cambria Math" panose="02040503050406030204" pitchFamily="18" charset="0"/>
+                                    </a:rPr>
+                                    <m:t>𝑛</m:t>
+                                  </m:r>
+                                </m:e>
+                                <m:e>
+                                  <m:r>
+                                    <a:rPr lang="en-US" b="0" i="1" smtClean="0">
+                                      <a:latin typeface="Cambria Math" panose="02040503050406030204" pitchFamily="18" charset="0"/>
+                                    </a:rPr>
+                                    <m:t>𝑛</m:t>
+                                  </m:r>
+                                </m:e>
+                              </m:d>
+                            </m:oMath>
+                          </a14:m>
+                          <a:r>
+                            <a:rPr lang="en-IL" dirty="0"/>
+                            <a:t>] = 85%</a:t>
+                          </a:r>
+                        </a:p>
+                      </a:txBody>
+                      <a:tcPr/>
+                    </a:tc>
+                    <a:extLst>
+                      <a:ext uri="{0D108BD9-81ED-4DB2-BD59-A6C34878D82A}">
+                        <a16:rowId xmlns:a16="http://schemas.microsoft.com/office/drawing/2014/main" val="1591091823"/>
+                      </a:ext>
+                    </a:extLst>
+                  </a:tr>
+                </a:tbl>
+              </a:graphicData>
+            </a:graphic>
+          </p:graphicFrame>
+        </mc:Choice>
+        <mc:Fallback xmlns="">
+          <p:graphicFrame>
+            <p:nvGraphicFramePr>
+              <p:cNvPr id="7" name="Content Placeholder 5">
+                <a:extLst>
+                  <a:ext uri="{FF2B5EF4-FFF2-40B4-BE49-F238E27FC236}">
+                    <a16:creationId xmlns:a16="http://schemas.microsoft.com/office/drawing/2014/main" id="{122BDEB8-941B-4EC0-A12F-9D1981460FC1}"/>
+                  </a:ext>
+                </a:extLst>
+              </p:cNvPr>
+              <p:cNvGraphicFramePr>
+                <a:graphicFrameLocks/>
+              </p:cNvGraphicFramePr>
+              <p:nvPr>
+                <p:extLst>
+                  <p:ext uri="{D42A27DB-BD31-4B8C-83A1-F6EECF244321}">
+                    <p14:modId xmlns:p14="http://schemas.microsoft.com/office/powerpoint/2010/main" val="4091238102"/>
+                  </p:ext>
+                </p:extLst>
+              </p:nvPr>
+            </p:nvGraphicFramePr>
+            <p:xfrm>
+              <a:off x="1196688" y="4498340"/>
+              <a:ext cx="7200896" cy="1483360"/>
+            </p:xfrm>
+            <a:graphic>
+              <a:graphicData uri="http://schemas.openxmlformats.org/drawingml/2006/table">
+                <a:tbl>
+                  <a:tblPr firstRow="1" bandRow="1">
+                    <a:tableStyleId>{5C22544A-7EE6-4342-B048-85BDC9FD1C3A}</a:tableStyleId>
+                  </a:tblPr>
+                  <a:tblGrid>
+                    <a:gridCol w="593503">
+                      <a:extLst>
+                        <a:ext uri="{9D8B030D-6E8A-4147-A177-3AD203B41FA5}">
+                          <a16:colId xmlns:a16="http://schemas.microsoft.com/office/drawing/2014/main" val="2098814544"/>
+                        </a:ext>
+                      </a:extLst>
+                    </a:gridCol>
+                    <a:gridCol w="1248697">
+                      <a:extLst>
+                        <a:ext uri="{9D8B030D-6E8A-4147-A177-3AD203B41FA5}">
+                          <a16:colId xmlns:a16="http://schemas.microsoft.com/office/drawing/2014/main" val="3101188231"/>
+                        </a:ext>
+                      </a:extLst>
+                    </a:gridCol>
+                    <a:gridCol w="1425677">
+                      <a:extLst>
+                        <a:ext uri="{9D8B030D-6E8A-4147-A177-3AD203B41FA5}">
+                          <a16:colId xmlns:a16="http://schemas.microsoft.com/office/drawing/2014/main" val="1717028806"/>
+                        </a:ext>
+                      </a:extLst>
+                    </a:gridCol>
+                    <a:gridCol w="3933019">
+                      <a:extLst>
+                        <a:ext uri="{9D8B030D-6E8A-4147-A177-3AD203B41FA5}">
+                          <a16:colId xmlns:a16="http://schemas.microsoft.com/office/drawing/2014/main" val="1754607623"/>
+                        </a:ext>
+                      </a:extLst>
+                    </a:gridCol>
+                  </a:tblGrid>
+                  <a:tr h="370840">
+                    <a:tc>
+                      <a:txBody>
+                        <a:bodyPr/>
+                        <a:lstStyle/>
+                        <a:p>
+                          <a:endParaRPr lang="en-IL"/>
+                        </a:p>
+                      </a:txBody>
+                      <a:tcPr/>
+                    </a:tc>
+                    <a:tc>
+                      <a:txBody>
+                        <a:bodyPr/>
+                        <a:lstStyle/>
+                        <a:p>
+                          <a:r>
+                            <a:rPr lang="en-IL" dirty="0"/>
+                            <a:t>P</a:t>
+                          </a:r>
+                        </a:p>
+                      </a:txBody>
+                      <a:tcPr/>
+                    </a:tc>
+                    <a:tc>
+                      <a:txBody>
+                        <a:bodyPr/>
+                        <a:lstStyle/>
+                        <a:p>
+                          <a:r>
+                            <a:rPr lang="en-IL" dirty="0"/>
+                            <a:t>N</a:t>
+                          </a:r>
+                        </a:p>
+                      </a:txBody>
+                      <a:tcPr/>
+                    </a:tc>
+                    <a:tc>
+                      <a:txBody>
+                        <a:bodyPr/>
+                        <a:lstStyle/>
+                        <a:p>
+                          <a:endParaRPr lang="en-IL"/>
+                        </a:p>
+                      </a:txBody>
+                      <a:tcPr/>
+                    </a:tc>
+                    <a:extLst>
+                      <a:ext uri="{0D108BD9-81ED-4DB2-BD59-A6C34878D82A}">
+                        <a16:rowId xmlns:a16="http://schemas.microsoft.com/office/drawing/2014/main" val="3123154570"/>
+                      </a:ext>
+                    </a:extLst>
+                  </a:tr>
+                  <a:tr h="370840">
+                    <a:tc>
+                      <a:txBody>
+                        <a:bodyPr/>
+                        <a:lstStyle/>
+                        <a:p>
+                          <a:r>
+                            <a:rPr lang="en-IL" dirty="0"/>
+                            <a:t>True</a:t>
+                          </a:r>
+                        </a:p>
+                      </a:txBody>
+                      <a:tcPr/>
+                    </a:tc>
+                    <a:tc>
+                      <a:txBody>
+                        <a:bodyPr/>
+                        <a:lstStyle/>
+                        <a:p>
+                          <a:r>
+                            <a:rPr lang="en-IL" dirty="0">
+                              <a:highlight>
+                                <a:srgbClr val="00FF00"/>
+                              </a:highlight>
+                            </a:rPr>
+                            <a:t>1.5%</a:t>
+                          </a:r>
+                        </a:p>
+                      </a:txBody>
+                      <a:tcPr/>
+                    </a:tc>
+                    <a:tc>
+                      <a:txBody>
+                        <a:bodyPr/>
+                        <a:lstStyle/>
+                        <a:p>
+                          <a:r>
+                            <a:rPr lang="en-IL" dirty="0">
+                              <a:highlight>
+                                <a:srgbClr val="FF0000"/>
+                              </a:highlight>
+                            </a:rPr>
+                            <a:t>8.2%</a:t>
+                          </a:r>
+                        </a:p>
+                      </a:txBody>
+                      <a:tcPr/>
+                    </a:tc>
+                    <a:tc>
+                      <a:txBody>
+                        <a:bodyPr/>
+                        <a:lstStyle/>
+                        <a:p>
+                          <a:endParaRPr lang="en-IL" dirty="0"/>
+                        </a:p>
+                      </a:txBody>
+                      <a:tcPr/>
+                    </a:tc>
+                    <a:extLst>
+                      <a:ext uri="{0D108BD9-81ED-4DB2-BD59-A6C34878D82A}">
+                        <a16:rowId xmlns:a16="http://schemas.microsoft.com/office/drawing/2014/main" val="1629707233"/>
+                      </a:ext>
+                    </a:extLst>
+                  </a:tr>
+                  <a:tr h="370840">
+                    <a:tc>
+                      <a:txBody>
+                        <a:bodyPr/>
+                        <a:lstStyle/>
+                        <a:p>
+                          <a:r>
+                            <a:rPr lang="en-IL" dirty="0"/>
+                            <a:t>False</a:t>
+                          </a:r>
+                        </a:p>
+                      </a:txBody>
+                      <a:tcPr/>
+                    </a:tc>
+                    <a:tc>
+                      <a:txBody>
+                        <a:bodyPr/>
+                        <a:lstStyle/>
+                        <a:p>
+                          <a:r>
+                            <a:rPr lang="en-IL" dirty="0">
+                              <a:highlight>
+                                <a:srgbClr val="FF0000"/>
+                              </a:highlight>
+                            </a:rPr>
+                            <a:t>0.4%</a:t>
+                          </a:r>
+                        </a:p>
+                      </a:txBody>
+                      <a:tcPr/>
+                    </a:tc>
+                    <a:tc>
+                      <a:txBody>
+                        <a:bodyPr/>
+                        <a:lstStyle/>
+                        <a:p>
+                          <a:r>
+                            <a:rPr lang="en-IL" dirty="0">
+                              <a:highlight>
+                                <a:srgbClr val="00FF00"/>
+                              </a:highlight>
+                            </a:rPr>
+                            <a:t>89.7%</a:t>
+                          </a:r>
+                        </a:p>
+                      </a:txBody>
+                      <a:tcPr/>
+                    </a:tc>
+                    <a:tc>
+                      <a:txBody>
+                        <a:bodyPr/>
+                        <a:lstStyle/>
+                        <a:p>
+                          <a:endParaRPr lang="en-IL" dirty="0"/>
+                        </a:p>
+                      </a:txBody>
+                      <a:tcPr/>
+                    </a:tc>
+                    <a:extLst>
+                      <a:ext uri="{0D108BD9-81ED-4DB2-BD59-A6C34878D82A}">
+                        <a16:rowId xmlns:a16="http://schemas.microsoft.com/office/drawing/2014/main" val="2423149278"/>
+                      </a:ext>
+                    </a:extLst>
+                  </a:tr>
+                  <a:tr h="370840">
+                    <a:tc>
+                      <a:txBody>
+                        <a:bodyPr/>
+                        <a:lstStyle/>
+                        <a:p>
+                          <a:endParaRPr lang="en-IL" dirty="0"/>
+                        </a:p>
+                      </a:txBody>
+                      <a:tcPr/>
+                    </a:tc>
+                    <a:tc>
+                      <a:txBody>
+                        <a:bodyPr/>
+                        <a:lstStyle/>
+                        <a:p>
+                          <a:endParaRPr lang="en-IL"/>
+                        </a:p>
+                      </a:txBody>
+                      <a:tcPr>
+                        <a:blipFill>
+                          <a:blip r:embed="rId2"/>
+                          <a:stretch>
+                            <a:fillRect l="-48980" t="-306897" r="-433673" b="-6897"/>
+                          </a:stretch>
+                        </a:blipFill>
+                      </a:tcPr>
+                    </a:tc>
+                    <a:tc>
+                      <a:txBody>
+                        <a:bodyPr/>
+                        <a:lstStyle/>
+                        <a:p>
+                          <a:endParaRPr lang="en-IL"/>
+                        </a:p>
+                      </a:txBody>
+                      <a:tcPr>
+                        <a:blipFill>
+                          <a:blip r:embed="rId2"/>
+                          <a:stretch>
+                            <a:fillRect l="-129204" t="-306897" r="-276106" b="-6897"/>
+                          </a:stretch>
+                        </a:blipFill>
+                      </a:tcPr>
+                    </a:tc>
+                    <a:tc>
+                      <a:txBody>
+                        <a:bodyPr/>
+                        <a:lstStyle/>
+                        <a:p>
+                          <a:endParaRPr lang="en-IL"/>
+                        </a:p>
+                      </a:txBody>
+                      <a:tcPr>
+                        <a:blipFill>
+                          <a:blip r:embed="rId2"/>
+                          <a:stretch>
+                            <a:fillRect l="-83548" t="-306897" r="-645" b="-6897"/>
+                          </a:stretch>
+                        </a:blipFill>
+                      </a:tcPr>
+                    </a:tc>
+                    <a:extLst>
+                      <a:ext uri="{0D108BD9-81ED-4DB2-BD59-A6C34878D82A}">
+                        <a16:rowId xmlns:a16="http://schemas.microsoft.com/office/drawing/2014/main" val="1591091823"/>
+                      </a:ext>
+                    </a:extLst>
+                  </a:tr>
+                </a:tbl>
+              </a:graphicData>
+            </a:graphic>
+          </p:graphicFrame>
+        </mc:Fallback>
+      </mc:AlternateContent>
     </p:spTree>
   </p:cSld>
   <p:clrMapOvr>
@@ -4748,7 +8083,13 @@
       </p:grpSpPr>
       <p:sp>
         <p:nvSpPr>
-          <p:cNvPr id="2" name="Title 1"/>
+          <p:cNvPr id="2" name="Title 1">
+            <a:extLst>
+              <a:ext uri="{FF2B5EF4-FFF2-40B4-BE49-F238E27FC236}">
+                <a16:creationId xmlns:a16="http://schemas.microsoft.com/office/drawing/2014/main" id="{4C500B79-64D2-5AB5-D3AE-9E835E26E891}"/>
+              </a:ext>
+            </a:extLst>
+          </p:cNvPr>
           <p:cNvSpPr>
             <a:spLocks noGrp="1"/>
           </p:cNvSpPr>
@@ -4756,231 +8097,738 @@
             <p:ph type="title"/>
           </p:nvPr>
         </p:nvSpPr>
-        <p:spPr/>
+        <p:spPr>
+          <a:xfrm>
+            <a:off x="1028700" y="685800"/>
+            <a:ext cx="7200900" cy="488004"/>
+          </a:xfrm>
+        </p:spPr>
         <p:txBody>
-          <a:bodyPr/>
+          <a:bodyPr>
+            <a:normAutofit fontScale="90000"/>
+          </a:bodyPr>
           <a:lstStyle/>
           <a:p>
             <a:r>
-              <a:t>Model Testing and Final Accuracy</a:t>
-            </a:r>
+              <a:rPr lang="en-US" dirty="0"/>
+              <a:t>Analysis of mis-classifications</a:t>
+            </a:r>
+            <a:endParaRPr lang="en-IL" dirty="0"/>
           </a:p>
         </p:txBody>
       </p:sp>
-      <p:sp>
-        <p:nvSpPr>
-          <p:cNvPr id="3" name="Content Placeholder 2"/>
-          <p:cNvSpPr>
-            <a:spLocks noGrp="1"/>
-          </p:cNvSpPr>
-          <p:nvPr>
-            <p:ph idx="1"/>
-          </p:nvPr>
-        </p:nvSpPr>
-        <p:spPr/>
-        <p:txBody>
-          <a:bodyPr/>
-          <a:lstStyle/>
-          <a:p>
-            <a:r>
-              <a:t>Upon completion of training, the model is tested with a separate dataset to evaluate its performance on unseen data. The final accuracy metric provides insight into the model's effectiveness in recognizing faces.</a:t>
-            </a:r>
-          </a:p>
-        </p:txBody>
-      </p:sp>
-      <p:graphicFrame>
-        <p:nvGraphicFramePr>
-          <p:cNvPr id="5" name="Table 4">
+      <p:pic>
+        <p:nvPicPr>
+          <p:cNvPr id="9" name="Picture 8">
             <a:extLst>
               <a:ext uri="{FF2B5EF4-FFF2-40B4-BE49-F238E27FC236}">
-                <a16:creationId xmlns:a16="http://schemas.microsoft.com/office/drawing/2014/main" id="{F56E3EF3-1833-5B85-D3D1-E656924C4F36}"/>
+                <a16:creationId xmlns:a16="http://schemas.microsoft.com/office/drawing/2014/main" id="{5702CA6B-1C7A-9D12-D052-7A0C76FF19E7}"/>
               </a:ext>
             </a:extLst>
           </p:cNvPr>
-          <p:cNvGraphicFramePr>
-            <a:graphicFrameLocks noGrp="1"/>
-          </p:cNvGraphicFramePr>
-          <p:nvPr>
-            <p:extLst>
-              <p:ext uri="{D42A27DB-BD31-4B8C-83A1-F6EECF244321}">
-                <p14:modId xmlns:p14="http://schemas.microsoft.com/office/powerpoint/2010/main" val="2706082101"/>
-              </p:ext>
-            </p:extLst>
-          </p:nvPr>
-        </p:nvGraphicFramePr>
-        <p:xfrm>
-          <a:off x="2484399" y="4076700"/>
-          <a:ext cx="4572000" cy="1112520"/>
-        </p:xfrm>
-        <a:graphic>
-          <a:graphicData uri="http://schemas.openxmlformats.org/drawingml/2006/table">
-            <a:tbl>
-              <a:tblPr firstRow="1" bandRow="1">
-                <a:tableStyleId>{5C22544A-7EE6-4342-B048-85BDC9FD1C3A}</a:tableStyleId>
-              </a:tblPr>
-              <a:tblGrid>
-                <a:gridCol w="1524000">
-                  <a:extLst>
-                    <a:ext uri="{9D8B030D-6E8A-4147-A177-3AD203B41FA5}">
-                      <a16:colId xmlns:a16="http://schemas.microsoft.com/office/drawing/2014/main" val="2811466034"/>
-                    </a:ext>
-                  </a:extLst>
-                </a:gridCol>
-                <a:gridCol w="1524000">
-                  <a:extLst>
-                    <a:ext uri="{9D8B030D-6E8A-4147-A177-3AD203B41FA5}">
-                      <a16:colId xmlns:a16="http://schemas.microsoft.com/office/drawing/2014/main" val="406958271"/>
-                    </a:ext>
-                  </a:extLst>
-                </a:gridCol>
-                <a:gridCol w="1524000">
-                  <a:extLst>
-                    <a:ext uri="{9D8B030D-6E8A-4147-A177-3AD203B41FA5}">
-                      <a16:colId xmlns:a16="http://schemas.microsoft.com/office/drawing/2014/main" val="3976967640"/>
-                    </a:ext>
-                  </a:extLst>
-                </a:gridCol>
-              </a:tblGrid>
-              <a:tr h="370840">
-                <a:tc>
-                  <a:txBody>
-                    <a:bodyPr/>
-                    <a:lstStyle/>
-                    <a:p>
-                      <a:endParaRPr lang="en-IL"/>
-                    </a:p>
-                  </a:txBody>
-                  <a:tcPr/>
-                </a:tc>
-                <a:tc>
-                  <a:txBody>
-                    <a:bodyPr/>
-                    <a:lstStyle/>
-                    <a:p>
-                      <a:r>
-                        <a:rPr lang="en-IL" dirty="0"/>
-                        <a:t>P</a:t>
-                      </a:r>
-                    </a:p>
-                  </a:txBody>
-                  <a:tcPr/>
-                </a:tc>
-                <a:tc>
-                  <a:txBody>
-                    <a:bodyPr/>
-                    <a:lstStyle/>
-                    <a:p>
-                      <a:r>
-                        <a:rPr lang="en-IL" dirty="0"/>
-                        <a:t>N</a:t>
-                      </a:r>
-                    </a:p>
-                  </a:txBody>
-                  <a:tcPr/>
-                </a:tc>
-                <a:extLst>
-                  <a:ext uri="{0D108BD9-81ED-4DB2-BD59-A6C34878D82A}">
-                    <a16:rowId xmlns:a16="http://schemas.microsoft.com/office/drawing/2014/main" val="23582906"/>
-                  </a:ext>
-                </a:extLst>
-              </a:tr>
-              <a:tr h="370840">
-                <a:tc>
-                  <a:txBody>
-                    <a:bodyPr/>
-                    <a:lstStyle/>
-                    <a:p>
-                      <a:r>
-                        <a:rPr lang="en-IL" dirty="0"/>
-                        <a:t>True</a:t>
-                      </a:r>
-                    </a:p>
-                  </a:txBody>
-                  <a:tcPr/>
-                </a:tc>
-                <a:tc>
-                  <a:txBody>
-                    <a:bodyPr/>
-                    <a:lstStyle/>
-                    <a:p>
-                      <a:r>
-                        <a:rPr lang="en-IL" dirty="0"/>
-                        <a:t>0.3%</a:t>
-                      </a:r>
-                    </a:p>
-                  </a:txBody>
-                  <a:tcPr/>
-                </a:tc>
-                <a:tc>
-                  <a:txBody>
-                    <a:bodyPr/>
-                    <a:lstStyle/>
-                    <a:p>
-                      <a:r>
-                        <a:rPr lang="en-IL" dirty="0"/>
-                        <a:t>98%</a:t>
-                      </a:r>
-                    </a:p>
-                  </a:txBody>
-                  <a:tcPr/>
-                </a:tc>
-                <a:extLst>
-                  <a:ext uri="{0D108BD9-81ED-4DB2-BD59-A6C34878D82A}">
-                    <a16:rowId xmlns:a16="http://schemas.microsoft.com/office/drawing/2014/main" val="1002687956"/>
-                  </a:ext>
-                </a:extLst>
-              </a:tr>
-              <a:tr h="370840">
-                <a:tc>
-                  <a:txBody>
-                    <a:bodyPr/>
-                    <a:lstStyle/>
-                    <a:p>
-                      <a:r>
-                        <a:rPr lang="en-IL" dirty="0"/>
-                        <a:t>False</a:t>
-                      </a:r>
-                    </a:p>
-                  </a:txBody>
-                  <a:tcPr/>
-                </a:tc>
-                <a:tc>
-                  <a:txBody>
-                    <a:bodyPr/>
-                    <a:lstStyle/>
-                    <a:p>
-                      <a:r>
-                        <a:rPr lang="en-IL" dirty="0"/>
-                        <a:t>0.12%</a:t>
-                      </a:r>
-                    </a:p>
-                  </a:txBody>
-                  <a:tcPr/>
-                </a:tc>
-                <a:tc>
-                  <a:txBody>
-                    <a:bodyPr/>
-                    <a:lstStyle/>
-                    <a:p>
-                      <a:r>
-                        <a:rPr lang="en-IL" dirty="0"/>
-                        <a:t>1.6%</a:t>
-                      </a:r>
-                    </a:p>
-                  </a:txBody>
-                  <a:tcPr/>
-                </a:tc>
-                <a:extLst>
-                  <a:ext uri="{0D108BD9-81ED-4DB2-BD59-A6C34878D82A}">
-                    <a16:rowId xmlns:a16="http://schemas.microsoft.com/office/drawing/2014/main" val="114356371"/>
-                  </a:ext>
-                </a:extLst>
-              </a:tr>
-            </a:tbl>
-          </a:graphicData>
-        </a:graphic>
-      </p:graphicFrame>
+          <p:cNvPicPr>
+            <a:picLocks noChangeAspect="1"/>
+          </p:cNvPicPr>
+          <p:nvPr/>
+        </p:nvPicPr>
+        <p:blipFill>
+          <a:blip r:embed="rId2"/>
+          <a:stretch>
+            <a:fillRect/>
+          </a:stretch>
+        </p:blipFill>
+        <p:spPr>
+          <a:xfrm>
+            <a:off x="5825880" y="2419859"/>
+            <a:ext cx="360000" cy="360000"/>
+          </a:xfrm>
+          <a:prstGeom prst="rect">
+            <a:avLst/>
+          </a:prstGeom>
+        </p:spPr>
+      </p:pic>
+      <p:pic>
+        <p:nvPicPr>
+          <p:cNvPr id="13" name="Picture 12">
+            <a:extLst>
+              <a:ext uri="{FF2B5EF4-FFF2-40B4-BE49-F238E27FC236}">
+                <a16:creationId xmlns:a16="http://schemas.microsoft.com/office/drawing/2014/main" id="{E283DED4-4EBE-6F65-246E-D2EEB5E4AD2E}"/>
+              </a:ext>
+            </a:extLst>
+          </p:cNvPr>
+          <p:cNvPicPr>
+            <a:picLocks noChangeAspect="1"/>
+          </p:cNvPicPr>
+          <p:nvPr/>
+        </p:nvPicPr>
+        <p:blipFill>
+          <a:blip r:embed="rId3"/>
+          <a:stretch>
+            <a:fillRect/>
+          </a:stretch>
+        </p:blipFill>
+        <p:spPr>
+          <a:xfrm>
+            <a:off x="5473550" y="2419859"/>
+            <a:ext cx="360000" cy="360000"/>
+          </a:xfrm>
+          <a:prstGeom prst="rect">
+            <a:avLst/>
+          </a:prstGeom>
+        </p:spPr>
+      </p:pic>
+      <p:pic>
+        <p:nvPicPr>
+          <p:cNvPr id="19" name="Picture 18">
+            <a:extLst>
+              <a:ext uri="{FF2B5EF4-FFF2-40B4-BE49-F238E27FC236}">
+                <a16:creationId xmlns:a16="http://schemas.microsoft.com/office/drawing/2014/main" id="{0EA0D984-4F5B-4506-FE92-44CACA9FF4F1}"/>
+              </a:ext>
+            </a:extLst>
+          </p:cNvPr>
+          <p:cNvPicPr>
+            <a:picLocks noChangeAspect="1"/>
+          </p:cNvPicPr>
+          <p:nvPr/>
+        </p:nvPicPr>
+        <p:blipFill>
+          <a:blip r:embed="rId4"/>
+          <a:stretch>
+            <a:fillRect/>
+          </a:stretch>
+        </p:blipFill>
+        <p:spPr>
+          <a:xfrm>
+            <a:off x="5115160" y="2419859"/>
+            <a:ext cx="360000" cy="360000"/>
+          </a:xfrm>
+          <a:prstGeom prst="rect">
+            <a:avLst/>
+          </a:prstGeom>
+        </p:spPr>
+      </p:pic>
+      <p:pic>
+        <p:nvPicPr>
+          <p:cNvPr id="21" name="Picture 20">
+            <a:extLst>
+              <a:ext uri="{FF2B5EF4-FFF2-40B4-BE49-F238E27FC236}">
+                <a16:creationId xmlns:a16="http://schemas.microsoft.com/office/drawing/2014/main" id="{41B031D0-7B0B-9B75-3815-71CF97851510}"/>
+              </a:ext>
+            </a:extLst>
+          </p:cNvPr>
+          <p:cNvPicPr>
+            <a:picLocks noChangeAspect="1"/>
+          </p:cNvPicPr>
+          <p:nvPr/>
+        </p:nvPicPr>
+        <p:blipFill>
+          <a:blip r:embed="rId5"/>
+          <a:stretch>
+            <a:fillRect/>
+          </a:stretch>
+        </p:blipFill>
+        <p:spPr>
+          <a:xfrm>
+            <a:off x="5895518" y="2823115"/>
+            <a:ext cx="360000" cy="360000"/>
+          </a:xfrm>
+          <a:prstGeom prst="rect">
+            <a:avLst/>
+          </a:prstGeom>
+        </p:spPr>
+      </p:pic>
+      <p:pic>
+        <p:nvPicPr>
+          <p:cNvPr id="23" name="Picture 22">
+            <a:extLst>
+              <a:ext uri="{FF2B5EF4-FFF2-40B4-BE49-F238E27FC236}">
+                <a16:creationId xmlns:a16="http://schemas.microsoft.com/office/drawing/2014/main" id="{14AAB9F5-997E-4339-1A48-82EAFE72CCE0}"/>
+              </a:ext>
+            </a:extLst>
+          </p:cNvPr>
+          <p:cNvPicPr>
+            <a:picLocks noChangeAspect="1"/>
+          </p:cNvPicPr>
+          <p:nvPr/>
+        </p:nvPicPr>
+        <p:blipFill>
+          <a:blip r:embed="rId6"/>
+          <a:stretch>
+            <a:fillRect/>
+          </a:stretch>
+        </p:blipFill>
+        <p:spPr>
+          <a:xfrm>
+            <a:off x="4755160" y="2419859"/>
+            <a:ext cx="360000" cy="360000"/>
+          </a:xfrm>
+          <a:prstGeom prst="rect">
+            <a:avLst/>
+          </a:prstGeom>
+        </p:spPr>
+      </p:pic>
+      <p:pic>
+        <p:nvPicPr>
+          <p:cNvPr id="27" name="Picture 26">
+            <a:extLst>
+              <a:ext uri="{FF2B5EF4-FFF2-40B4-BE49-F238E27FC236}">
+                <a16:creationId xmlns:a16="http://schemas.microsoft.com/office/drawing/2014/main" id="{883B349B-861F-9BC4-7DAD-2F2CB1C61C0E}"/>
+              </a:ext>
+            </a:extLst>
+          </p:cNvPr>
+          <p:cNvPicPr>
+            <a:picLocks noChangeAspect="1"/>
+          </p:cNvPicPr>
+          <p:nvPr/>
+        </p:nvPicPr>
+        <p:blipFill>
+          <a:blip r:embed="rId7"/>
+          <a:stretch>
+            <a:fillRect/>
+          </a:stretch>
+        </p:blipFill>
+        <p:spPr>
+          <a:xfrm>
+            <a:off x="5050165" y="2823115"/>
+            <a:ext cx="360000" cy="360000"/>
+          </a:xfrm>
+          <a:prstGeom prst="rect">
+            <a:avLst/>
+          </a:prstGeom>
+        </p:spPr>
+      </p:pic>
+      <p:pic>
+        <p:nvPicPr>
+          <p:cNvPr id="29" name="Picture 28">
+            <a:extLst>
+              <a:ext uri="{FF2B5EF4-FFF2-40B4-BE49-F238E27FC236}">
+                <a16:creationId xmlns:a16="http://schemas.microsoft.com/office/drawing/2014/main" id="{62094946-9D03-261D-BA0E-6A2C24E9CA95}"/>
+              </a:ext>
+            </a:extLst>
+          </p:cNvPr>
+          <p:cNvPicPr>
+            <a:picLocks noChangeAspect="1"/>
+          </p:cNvPicPr>
+          <p:nvPr/>
+        </p:nvPicPr>
+        <p:blipFill>
+          <a:blip r:embed="rId8"/>
+          <a:stretch>
+            <a:fillRect/>
+          </a:stretch>
+        </p:blipFill>
+        <p:spPr>
+          <a:xfrm>
+            <a:off x="6181044" y="2419859"/>
+            <a:ext cx="360000" cy="360000"/>
+          </a:xfrm>
+          <a:prstGeom prst="rect">
+            <a:avLst/>
+          </a:prstGeom>
+        </p:spPr>
+      </p:pic>
+      <p:sp>
+        <p:nvSpPr>
+          <p:cNvPr id="45" name="Content Placeholder 2">
+            <a:extLst>
+              <a:ext uri="{FF2B5EF4-FFF2-40B4-BE49-F238E27FC236}">
+                <a16:creationId xmlns:a16="http://schemas.microsoft.com/office/drawing/2014/main" id="{B9ED2D86-00C4-4FEB-3CC7-8E585AB4A3D1}"/>
+              </a:ext>
+            </a:extLst>
+          </p:cNvPr>
+          <p:cNvSpPr txBox="1">
+            <a:spLocks/>
+          </p:cNvSpPr>
+          <p:nvPr/>
+        </p:nvSpPr>
+        <p:spPr>
+          <a:xfrm>
+            <a:off x="838484" y="2071199"/>
+            <a:ext cx="3438079" cy="3581400"/>
+          </a:xfrm>
+          <a:prstGeom prst="rect">
+            <a:avLst/>
+          </a:prstGeom>
+        </p:spPr>
+        <p:txBody>
+          <a:bodyPr vert="horz" lIns="91440" tIns="45720" rIns="91440" bIns="45720" rtlCol="0">
+            <a:normAutofit/>
+          </a:bodyPr>
+          <a:lstStyle>
+            <a:lvl1pPr marL="384048" indent="-384048" algn="l" defTabSz="685800" rtl="0" eaLnBrk="1" latinLnBrk="0" hangingPunct="1">
+              <a:lnSpc>
+                <a:spcPct val="94000"/>
+              </a:lnSpc>
+              <a:spcBef>
+                <a:spcPts val="1000"/>
+              </a:spcBef>
+              <a:spcAft>
+                <a:spcPts val="200"/>
+              </a:spcAft>
+              <a:buFont typeface="Franklin Gothic Book" panose="020B0503020102020204" pitchFamily="34" charset="0"/>
+              <a:buChar char="■"/>
+              <a:defRPr sz="2000" kern="1200" baseline="0">
+                <a:solidFill>
+                  <a:schemeClr val="tx2"/>
+                </a:solidFill>
+                <a:latin typeface="+mn-lt"/>
+                <a:ea typeface="+mn-ea"/>
+                <a:cs typeface="+mn-cs"/>
+              </a:defRPr>
+            </a:lvl1pPr>
+            <a:lvl2pPr marL="914400" indent="-384048" algn="l" defTabSz="685800" rtl="0" eaLnBrk="1" latinLnBrk="0" hangingPunct="1">
+              <a:lnSpc>
+                <a:spcPct val="94000"/>
+              </a:lnSpc>
+              <a:spcBef>
+                <a:spcPts val="500"/>
+              </a:spcBef>
+              <a:spcAft>
+                <a:spcPts val="200"/>
+              </a:spcAft>
+              <a:buFont typeface="Franklin Gothic Book" panose="020B0503020102020204" pitchFamily="34" charset="0"/>
+              <a:buChar char="–"/>
+              <a:defRPr sz="2000" i="1" kern="1200" baseline="0">
+                <a:solidFill>
+                  <a:schemeClr val="tx2"/>
+                </a:solidFill>
+                <a:latin typeface="+mn-lt"/>
+                <a:ea typeface="+mn-ea"/>
+                <a:cs typeface="+mn-cs"/>
+              </a:defRPr>
+            </a:lvl2pPr>
+            <a:lvl3pPr marL="1371600" indent="-384048" algn="l" defTabSz="685800" rtl="0" eaLnBrk="1" latinLnBrk="0" hangingPunct="1">
+              <a:lnSpc>
+                <a:spcPct val="94000"/>
+              </a:lnSpc>
+              <a:spcBef>
+                <a:spcPts val="500"/>
+              </a:spcBef>
+              <a:spcAft>
+                <a:spcPts val="200"/>
+              </a:spcAft>
+              <a:buFont typeface="Franklin Gothic Book" panose="020B0503020102020204" pitchFamily="34" charset="0"/>
+              <a:buChar char="■"/>
+              <a:defRPr sz="1800" kern="1200" baseline="0">
+                <a:solidFill>
+                  <a:schemeClr val="tx2"/>
+                </a:solidFill>
+                <a:latin typeface="+mn-lt"/>
+                <a:ea typeface="+mn-ea"/>
+                <a:cs typeface="+mn-cs"/>
+              </a:defRPr>
+            </a:lvl3pPr>
+            <a:lvl4pPr marL="1828800" indent="-384048" algn="l" defTabSz="685800" rtl="0" eaLnBrk="1" latinLnBrk="0" hangingPunct="1">
+              <a:lnSpc>
+                <a:spcPct val="94000"/>
+              </a:lnSpc>
+              <a:spcBef>
+                <a:spcPts val="500"/>
+              </a:spcBef>
+              <a:spcAft>
+                <a:spcPts val="200"/>
+              </a:spcAft>
+              <a:buFont typeface="Franklin Gothic Book" panose="020B0503020102020204" pitchFamily="34" charset="0"/>
+              <a:buChar char="–"/>
+              <a:defRPr sz="1800" i="1" kern="1200" baseline="0">
+                <a:solidFill>
+                  <a:schemeClr val="tx2"/>
+                </a:solidFill>
+                <a:latin typeface="+mn-lt"/>
+                <a:ea typeface="+mn-ea"/>
+                <a:cs typeface="+mn-cs"/>
+              </a:defRPr>
+            </a:lvl4pPr>
+            <a:lvl5pPr marL="2286000" indent="-384048" algn="l" defTabSz="685800" rtl="0" eaLnBrk="1" latinLnBrk="0" hangingPunct="1">
+              <a:lnSpc>
+                <a:spcPct val="94000"/>
+              </a:lnSpc>
+              <a:spcBef>
+                <a:spcPts val="500"/>
+              </a:spcBef>
+              <a:spcAft>
+                <a:spcPts val="200"/>
+              </a:spcAft>
+              <a:buFont typeface="Franklin Gothic Book" panose="020B0503020102020204" pitchFamily="34" charset="0"/>
+              <a:buChar char="■"/>
+              <a:defRPr sz="1600" kern="1200" baseline="0">
+                <a:solidFill>
+                  <a:schemeClr val="tx2"/>
+                </a:solidFill>
+                <a:latin typeface="+mn-lt"/>
+                <a:ea typeface="+mn-ea"/>
+                <a:cs typeface="+mn-cs"/>
+              </a:defRPr>
+            </a:lvl5pPr>
+            <a:lvl6pPr marL="2743200" indent="-384048" algn="l" defTabSz="685800" rtl="0" eaLnBrk="1" latinLnBrk="0" hangingPunct="1">
+              <a:lnSpc>
+                <a:spcPct val="94000"/>
+              </a:lnSpc>
+              <a:spcBef>
+                <a:spcPts val="500"/>
+              </a:spcBef>
+              <a:spcAft>
+                <a:spcPts val="200"/>
+              </a:spcAft>
+              <a:buFont typeface="Franklin Gothic Book" panose="020B0503020102020204" pitchFamily="34" charset="0"/>
+              <a:buChar char="–"/>
+              <a:defRPr sz="1600" i="1" kern="1200" baseline="0">
+                <a:solidFill>
+                  <a:schemeClr val="tx2"/>
+                </a:solidFill>
+                <a:latin typeface="+mn-lt"/>
+                <a:ea typeface="+mn-ea"/>
+                <a:cs typeface="+mn-cs"/>
+              </a:defRPr>
+            </a:lvl6pPr>
+            <a:lvl7pPr marL="3200400" indent="-384048" algn="l" defTabSz="685800" rtl="0" eaLnBrk="1" latinLnBrk="0" hangingPunct="1">
+              <a:lnSpc>
+                <a:spcPct val="94000"/>
+              </a:lnSpc>
+              <a:spcBef>
+                <a:spcPts val="500"/>
+              </a:spcBef>
+              <a:spcAft>
+                <a:spcPts val="200"/>
+              </a:spcAft>
+              <a:buFont typeface="Franklin Gothic Book" panose="020B0503020102020204" pitchFamily="34" charset="0"/>
+              <a:buChar char="■"/>
+              <a:defRPr sz="1400" kern="1200" baseline="0">
+                <a:solidFill>
+                  <a:schemeClr val="tx2"/>
+                </a:solidFill>
+                <a:latin typeface="+mn-lt"/>
+                <a:ea typeface="+mn-ea"/>
+                <a:cs typeface="+mn-cs"/>
+              </a:defRPr>
+            </a:lvl7pPr>
+            <a:lvl8pPr marL="3657600" indent="-384048" algn="l" defTabSz="685800" rtl="0" eaLnBrk="1" latinLnBrk="0" hangingPunct="1">
+              <a:lnSpc>
+                <a:spcPct val="94000"/>
+              </a:lnSpc>
+              <a:spcBef>
+                <a:spcPts val="500"/>
+              </a:spcBef>
+              <a:spcAft>
+                <a:spcPts val="200"/>
+              </a:spcAft>
+              <a:buFont typeface="Franklin Gothic Book" panose="020B0503020102020204" pitchFamily="34" charset="0"/>
+              <a:buChar char="–"/>
+              <a:defRPr sz="1400" i="1" kern="1200" baseline="0">
+                <a:solidFill>
+                  <a:schemeClr val="tx2"/>
+                </a:solidFill>
+                <a:latin typeface="+mn-lt"/>
+                <a:ea typeface="+mn-ea"/>
+                <a:cs typeface="+mn-cs"/>
+              </a:defRPr>
+            </a:lvl8pPr>
+            <a:lvl9pPr marL="4114800" indent="-384048" algn="l" defTabSz="685800" rtl="0" eaLnBrk="1" latinLnBrk="0" hangingPunct="1">
+              <a:lnSpc>
+                <a:spcPct val="94000"/>
+              </a:lnSpc>
+              <a:spcBef>
+                <a:spcPts val="500"/>
+              </a:spcBef>
+              <a:spcAft>
+                <a:spcPts val="200"/>
+              </a:spcAft>
+              <a:buFont typeface="Franklin Gothic Book" panose="020B0503020102020204" pitchFamily="34" charset="0"/>
+              <a:buChar char="■"/>
+              <a:defRPr sz="1400" kern="1200" baseline="0">
+                <a:solidFill>
+                  <a:schemeClr val="tx2"/>
+                </a:solidFill>
+                <a:latin typeface="+mn-lt"/>
+                <a:ea typeface="+mn-ea"/>
+                <a:cs typeface="+mn-cs"/>
+              </a:defRPr>
+            </a:lvl9pPr>
+          </a:lstStyle>
+          <a:p>
+            <a:r>
+              <a:rPr lang="en-US" dirty="0"/>
+              <a:t>False N</a:t>
+            </a:r>
+          </a:p>
+          <a:p>
+            <a:pPr lvl="1"/>
+            <a:r>
+              <a:rPr lang="en-US" dirty="0"/>
+              <a:t>Blur</a:t>
+            </a:r>
+          </a:p>
+          <a:p>
+            <a:pPr lvl="1"/>
+            <a:r>
+              <a:rPr lang="en-US" dirty="0"/>
+              <a:t>No apparent reason</a:t>
+            </a:r>
+          </a:p>
+          <a:p>
+            <a:endParaRPr lang="en-US" dirty="0"/>
+          </a:p>
+          <a:p>
+            <a:r>
+              <a:rPr lang="en-US" dirty="0"/>
+              <a:t>False P </a:t>
+            </a:r>
+          </a:p>
+          <a:p>
+            <a:pPr lvl="1"/>
+            <a:r>
+              <a:rPr lang="en-US" dirty="0"/>
+              <a:t>Face like shapes</a:t>
+            </a:r>
+          </a:p>
+        </p:txBody>
+      </p:sp>
+      <p:pic>
+        <p:nvPicPr>
+          <p:cNvPr id="47" name="Picture 46">
+            <a:extLst>
+              <a:ext uri="{FF2B5EF4-FFF2-40B4-BE49-F238E27FC236}">
+                <a16:creationId xmlns:a16="http://schemas.microsoft.com/office/drawing/2014/main" id="{AD0D7E64-51D9-8738-7445-97E00134B107}"/>
+              </a:ext>
+            </a:extLst>
+          </p:cNvPr>
+          <p:cNvPicPr>
+            <a:picLocks noChangeAspect="1"/>
+          </p:cNvPicPr>
+          <p:nvPr/>
+        </p:nvPicPr>
+        <p:blipFill>
+          <a:blip r:embed="rId9"/>
+          <a:stretch>
+            <a:fillRect/>
+          </a:stretch>
+        </p:blipFill>
+        <p:spPr>
+          <a:xfrm>
+            <a:off x="6541044" y="2419859"/>
+            <a:ext cx="360000" cy="360000"/>
+          </a:xfrm>
+          <a:prstGeom prst="rect">
+            <a:avLst/>
+          </a:prstGeom>
+        </p:spPr>
+      </p:pic>
+      <p:pic>
+        <p:nvPicPr>
+          <p:cNvPr id="49" name="Picture 48">
+            <a:extLst>
+              <a:ext uri="{FF2B5EF4-FFF2-40B4-BE49-F238E27FC236}">
+                <a16:creationId xmlns:a16="http://schemas.microsoft.com/office/drawing/2014/main" id="{A0F8B7CD-1631-9474-789C-FE76E8E6A841}"/>
+              </a:ext>
+            </a:extLst>
+          </p:cNvPr>
+          <p:cNvPicPr>
+            <a:picLocks noChangeAspect="1"/>
+          </p:cNvPicPr>
+          <p:nvPr/>
+        </p:nvPicPr>
+        <p:blipFill>
+          <a:blip r:embed="rId10"/>
+          <a:stretch>
+            <a:fillRect/>
+          </a:stretch>
+        </p:blipFill>
+        <p:spPr>
+          <a:xfrm>
+            <a:off x="4394750" y="2419859"/>
+            <a:ext cx="360000" cy="360000"/>
+          </a:xfrm>
+          <a:prstGeom prst="rect">
+            <a:avLst/>
+          </a:prstGeom>
+        </p:spPr>
+      </p:pic>
+      <p:pic>
+        <p:nvPicPr>
+          <p:cNvPr id="55" name="Picture 54">
+            <a:extLst>
+              <a:ext uri="{FF2B5EF4-FFF2-40B4-BE49-F238E27FC236}">
+                <a16:creationId xmlns:a16="http://schemas.microsoft.com/office/drawing/2014/main" id="{CA1B30B9-2487-B0A0-9EF8-815441B86191}"/>
+              </a:ext>
+            </a:extLst>
+          </p:cNvPr>
+          <p:cNvPicPr>
+            <a:picLocks noChangeAspect="1"/>
+          </p:cNvPicPr>
+          <p:nvPr/>
+        </p:nvPicPr>
+        <p:blipFill>
+          <a:blip r:embed="rId11"/>
+          <a:stretch>
+            <a:fillRect/>
+          </a:stretch>
+        </p:blipFill>
+        <p:spPr>
+          <a:xfrm>
+            <a:off x="6896208" y="2419859"/>
+            <a:ext cx="360000" cy="360000"/>
+          </a:xfrm>
+          <a:prstGeom prst="rect">
+            <a:avLst/>
+          </a:prstGeom>
+        </p:spPr>
+      </p:pic>
+      <p:pic>
+        <p:nvPicPr>
+          <p:cNvPr id="57" name="Picture 56">
+            <a:extLst>
+              <a:ext uri="{FF2B5EF4-FFF2-40B4-BE49-F238E27FC236}">
+                <a16:creationId xmlns:a16="http://schemas.microsoft.com/office/drawing/2014/main" id="{B95CFD9C-8D80-AF7C-9256-B04A3A0568D9}"/>
+              </a:ext>
+            </a:extLst>
+          </p:cNvPr>
+          <p:cNvPicPr>
+            <a:picLocks noChangeAspect="1"/>
+          </p:cNvPicPr>
+          <p:nvPr/>
+        </p:nvPicPr>
+        <p:blipFill>
+          <a:blip r:embed="rId12"/>
+          <a:stretch>
+            <a:fillRect/>
+          </a:stretch>
+        </p:blipFill>
+        <p:spPr>
+          <a:xfrm>
+            <a:off x="6361044" y="4137660"/>
+            <a:ext cx="360000" cy="360000"/>
+          </a:xfrm>
+          <a:prstGeom prst="rect">
+            <a:avLst/>
+          </a:prstGeom>
+        </p:spPr>
+      </p:pic>
+      <p:pic>
+        <p:nvPicPr>
+          <p:cNvPr id="59" name="Picture 58">
+            <a:extLst>
+              <a:ext uri="{FF2B5EF4-FFF2-40B4-BE49-F238E27FC236}">
+                <a16:creationId xmlns:a16="http://schemas.microsoft.com/office/drawing/2014/main" id="{1DEAC402-CBEE-F38C-4B79-F35254B1F8D7}"/>
+              </a:ext>
+            </a:extLst>
+          </p:cNvPr>
+          <p:cNvPicPr>
+            <a:picLocks noChangeAspect="1"/>
+          </p:cNvPicPr>
+          <p:nvPr/>
+        </p:nvPicPr>
+        <p:blipFill>
+          <a:blip r:embed="rId13"/>
+          <a:stretch>
+            <a:fillRect/>
+          </a:stretch>
+        </p:blipFill>
+        <p:spPr>
+          <a:xfrm>
+            <a:off x="5997416" y="4137660"/>
+            <a:ext cx="360000" cy="360000"/>
+          </a:xfrm>
+          <a:prstGeom prst="rect">
+            <a:avLst/>
+          </a:prstGeom>
+        </p:spPr>
+      </p:pic>
+      <p:pic>
+        <p:nvPicPr>
+          <p:cNvPr id="61" name="Picture 60">
+            <a:extLst>
+              <a:ext uri="{FF2B5EF4-FFF2-40B4-BE49-F238E27FC236}">
+                <a16:creationId xmlns:a16="http://schemas.microsoft.com/office/drawing/2014/main" id="{6213D71A-A1D6-DEF0-FED1-09DCEBD4861D}"/>
+              </a:ext>
+            </a:extLst>
+          </p:cNvPr>
+          <p:cNvPicPr>
+            <a:picLocks noChangeAspect="1"/>
+          </p:cNvPicPr>
+          <p:nvPr/>
+        </p:nvPicPr>
+        <p:blipFill>
+          <a:blip r:embed="rId14"/>
+          <a:stretch>
+            <a:fillRect/>
+          </a:stretch>
+        </p:blipFill>
+        <p:spPr>
+          <a:xfrm>
+            <a:off x="5643870" y="4137660"/>
+            <a:ext cx="360000" cy="360000"/>
+          </a:xfrm>
+          <a:prstGeom prst="rect">
+            <a:avLst/>
+          </a:prstGeom>
+        </p:spPr>
+      </p:pic>
+      <p:pic>
+        <p:nvPicPr>
+          <p:cNvPr id="63" name="Picture 62">
+            <a:extLst>
+              <a:ext uri="{FF2B5EF4-FFF2-40B4-BE49-F238E27FC236}">
+                <a16:creationId xmlns:a16="http://schemas.microsoft.com/office/drawing/2014/main" id="{9E3B15B7-5649-9FD7-0BE7-FE4757D4DF52}"/>
+              </a:ext>
+            </a:extLst>
+          </p:cNvPr>
+          <p:cNvPicPr>
+            <a:picLocks noChangeAspect="1"/>
+          </p:cNvPicPr>
+          <p:nvPr/>
+        </p:nvPicPr>
+        <p:blipFill>
+          <a:blip r:embed="rId15"/>
+          <a:stretch>
+            <a:fillRect/>
+          </a:stretch>
+        </p:blipFill>
+        <p:spPr>
+          <a:xfrm>
+            <a:off x="5286696" y="4137660"/>
+            <a:ext cx="360000" cy="360000"/>
+          </a:xfrm>
+          <a:prstGeom prst="rect">
+            <a:avLst/>
+          </a:prstGeom>
+        </p:spPr>
+      </p:pic>
+      <p:pic>
+        <p:nvPicPr>
+          <p:cNvPr id="65" name="Picture 64">
+            <a:extLst>
+              <a:ext uri="{FF2B5EF4-FFF2-40B4-BE49-F238E27FC236}">
+                <a16:creationId xmlns:a16="http://schemas.microsoft.com/office/drawing/2014/main" id="{7CF784DB-178E-A0CE-8E53-1EC714BBCEC0}"/>
+              </a:ext>
+            </a:extLst>
+          </p:cNvPr>
+          <p:cNvPicPr>
+            <a:picLocks noChangeAspect="1"/>
+          </p:cNvPicPr>
+          <p:nvPr/>
+        </p:nvPicPr>
+        <p:blipFill>
+          <a:blip r:embed="rId16"/>
+          <a:stretch>
+            <a:fillRect/>
+          </a:stretch>
+        </p:blipFill>
+        <p:spPr>
+          <a:xfrm>
+            <a:off x="4926286" y="4137660"/>
+            <a:ext cx="360000" cy="360000"/>
+          </a:xfrm>
+          <a:prstGeom prst="rect">
+            <a:avLst/>
+          </a:prstGeom>
+        </p:spPr>
+      </p:pic>
     </p:spTree>
+    <p:extLst>
+      <p:ext uri="{BB962C8B-B14F-4D97-AF65-F5344CB8AC3E}">
+        <p14:creationId xmlns:p14="http://schemas.microsoft.com/office/powerpoint/2010/main" val="1413611950"/>
+      </p:ext>
+    </p:extLst>
   </p:cSld>
   <p:clrMapOvr>
     <a:masterClrMapping/>
@@ -4991,6 +8839,14 @@
 <file path=ppt/slides/slide9.xml><?xml version="1.0" encoding="utf-8"?>
 <p:sld xmlns:a="http://schemas.openxmlformats.org/drawingml/2006/main" xmlns:r="http://schemas.openxmlformats.org/officeDocument/2006/relationships" xmlns:p="http://schemas.openxmlformats.org/presentationml/2006/main">
   <p:cSld>
+    <p:bg>
+      <p:bgPr>
+        <a:solidFill>
+          <a:schemeClr val="bg2"/>
+        </a:solidFill>
+        <a:effectLst/>
+      </p:bgPr>
+    </p:bg>
     <p:spTree>
       <p:nvGrpSpPr>
         <p:cNvPr id="1" name=""/>
@@ -5005,6 +8861,256 @@
           <a:chExt cx="0" cy="0"/>
         </a:xfrm>
       </p:grpSpPr>
+      <p:grpSp>
+        <p:nvGrpSpPr>
+          <p:cNvPr id="18" name="Group 17">
+            <a:extLst>
+              <a:ext uri="{FF2B5EF4-FFF2-40B4-BE49-F238E27FC236}">
+                <a16:creationId xmlns:a16="http://schemas.microsoft.com/office/drawing/2014/main" id="{57500303-A207-4812-BEB9-51E132FEB73F}"/>
+              </a:ext>
+              <a:ext uri="{C183D7F6-B498-43B3-948B-1728B52AA6E4}">
+                <adec:decorative xmlns:adec="http://schemas.microsoft.com/office/drawing/2017/decorative" val="1"/>
+              </a:ext>
+            </a:extLst>
+          </p:cNvPr>
+          <p:cNvGrpSpPr>
+            <a:grpSpLocks noGrp="1" noUngrp="1" noRot="1" noChangeAspect="1" noMove="1" noResize="1"/>
+          </p:cNvGrpSpPr>
+          <p:nvPr>
+            <p:extLst>
+              <p:ext uri="{386F3935-93C4-4BCD-93E2-E3B085C9AB24}">
+                <p16:designElem xmlns:p16="http://schemas.microsoft.com/office/powerpoint/2015/main" val="1"/>
+              </p:ext>
+            </p:extLst>
+          </p:nvPr>
+        </p:nvGrpSpPr>
+        <p:grpSpPr>
+          <a:xfrm>
+            <a:off x="564643" y="744469"/>
+            <a:ext cx="8005589" cy="5349671"/>
+            <a:chOff x="752858" y="744469"/>
+            <a:chExt cx="10674117" cy="5349671"/>
+          </a:xfrm>
+        </p:grpSpPr>
+        <p:sp>
+          <p:nvSpPr>
+            <p:cNvPr id="19" name="Freeform 6">
+              <a:extLst>
+                <a:ext uri="{FF2B5EF4-FFF2-40B4-BE49-F238E27FC236}">
+                  <a16:creationId xmlns:a16="http://schemas.microsoft.com/office/drawing/2014/main" id="{10118C91-C025-4776-BE95-E9926378E790}"/>
+                </a:ext>
+                <a:ext uri="{C183D7F6-B498-43B3-948B-1728B52AA6E4}">
+                  <adec:decorative xmlns:adec="http://schemas.microsoft.com/office/drawing/2017/decorative" val="1"/>
+                </a:ext>
+              </a:extLst>
+            </p:cNvPr>
+            <p:cNvSpPr/>
+            <p:nvPr>
+              <p:extLst>
+                <p:ext uri="{386F3935-93C4-4BCD-93E2-E3B085C9AB24}">
+                  <p16:designElem xmlns:p16="http://schemas.microsoft.com/office/powerpoint/2015/main" val="1"/>
+                </p:ext>
+              </p:extLst>
+            </p:nvPr>
+          </p:nvSpPr>
+          <p:spPr bwMode="auto">
+            <a:xfrm>
+              <a:off x="8151962" y="1685652"/>
+              <a:ext cx="3275013" cy="4408488"/>
+            </a:xfrm>
+            <a:custGeom>
+              <a:avLst/>
+              <a:gdLst/>
+              <a:ahLst/>
+              <a:cxnLst/>
+              <a:rect l="l" t="t" r="r" b="b"/>
+              <a:pathLst>
+                <a:path w="10000" h="10000">
+                  <a:moveTo>
+                    <a:pt x="8761" y="0"/>
+                  </a:moveTo>
+                  <a:lnTo>
+                    <a:pt x="10000" y="0"/>
+                  </a:lnTo>
+                  <a:lnTo>
+                    <a:pt x="10000" y="10000"/>
+                  </a:lnTo>
+                  <a:lnTo>
+                    <a:pt x="0" y="10000"/>
+                  </a:lnTo>
+                  <a:lnTo>
+                    <a:pt x="0" y="9126"/>
+                  </a:lnTo>
+                  <a:lnTo>
+                    <a:pt x="8761" y="9127"/>
+                  </a:lnTo>
+                  <a:lnTo>
+                    <a:pt x="8761" y="0"/>
+                  </a:lnTo>
+                  <a:close/>
+                </a:path>
+              </a:pathLst>
+            </a:custGeom>
+            <a:solidFill>
+              <a:schemeClr val="tx2"/>
+            </a:solidFill>
+            <a:ln w="0">
+              <a:noFill/>
+              <a:prstDash val="solid"/>
+              <a:round/>
+              <a:headEnd/>
+              <a:tailEnd/>
+            </a:ln>
+          </p:spPr>
+          <p:txBody>
+            <a:bodyPr/>
+            <a:lstStyle/>
+            <a:p>
+              <a:endParaRPr lang="en-IL"/>
+            </a:p>
+          </p:txBody>
+        </p:sp>
+        <p:sp>
+          <p:nvSpPr>
+            <p:cNvPr id="20" name="Freeform 6">
+              <a:extLst>
+                <a:ext uri="{FF2B5EF4-FFF2-40B4-BE49-F238E27FC236}">
+                  <a16:creationId xmlns:a16="http://schemas.microsoft.com/office/drawing/2014/main" id="{339174D0-30E8-4BBF-BF81-5DDAC33C0C0E}"/>
+                </a:ext>
+                <a:ext uri="{C183D7F6-B498-43B3-948B-1728B52AA6E4}">
+                  <adec:decorative xmlns:adec="http://schemas.microsoft.com/office/drawing/2017/decorative" val="1"/>
+                </a:ext>
+              </a:extLst>
+            </p:cNvPr>
+            <p:cNvSpPr/>
+            <p:nvPr>
+              <p:extLst>
+                <p:ext uri="{386F3935-93C4-4BCD-93E2-E3B085C9AB24}">
+                  <p16:designElem xmlns:p16="http://schemas.microsoft.com/office/powerpoint/2015/main" val="1"/>
+                </p:ext>
+              </p:extLst>
+            </p:nvPr>
+          </p:nvSpPr>
+          <p:spPr bwMode="auto">
+            <a:xfrm flipH="1" flipV="1">
+              <a:off x="752858" y="744469"/>
+              <a:ext cx="3275668" cy="4408488"/>
+            </a:xfrm>
+            <a:custGeom>
+              <a:avLst/>
+              <a:gdLst/>
+              <a:ahLst/>
+              <a:cxnLst/>
+              <a:rect l="l" t="t" r="r" b="b"/>
+              <a:pathLst>
+                <a:path w="10002" h="10000">
+                  <a:moveTo>
+                    <a:pt x="8763" y="0"/>
+                  </a:moveTo>
+                  <a:lnTo>
+                    <a:pt x="10002" y="0"/>
+                  </a:lnTo>
+                  <a:lnTo>
+                    <a:pt x="10002" y="10000"/>
+                  </a:lnTo>
+                  <a:lnTo>
+                    <a:pt x="2" y="10000"/>
+                  </a:lnTo>
+                  <a:cubicBezTo>
+                    <a:pt x="-2" y="9698"/>
+                    <a:pt x="4" y="9427"/>
+                    <a:pt x="0" y="9125"/>
+                  </a:cubicBezTo>
+                  <a:lnTo>
+                    <a:pt x="8763" y="9128"/>
+                  </a:lnTo>
+                  <a:lnTo>
+                    <a:pt x="8763" y="0"/>
+                  </a:lnTo>
+                  <a:close/>
+                </a:path>
+              </a:pathLst>
+            </a:custGeom>
+            <a:solidFill>
+              <a:schemeClr val="tx2"/>
+            </a:solidFill>
+            <a:ln w="0">
+              <a:noFill/>
+              <a:prstDash val="solid"/>
+              <a:round/>
+              <a:headEnd/>
+              <a:tailEnd/>
+            </a:ln>
+          </p:spPr>
+          <p:txBody>
+            <a:bodyPr/>
+            <a:lstStyle/>
+            <a:p>
+              <a:endParaRPr lang="en-IL"/>
+            </a:p>
+          </p:txBody>
+        </p:sp>
+      </p:grpSp>
+      <p:sp useBgFill="1">
+        <p:nvSpPr>
+          <p:cNvPr id="22" name="Rectangle 21">
+            <a:extLst>
+              <a:ext uri="{FF2B5EF4-FFF2-40B4-BE49-F238E27FC236}">
+                <a16:creationId xmlns:a16="http://schemas.microsoft.com/office/drawing/2014/main" id="{AAC11200-8B97-4CB4-99EF-7C0FA210F2C4}"/>
+              </a:ext>
+              <a:ext uri="{C183D7F6-B498-43B3-948B-1728B52AA6E4}">
+                <adec:decorative xmlns:adec="http://schemas.microsoft.com/office/drawing/2017/decorative" val="1"/>
+              </a:ext>
+            </a:extLst>
+          </p:cNvPr>
+          <p:cNvSpPr>
+            <a:spLocks noGrp="1" noRot="1" noChangeAspect="1" noMove="1" noResize="1" noEditPoints="1" noAdjustHandles="1" noChangeArrowheads="1" noChangeShapeType="1" noTextEdit="1"/>
+          </p:cNvSpPr>
+          <p:nvPr>
+            <p:extLst>
+              <p:ext uri="{386F3935-93C4-4BCD-93E2-E3B085C9AB24}">
+                <p16:designElem xmlns:p16="http://schemas.microsoft.com/office/powerpoint/2015/main" val="1"/>
+              </p:ext>
+            </p:extLst>
+          </p:nvPr>
+        </p:nvSpPr>
+        <p:spPr>
+          <a:xfrm>
+            <a:off x="-1421" y="0"/>
+            <a:ext cx="9143999" cy="6858000"/>
+          </a:xfrm>
+          <a:prstGeom prst="rect">
+            <a:avLst/>
+          </a:prstGeom>
+          <a:ln>
+            <a:noFill/>
+          </a:ln>
+        </p:spPr>
+        <p:style>
+          <a:lnRef idx="2">
+            <a:schemeClr val="accent1">
+              <a:shade val="50000"/>
+            </a:schemeClr>
+          </a:lnRef>
+          <a:fillRef idx="1001">
+            <a:schemeClr val="lt2"/>
+          </a:fillRef>
+          <a:effectRef idx="0">
+            <a:schemeClr val="accent1"/>
+          </a:effectRef>
+          <a:fontRef idx="minor">
+            <a:schemeClr val="lt1"/>
+          </a:fontRef>
+        </p:style>
+        <p:txBody>
+          <a:bodyPr rtlCol="0" anchor="ctr"/>
+          <a:lstStyle/>
+          <a:p>
+            <a:pPr algn="ctr"/>
+            <a:endParaRPr lang="en-US"/>
+          </a:p>
+        </p:txBody>
+      </p:sp>
       <p:sp>
         <p:nvSpPr>
           <p:cNvPr id="2" name="Title 1">
@@ -5021,7 +9127,100 @@
             <p:ph type="title"/>
           </p:nvPr>
         </p:nvSpPr>
-        <p:spPr/>
+        <p:spPr>
+          <a:xfrm>
+            <a:off x="494422" y="4484772"/>
+            <a:ext cx="8152313" cy="1237298"/>
+          </a:xfrm>
+        </p:spPr>
+        <p:txBody>
+          <a:bodyPr vert="horz" lIns="91440" tIns="45720" rIns="91440" bIns="45720" rtlCol="0" anchor="b">
+            <a:normAutofit/>
+          </a:bodyPr>
+          <a:lstStyle/>
+          <a:p>
+            <a:pPr algn="ctr" defTabSz="914400"/>
+            <a:r>
+              <a:rPr lang="en-US" sz="4000" cap="all"/>
+              <a:t>Visualization of the computed features</a:t>
+            </a:r>
+          </a:p>
+        </p:txBody>
+      </p:sp>
+      <p:sp>
+        <p:nvSpPr>
+          <p:cNvPr id="24" name="Freeform 6">
+            <a:extLst>
+              <a:ext uri="{FF2B5EF4-FFF2-40B4-BE49-F238E27FC236}">
+                <a16:creationId xmlns:a16="http://schemas.microsoft.com/office/drawing/2014/main" id="{BB502E7E-3C82-47F3-B817-7507C01A1FCD}"/>
+              </a:ext>
+              <a:ext uri="{C183D7F6-B498-43B3-948B-1728B52AA6E4}">
+                <adec:decorative xmlns:adec="http://schemas.microsoft.com/office/drawing/2017/decorative" val="1"/>
+              </a:ext>
+            </a:extLst>
+          </p:cNvPr>
+          <p:cNvSpPr>
+            <a:spLocks noGrp="1" noRot="1" noChangeAspect="1" noMove="1" noResize="1" noEditPoints="1" noAdjustHandles="1" noChangeArrowheads="1" noChangeShapeType="1" noTextEdit="1"/>
+          </p:cNvSpPr>
+          <p:nvPr>
+            <p:extLst>
+              <p:ext uri="{386F3935-93C4-4BCD-93E2-E3B085C9AB24}">
+                <p16:designElem xmlns:p16="http://schemas.microsoft.com/office/powerpoint/2015/main" val="1"/>
+              </p:ext>
+            </p:extLst>
+          </p:nvPr>
+        </p:nvSpPr>
+        <p:spPr bwMode="auto">
+          <a:xfrm rot="5400000" flipH="1">
+            <a:off x="375437" y="417767"/>
+            <a:ext cx="3275668" cy="3306366"/>
+          </a:xfrm>
+          <a:custGeom>
+            <a:avLst/>
+            <a:gdLst/>
+            <a:ahLst/>
+            <a:cxnLst/>
+            <a:rect l="l" t="t" r="r" b="b"/>
+            <a:pathLst>
+              <a:path w="10002" h="10000">
+                <a:moveTo>
+                  <a:pt x="8763" y="0"/>
+                </a:moveTo>
+                <a:lnTo>
+                  <a:pt x="10002" y="0"/>
+                </a:lnTo>
+                <a:lnTo>
+                  <a:pt x="10002" y="10000"/>
+                </a:lnTo>
+                <a:lnTo>
+                  <a:pt x="2" y="10000"/>
+                </a:lnTo>
+                <a:cubicBezTo>
+                  <a:pt x="-2" y="9698"/>
+                  <a:pt x="4" y="9427"/>
+                  <a:pt x="0" y="9125"/>
+                </a:cubicBezTo>
+                <a:lnTo>
+                  <a:pt x="8763" y="9128"/>
+                </a:lnTo>
+                <a:lnTo>
+                  <a:pt x="8763" y="0"/>
+                </a:lnTo>
+                <a:close/>
+              </a:path>
+            </a:pathLst>
+          </a:custGeom>
+          <a:solidFill>
+            <a:schemeClr val="tx2"/>
+          </a:solidFill>
+          <a:ln w="0">
+            <a:noFill/>
+            <a:prstDash val="solid"/>
+            <a:round/>
+            <a:headEnd/>
+            <a:tailEnd/>
+          </a:ln>
+        </p:spPr>
         <p:txBody>
           <a:bodyPr/>
           <a:lstStyle/>
@@ -5032,10 +9231,150 @@
       </p:sp>
       <p:pic>
         <p:nvPicPr>
-          <p:cNvPr id="5" name="Content Placeholder 4">
+          <p:cNvPr id="11" name="Picture 10" descr="A chart of heatmap overlay&#10;&#10;Description automatically generated">
             <a:extLst>
               <a:ext uri="{FF2B5EF4-FFF2-40B4-BE49-F238E27FC236}">
-                <a16:creationId xmlns:a16="http://schemas.microsoft.com/office/drawing/2014/main" id="{CE64B744-2D16-4D2F-352F-7DA1B05AF939}"/>
+                <a16:creationId xmlns:a16="http://schemas.microsoft.com/office/drawing/2014/main" id="{59BF9855-3CC6-CD7B-BE8D-654F21553D36}"/>
+              </a:ext>
+            </a:extLst>
+          </p:cNvPr>
+          <p:cNvPicPr>
+            <a:picLocks noChangeAspect="1"/>
+          </p:cNvPicPr>
+          <p:nvPr/>
+        </p:nvPicPr>
+        <p:blipFill>
+          <a:blip r:embed="rId2"/>
+          <a:stretch>
+            <a:fillRect/>
+          </a:stretch>
+        </p:blipFill>
+        <p:spPr>
+          <a:xfrm>
+            <a:off x="887147" y="1556246"/>
+            <a:ext cx="2309249" cy="1773503"/>
+          </a:xfrm>
+          <a:prstGeom prst="rect">
+            <a:avLst/>
+          </a:prstGeom>
+        </p:spPr>
+      </p:pic>
+      <p:sp>
+        <p:nvSpPr>
+          <p:cNvPr id="26" name="Freeform 6">
+            <a:extLst>
+              <a:ext uri="{FF2B5EF4-FFF2-40B4-BE49-F238E27FC236}">
+                <a16:creationId xmlns:a16="http://schemas.microsoft.com/office/drawing/2014/main" id="{3E5C639E-7A0B-46B2-9273-986E8BE7F119}"/>
+              </a:ext>
+              <a:ext uri="{C183D7F6-B498-43B3-948B-1728B52AA6E4}">
+                <adec:decorative xmlns:adec="http://schemas.microsoft.com/office/drawing/2017/decorative" val="1"/>
+              </a:ext>
+            </a:extLst>
+          </p:cNvPr>
+          <p:cNvSpPr>
+            <a:spLocks noGrp="1" noRot="1" noChangeAspect="1" noMove="1" noResize="1" noEditPoints="1" noAdjustHandles="1" noChangeArrowheads="1" noChangeShapeType="1" noTextEdit="1"/>
+          </p:cNvSpPr>
+          <p:nvPr>
+            <p:extLst>
+              <p:ext uri="{386F3935-93C4-4BCD-93E2-E3B085C9AB24}">
+                <p16:designElem xmlns:p16="http://schemas.microsoft.com/office/powerpoint/2015/main" val="1"/>
+              </p:ext>
+            </p:extLst>
+          </p:nvPr>
+        </p:nvSpPr>
+        <p:spPr bwMode="auto">
+          <a:xfrm rot="5400000" flipV="1">
+            <a:off x="5469487" y="1165145"/>
+            <a:ext cx="3275013" cy="3306366"/>
+          </a:xfrm>
+          <a:custGeom>
+            <a:avLst/>
+            <a:gdLst/>
+            <a:ahLst/>
+            <a:cxnLst/>
+            <a:rect l="l" t="t" r="r" b="b"/>
+            <a:pathLst>
+              <a:path w="10000" h="10000">
+                <a:moveTo>
+                  <a:pt x="8761" y="0"/>
+                </a:moveTo>
+                <a:lnTo>
+                  <a:pt x="10000" y="0"/>
+                </a:lnTo>
+                <a:lnTo>
+                  <a:pt x="10000" y="10000"/>
+                </a:lnTo>
+                <a:lnTo>
+                  <a:pt x="0" y="10000"/>
+                </a:lnTo>
+                <a:lnTo>
+                  <a:pt x="0" y="9126"/>
+                </a:lnTo>
+                <a:lnTo>
+                  <a:pt x="8761" y="9127"/>
+                </a:lnTo>
+                <a:lnTo>
+                  <a:pt x="8761" y="0"/>
+                </a:lnTo>
+                <a:close/>
+              </a:path>
+            </a:pathLst>
+          </a:custGeom>
+          <a:solidFill>
+            <a:schemeClr val="tx2"/>
+          </a:solidFill>
+          <a:ln w="0">
+            <a:noFill/>
+            <a:prstDash val="solid"/>
+            <a:round/>
+            <a:headEnd/>
+            <a:tailEnd/>
+          </a:ln>
+        </p:spPr>
+        <p:txBody>
+          <a:bodyPr/>
+          <a:lstStyle/>
+          <a:p>
+            <a:endParaRPr lang="en-IL"/>
+          </a:p>
+        </p:txBody>
+      </p:sp>
+      <p:pic>
+        <p:nvPicPr>
+          <p:cNvPr id="13" name="Picture 12" descr="A blurry image of a person's face&#10;&#10;Description automatically generated">
+            <a:extLst>
+              <a:ext uri="{FF2B5EF4-FFF2-40B4-BE49-F238E27FC236}">
+                <a16:creationId xmlns:a16="http://schemas.microsoft.com/office/drawing/2014/main" id="{8E2350BF-8BAE-0B68-A560-4A5ACA694263}"/>
+              </a:ext>
+            </a:extLst>
+          </p:cNvPr>
+          <p:cNvPicPr>
+            <a:picLocks noChangeAspect="1"/>
+          </p:cNvPicPr>
+          <p:nvPr/>
+        </p:nvPicPr>
+        <p:blipFill>
+          <a:blip r:embed="rId3"/>
+          <a:stretch>
+            <a:fillRect/>
+          </a:stretch>
+        </p:blipFill>
+        <p:spPr>
+          <a:xfrm>
+            <a:off x="3431424" y="1540559"/>
+            <a:ext cx="2287423" cy="1805134"/>
+          </a:xfrm>
+          <a:prstGeom prst="rect">
+            <a:avLst/>
+          </a:prstGeom>
+        </p:spPr>
+      </p:pic>
+      <p:pic>
+        <p:nvPicPr>
+          <p:cNvPr id="7" name="Content Placeholder 6" descr="A close-up of a heatmap overlay&#10;&#10;Description automatically generated">
+            <a:extLst>
+              <a:ext uri="{FF2B5EF4-FFF2-40B4-BE49-F238E27FC236}">
+                <a16:creationId xmlns:a16="http://schemas.microsoft.com/office/drawing/2014/main" id="{4FD3DAB3-7F6C-DE38-3A5A-B55B74C9C66C}"/>
               </a:ext>
             </a:extLst>
           </p:cNvPr>
@@ -5047,16 +9386,19 @@
           </p:nvPr>
         </p:nvPicPr>
         <p:blipFill>
-          <a:blip r:embed="rId2"/>
+          <a:blip r:embed="rId4"/>
           <a:stretch>
             <a:fillRect/>
           </a:stretch>
         </p:blipFill>
         <p:spPr>
           <a:xfrm>
-            <a:off x="1650126" y="2286000"/>
-            <a:ext cx="5958047" cy="3581400"/>
+            <a:off x="5953876" y="1496105"/>
+            <a:ext cx="2281151" cy="1893785"/>
           </a:xfrm>
+          <a:prstGeom prst="rect">
+            <a:avLst/>
+          </a:prstGeom>
         </p:spPr>
       </p:pic>
     </p:spTree>
@@ -5328,4 +9670,299 @@
     </a:ext>
   </a:extLst>
 </a:theme>
+</file>
+
+<file path=ppt/theme/theme2.xml><?xml version="1.0" encoding="utf-8"?>
+<a:theme xmlns:a="http://schemas.openxmlformats.org/drawingml/2006/main" name="Office Theme">
+  <a:themeElements>
+    <a:clrScheme name="Office">
+      <a:dk1>
+        <a:sysClr val="windowText" lastClr="000000"/>
+      </a:dk1>
+      <a:lt1>
+        <a:sysClr val="window" lastClr="FFFFFF"/>
+      </a:lt1>
+      <a:dk2>
+        <a:srgbClr val="44546A"/>
+      </a:dk2>
+      <a:lt2>
+        <a:srgbClr val="E7E6E6"/>
+      </a:lt2>
+      <a:accent1>
+        <a:srgbClr val="4472C4"/>
+      </a:accent1>
+      <a:accent2>
+        <a:srgbClr val="ED7D31"/>
+      </a:accent2>
+      <a:accent3>
+        <a:srgbClr val="A5A5A5"/>
+      </a:accent3>
+      <a:accent4>
+        <a:srgbClr val="FFC000"/>
+      </a:accent4>
+      <a:accent5>
+        <a:srgbClr val="5B9BD5"/>
+      </a:accent5>
+      <a:accent6>
+        <a:srgbClr val="70AD47"/>
+      </a:accent6>
+      <a:hlink>
+        <a:srgbClr val="0563C1"/>
+      </a:hlink>
+      <a:folHlink>
+        <a:srgbClr val="954F72"/>
+      </a:folHlink>
+    </a:clrScheme>
+    <a:fontScheme name="Office">
+      <a:majorFont>
+        <a:latin typeface="Calibri Light" panose="020F0302020204030204"/>
+        <a:ea typeface=""/>
+        <a:cs typeface=""/>
+        <a:font script="Jpan" typeface="游ゴシック Light"/>
+        <a:font script="Hang" typeface="맑은 고딕"/>
+        <a:font script="Hans" typeface="等线 Light"/>
+        <a:font script="Hant" typeface="新細明體"/>
+        <a:font script="Arab" typeface="Times New Roman"/>
+        <a:font script="Hebr" typeface="Times New Roman"/>
+        <a:font script="Thai" typeface="Angsana New"/>
+        <a:font script="Ethi" typeface="Nyala"/>
+        <a:font script="Beng" typeface="Vrinda"/>
+        <a:font script="Gujr" typeface="Shruti"/>
+        <a:font script="Khmr" typeface="MoolBoran"/>
+        <a:font script="Knda" typeface="Tunga"/>
+        <a:font script="Guru" typeface="Raavi"/>
+        <a:font script="Cans" typeface="Euphemia"/>
+        <a:font script="Cher" typeface="Plantagenet Cherokee"/>
+        <a:font script="Yiii" typeface="Microsoft Yi Baiti"/>
+        <a:font script="Tibt" typeface="Microsoft Himalaya"/>
+        <a:font script="Thaa" typeface="MV Boli"/>
+        <a:font script="Deva" typeface="Mangal"/>
+        <a:font script="Telu" typeface="Gautami"/>
+        <a:font script="Taml" typeface="Latha"/>
+        <a:font script="Syrc" typeface="Estrangelo Edessa"/>
+        <a:font script="Orya" typeface="Kalinga"/>
+        <a:font script="Mlym" typeface="Kartika"/>
+        <a:font script="Laoo" typeface="DokChampa"/>
+        <a:font script="Sinh" typeface="Iskoola Pota"/>
+        <a:font script="Mong" typeface="Mongolian Baiti"/>
+        <a:font script="Viet" typeface="Times New Roman"/>
+        <a:font script="Uigh" typeface="Microsoft Uighur"/>
+        <a:font script="Geor" typeface="Sylfaen"/>
+        <a:font script="Armn" typeface="Arial"/>
+        <a:font script="Bugi" typeface="Leelawadee UI"/>
+        <a:font script="Bopo" typeface="Microsoft JhengHei"/>
+        <a:font script="Java" typeface="Javanese Text"/>
+        <a:font script="Lisu" typeface="Segoe UI"/>
+        <a:font script="Mymr" typeface="Myanmar Text"/>
+        <a:font script="Nkoo" typeface="Ebrima"/>
+        <a:font script="Olck" typeface="Nirmala UI"/>
+        <a:font script="Osma" typeface="Ebrima"/>
+        <a:font script="Phag" typeface="Phagspa"/>
+        <a:font script="Syrn" typeface="Estrangelo Edessa"/>
+        <a:font script="Syrj" typeface="Estrangelo Edessa"/>
+        <a:font script="Syre" typeface="Estrangelo Edessa"/>
+        <a:font script="Sora" typeface="Nirmala UI"/>
+        <a:font script="Tale" typeface="Microsoft Tai Le"/>
+        <a:font script="Talu" typeface="Microsoft New Tai Lue"/>
+        <a:font script="Tfng" typeface="Ebrima"/>
+      </a:majorFont>
+      <a:minorFont>
+        <a:latin typeface="Calibri" panose="020F0502020204030204"/>
+        <a:ea typeface=""/>
+        <a:cs typeface=""/>
+        <a:font script="Jpan" typeface="游ゴシック"/>
+        <a:font script="Hang" typeface="맑은 고딕"/>
+        <a:font script="Hans" typeface="等线"/>
+        <a:font script="Hant" typeface="新細明體"/>
+        <a:font script="Arab" typeface="Arial"/>
+        <a:font script="Hebr" typeface="Arial"/>
+        <a:font script="Thai" typeface="Cordia New"/>
+        <a:font script="Ethi" typeface="Nyala"/>
+        <a:font script="Beng" typeface="Vrinda"/>
+        <a:font script="Gujr" typeface="Shruti"/>
+        <a:font script="Khmr" typeface="DaunPenh"/>
+        <a:font script="Knda" typeface="Tunga"/>
+        <a:font script="Guru" typeface="Raavi"/>
+        <a:font script="Cans" typeface="Euphemia"/>
+        <a:font script="Cher" typeface="Plantagenet Cherokee"/>
+        <a:font script="Yiii" typeface="Microsoft Yi Baiti"/>
+        <a:font script="Tibt" typeface="Microsoft Himalaya"/>
+        <a:font script="Thaa" typeface="MV Boli"/>
+        <a:font script="Deva" typeface="Mangal"/>
+        <a:font script="Telu" typeface="Gautami"/>
+        <a:font script="Taml" typeface="Latha"/>
+        <a:font script="Syrc" typeface="Estrangelo Edessa"/>
+        <a:font script="Orya" typeface="Kalinga"/>
+        <a:font script="Mlym" typeface="Kartika"/>
+        <a:font script="Laoo" typeface="DokChampa"/>
+        <a:font script="Sinh" typeface="Iskoola Pota"/>
+        <a:font script="Mong" typeface="Mongolian Baiti"/>
+        <a:font script="Viet" typeface="Arial"/>
+        <a:font script="Uigh" typeface="Microsoft Uighur"/>
+        <a:font script="Geor" typeface="Sylfaen"/>
+        <a:font script="Armn" typeface="Arial"/>
+        <a:font script="Bugi" typeface="Leelawadee UI"/>
+        <a:font script="Bopo" typeface="Microsoft JhengHei"/>
+        <a:font script="Java" typeface="Javanese Text"/>
+        <a:font script="Lisu" typeface="Segoe UI"/>
+        <a:font script="Mymr" typeface="Myanmar Text"/>
+        <a:font script="Nkoo" typeface="Ebrima"/>
+        <a:font script="Olck" typeface="Nirmala UI"/>
+        <a:font script="Osma" typeface="Ebrima"/>
+        <a:font script="Phag" typeface="Phagspa"/>
+        <a:font script="Syrn" typeface="Estrangelo Edessa"/>
+        <a:font script="Syrj" typeface="Estrangelo Edessa"/>
+        <a:font script="Syre" typeface="Estrangelo Edessa"/>
+        <a:font script="Sora" typeface="Nirmala UI"/>
+        <a:font script="Tale" typeface="Microsoft Tai Le"/>
+        <a:font script="Talu" typeface="Microsoft New Tai Lue"/>
+        <a:font script="Tfng" typeface="Ebrima"/>
+      </a:minorFont>
+    </a:fontScheme>
+    <a:fmtScheme name="Office">
+      <a:fillStyleLst>
+        <a:solidFill>
+          <a:schemeClr val="phClr"/>
+        </a:solidFill>
+        <a:gradFill rotWithShape="1">
+          <a:gsLst>
+            <a:gs pos="0">
+              <a:schemeClr val="phClr">
+                <a:lumMod val="110000"/>
+                <a:satMod val="105000"/>
+                <a:tint val="67000"/>
+              </a:schemeClr>
+            </a:gs>
+            <a:gs pos="50000">
+              <a:schemeClr val="phClr">
+                <a:lumMod val="105000"/>
+                <a:satMod val="103000"/>
+                <a:tint val="73000"/>
+              </a:schemeClr>
+            </a:gs>
+            <a:gs pos="100000">
+              <a:schemeClr val="phClr">
+                <a:lumMod val="105000"/>
+                <a:satMod val="109000"/>
+                <a:tint val="81000"/>
+              </a:schemeClr>
+            </a:gs>
+          </a:gsLst>
+          <a:lin ang="5400000" scaled="0"/>
+        </a:gradFill>
+        <a:gradFill rotWithShape="1">
+          <a:gsLst>
+            <a:gs pos="0">
+              <a:schemeClr val="phClr">
+                <a:satMod val="103000"/>
+                <a:lumMod val="102000"/>
+                <a:tint val="94000"/>
+              </a:schemeClr>
+            </a:gs>
+            <a:gs pos="50000">
+              <a:schemeClr val="phClr">
+                <a:satMod val="110000"/>
+                <a:lumMod val="100000"/>
+                <a:shade val="100000"/>
+              </a:schemeClr>
+            </a:gs>
+            <a:gs pos="100000">
+              <a:schemeClr val="phClr">
+                <a:lumMod val="99000"/>
+                <a:satMod val="120000"/>
+                <a:shade val="78000"/>
+              </a:schemeClr>
+            </a:gs>
+          </a:gsLst>
+          <a:lin ang="5400000" scaled="0"/>
+        </a:gradFill>
+      </a:fillStyleLst>
+      <a:lnStyleLst>
+        <a:ln w="6350" cap="flat" cmpd="sng" algn="ctr">
+          <a:solidFill>
+            <a:schemeClr val="phClr"/>
+          </a:solidFill>
+          <a:prstDash val="solid"/>
+          <a:miter lim="800000"/>
+        </a:ln>
+        <a:ln w="12700" cap="flat" cmpd="sng" algn="ctr">
+          <a:solidFill>
+            <a:schemeClr val="phClr"/>
+          </a:solidFill>
+          <a:prstDash val="solid"/>
+          <a:miter lim="800000"/>
+        </a:ln>
+        <a:ln w="19050" cap="flat" cmpd="sng" algn="ctr">
+          <a:solidFill>
+            <a:schemeClr val="phClr"/>
+          </a:solidFill>
+          <a:prstDash val="solid"/>
+          <a:miter lim="800000"/>
+        </a:ln>
+      </a:lnStyleLst>
+      <a:effectStyleLst>
+        <a:effectStyle>
+          <a:effectLst/>
+        </a:effectStyle>
+        <a:effectStyle>
+          <a:effectLst/>
+        </a:effectStyle>
+        <a:effectStyle>
+          <a:effectLst>
+            <a:outerShdw blurRad="57150" dist="19050" dir="5400000" algn="ctr" rotWithShape="0">
+              <a:srgbClr val="000000">
+                <a:alpha val="63000"/>
+              </a:srgbClr>
+            </a:outerShdw>
+          </a:effectLst>
+        </a:effectStyle>
+      </a:effectStyleLst>
+      <a:bgFillStyleLst>
+        <a:solidFill>
+          <a:schemeClr val="phClr"/>
+        </a:solidFill>
+        <a:solidFill>
+          <a:schemeClr val="phClr">
+            <a:tint val="95000"/>
+            <a:satMod val="170000"/>
+          </a:schemeClr>
+        </a:solidFill>
+        <a:gradFill rotWithShape="1">
+          <a:gsLst>
+            <a:gs pos="0">
+              <a:schemeClr val="phClr">
+                <a:tint val="93000"/>
+                <a:satMod val="150000"/>
+                <a:shade val="98000"/>
+                <a:lumMod val="102000"/>
+              </a:schemeClr>
+            </a:gs>
+            <a:gs pos="50000">
+              <a:schemeClr val="phClr">
+                <a:tint val="98000"/>
+                <a:satMod val="130000"/>
+                <a:shade val="90000"/>
+                <a:lumMod val="103000"/>
+              </a:schemeClr>
+            </a:gs>
+            <a:gs pos="100000">
+              <a:schemeClr val="phClr">
+                <a:shade val="63000"/>
+                <a:satMod val="120000"/>
+              </a:schemeClr>
+            </a:gs>
+          </a:gsLst>
+          <a:lin ang="5400000" scaled="0"/>
+        </a:gradFill>
+      </a:bgFillStyleLst>
+    </a:fmtScheme>
+  </a:themeElements>
+  <a:objectDefaults/>
+  <a:extraClrSchemeLst/>
+  <a:extLst>
+    <a:ext uri="{05A4C25C-085E-4340-85A3-A5531E510DB2}">
+      <thm15:themeFamily xmlns:thm15="http://schemas.microsoft.com/office/thememl/2012/main" name="Office Theme" id="{62F939B6-93AF-4DB8-9C6B-D6C7DFDC589F}" vid="{4A3C46E8-61CC-4603-A589-7422A47A8E4A}"/>
+    </a:ext>
+  </a:extLst>
+</a:theme>
 </file>